--- a/CleanCode.pptx
+++ b/CleanCode.pptx
@@ -1359,6 +1359,13 @@
         </dgm:presLayoutVars>
       </dgm:prSet>
       <dgm:spPr/>
+      <dgm:t>
+        <a:bodyPr/>
+        <a:lstStyle/>
+        <a:p>
+          <a:endParaRPr lang="ru-RU"/>
+        </a:p>
+      </dgm:t>
     </dgm:pt>
     <dgm:pt modelId="{6998C62D-1852-4858-97A4-823B84A9B36A}" type="pres">
       <dgm:prSet presAssocID="{4975C9CB-47D1-40A4-AA2C-91437C2D6DCB}" presName="node" presStyleLbl="node1" presStyleIdx="0" presStyleCnt="4">
@@ -1367,6 +1374,13 @@
         </dgm:presLayoutVars>
       </dgm:prSet>
       <dgm:spPr/>
+      <dgm:t>
+        <a:bodyPr/>
+        <a:lstStyle/>
+        <a:p>
+          <a:endParaRPr lang="ru-RU"/>
+        </a:p>
+      </dgm:t>
     </dgm:pt>
     <dgm:pt modelId="{3B2415F5-355F-4281-A0C8-16ACEEC1DD29}" type="pres">
       <dgm:prSet presAssocID="{B2F0D48E-AB64-45D4-B6ED-291C293D3494}" presName="sibTrans" presStyleCnt="0"/>
@@ -1379,6 +1393,13 @@
         </dgm:presLayoutVars>
       </dgm:prSet>
       <dgm:spPr/>
+      <dgm:t>
+        <a:bodyPr/>
+        <a:lstStyle/>
+        <a:p>
+          <a:endParaRPr lang="ru-RU"/>
+        </a:p>
+      </dgm:t>
     </dgm:pt>
     <dgm:pt modelId="{62FAF332-7A37-4AB9-9667-6A63F854188A}" type="pres">
       <dgm:prSet presAssocID="{235942F8-33C2-4DB7-BBD0-0C05FA054AC1}" presName="sibTrans" presStyleCnt="0"/>
@@ -1391,6 +1412,13 @@
         </dgm:presLayoutVars>
       </dgm:prSet>
       <dgm:spPr/>
+      <dgm:t>
+        <a:bodyPr/>
+        <a:lstStyle/>
+        <a:p>
+          <a:endParaRPr lang="ru-RU"/>
+        </a:p>
+      </dgm:t>
     </dgm:pt>
     <dgm:pt modelId="{A19F6442-16E7-43F9-9CE5-8B7AE4275D49}" type="pres">
       <dgm:prSet presAssocID="{A51BFA52-D7F7-42DF-B844-2CB0BB358F49}" presName="sibTrans" presStyleCnt="0"/>
@@ -1403,26 +1431,33 @@
         </dgm:presLayoutVars>
       </dgm:prSet>
       <dgm:spPr/>
+      <dgm:t>
+        <a:bodyPr/>
+        <a:lstStyle/>
+        <a:p>
+          <a:endParaRPr lang="ru-RU"/>
+        </a:p>
+      </dgm:t>
     </dgm:pt>
   </dgm:ptLst>
   <dgm:cxnLst>
+    <dgm:cxn modelId="{9E925C94-E103-41B5-8705-64A8FAD53EA1}" srcId="{3C0DCA5F-E404-4775-A156-82C5CDE24BAE}" destId="{59FBE3DB-467F-4795-9C5A-30D0E062C97B}" srcOrd="0" destOrd="0" parTransId="{CA0A9F91-BCE4-426F-81F6-6C722DF01823}" sibTransId="{DE0179F1-1121-4365-BF1F-6919CF6B796F}"/>
+    <dgm:cxn modelId="{29D9B51C-7E02-4148-9869-5CDC77C48A7C}" srcId="{ECB9F578-0D4F-4CCB-A1EB-B4255F24531F}" destId="{17D081C2-E088-4FDD-927F-DE009755237B}" srcOrd="3" destOrd="0" parTransId="{9808CA75-7777-406A-8BFF-3DBC0B641A28}" sibTransId="{9C448658-C0FE-48FC-9502-06CE3AED8426}"/>
+    <dgm:cxn modelId="{88D92139-244F-4EBB-9F49-DD65822F9B29}" type="presOf" srcId="{17D081C2-E088-4FDD-927F-DE009755237B}" destId="{D2A489EC-4CCD-4360-85AF-2DC35485AA70}" srcOrd="0" destOrd="0" presId="urn:microsoft.com/office/officeart/2005/8/layout/default"/>
+    <dgm:cxn modelId="{565DD236-F183-4A16-9DE4-4AD69A103D9B}" type="presOf" srcId="{228D2D4C-4EED-4EF2-88D8-0C412AAF37FC}" destId="{D2A489EC-4CCD-4360-85AF-2DC35485AA70}" srcOrd="0" destOrd="1" presId="urn:microsoft.com/office/officeart/2005/8/layout/default"/>
+    <dgm:cxn modelId="{9645BE00-BD32-4AEA-8081-F66572141259}" type="presOf" srcId="{37E78DDA-A5D0-4098-9CBE-7612328D1D79}" destId="{B2D87657-E6DA-43C2-8D3E-373C72EDA23D}" srcOrd="0" destOrd="0" presId="urn:microsoft.com/office/officeart/2005/8/layout/default"/>
+    <dgm:cxn modelId="{21D9A591-0A48-4091-B773-743B8FCD3ACD}" srcId="{17D081C2-E088-4FDD-927F-DE009755237B}" destId="{228D2D4C-4EED-4EF2-88D8-0C412AAF37FC}" srcOrd="0" destOrd="0" parTransId="{964D75B5-FC27-4289-BEFE-AC9966DA926F}" sibTransId="{FF39CDE4-837D-466E-BA80-1CCDCF785253}"/>
     <dgm:cxn modelId="{9EBAD6CB-225F-4B94-9851-BED248FF8AA4}" type="presOf" srcId="{3C0DCA5F-E404-4775-A156-82C5CDE24BAE}" destId="{8A75B25A-85B6-4F6F-9BE7-029692A2CA64}" srcOrd="0" destOrd="0" presId="urn:microsoft.com/office/officeart/2005/8/layout/default"/>
-    <dgm:cxn modelId="{0C9C9B54-9277-4AAF-AFB3-44C7442EF7C0}" type="presOf" srcId="{59FBE3DB-467F-4795-9C5A-30D0E062C97B}" destId="{8A75B25A-85B6-4F6F-9BE7-029692A2CA64}" srcOrd="0" destOrd="1" presId="urn:microsoft.com/office/officeart/2005/8/layout/default"/>
-    <dgm:cxn modelId="{9E925C94-E103-41B5-8705-64A8FAD53EA1}" srcId="{3C0DCA5F-E404-4775-A156-82C5CDE24BAE}" destId="{59FBE3DB-467F-4795-9C5A-30D0E062C97B}" srcOrd="0" destOrd="0" parTransId="{CA0A9F91-BCE4-426F-81F6-6C722DF01823}" sibTransId="{DE0179F1-1121-4365-BF1F-6919CF6B796F}"/>
+    <dgm:cxn modelId="{A5208B00-1902-4C9C-8BA3-D108186A7EEB}" type="presOf" srcId="{4975C9CB-47D1-40A4-AA2C-91437C2D6DCB}" destId="{6998C62D-1852-4858-97A4-823B84A9B36A}" srcOrd="0" destOrd="0" presId="urn:microsoft.com/office/officeart/2005/8/layout/default"/>
+    <dgm:cxn modelId="{36A7A9F3-DB93-48A8-8B23-E7D01CDF79F2}" srcId="{4975C9CB-47D1-40A4-AA2C-91437C2D6DCB}" destId="{D4AF1871-EF89-4646-A781-AD842A640D91}" srcOrd="0" destOrd="0" parTransId="{0AC11A2D-7326-42C1-A7F9-4B3E3898F54D}" sibTransId="{121C2E23-34C8-40F7-AB94-D7C87DAD2C3C}"/>
+    <dgm:cxn modelId="{76BE8CA1-88C6-4829-9005-AE72768C3852}" srcId="{ECB9F578-0D4F-4CCB-A1EB-B4255F24531F}" destId="{4975C9CB-47D1-40A4-AA2C-91437C2D6DCB}" srcOrd="0" destOrd="0" parTransId="{8CFF7E9B-B9C6-4264-AADA-401DCC3697D6}" sibTransId="{B2F0D48E-AB64-45D4-B6ED-291C293D3494}"/>
+    <dgm:cxn modelId="{ECFD8840-3CFF-4CB7-BF89-5D947C651218}" type="presOf" srcId="{ECB9F578-0D4F-4CCB-A1EB-B4255F24531F}" destId="{F76DC8A2-F6D6-4B0B-A7D5-3E789140F6B1}" srcOrd="0" destOrd="0" presId="urn:microsoft.com/office/officeart/2005/8/layout/default"/>
     <dgm:cxn modelId="{64439448-2703-4A21-B5B2-E8E90505881E}" srcId="{37E78DDA-A5D0-4098-9CBE-7612328D1D79}" destId="{F9D5C380-62C3-48A3-A33A-744A7F68397D}" srcOrd="0" destOrd="0" parTransId="{DF308B09-61A6-4F5A-AE0F-C31519B2F6A2}" sibTransId="{BC2FFE06-599D-4637-8DB2-761E7853A822}"/>
-    <dgm:cxn modelId="{565DD236-F183-4A16-9DE4-4AD69A103D9B}" type="presOf" srcId="{228D2D4C-4EED-4EF2-88D8-0C412AAF37FC}" destId="{D2A489EC-4CCD-4360-85AF-2DC35485AA70}" srcOrd="0" destOrd="1" presId="urn:microsoft.com/office/officeart/2005/8/layout/default"/>
-    <dgm:cxn modelId="{76BE8CA1-88C6-4829-9005-AE72768C3852}" srcId="{ECB9F578-0D4F-4CCB-A1EB-B4255F24531F}" destId="{4975C9CB-47D1-40A4-AA2C-91437C2D6DCB}" srcOrd="0" destOrd="0" parTransId="{8CFF7E9B-B9C6-4264-AADA-401DCC3697D6}" sibTransId="{B2F0D48E-AB64-45D4-B6ED-291C293D3494}"/>
-    <dgm:cxn modelId="{36A7A9F3-DB93-48A8-8B23-E7D01CDF79F2}" srcId="{4975C9CB-47D1-40A4-AA2C-91437C2D6DCB}" destId="{D4AF1871-EF89-4646-A781-AD842A640D91}" srcOrd="0" destOrd="0" parTransId="{0AC11A2D-7326-42C1-A7F9-4B3E3898F54D}" sibTransId="{121C2E23-34C8-40F7-AB94-D7C87DAD2C3C}"/>
-    <dgm:cxn modelId="{88D92139-244F-4EBB-9F49-DD65822F9B29}" type="presOf" srcId="{17D081C2-E088-4FDD-927F-DE009755237B}" destId="{D2A489EC-4CCD-4360-85AF-2DC35485AA70}" srcOrd="0" destOrd="0" presId="urn:microsoft.com/office/officeart/2005/8/layout/default"/>
-    <dgm:cxn modelId="{D7A11630-8B42-4019-BDCF-21BF0B03CA99}" srcId="{ECB9F578-0D4F-4CCB-A1EB-B4255F24531F}" destId="{37E78DDA-A5D0-4098-9CBE-7612328D1D79}" srcOrd="2" destOrd="0" parTransId="{5BCE516B-DBAC-481D-807A-6CDB111188F5}" sibTransId="{A51BFA52-D7F7-42DF-B844-2CB0BB358F49}"/>
-    <dgm:cxn modelId="{A5208B00-1902-4C9C-8BA3-D108186A7EEB}" type="presOf" srcId="{4975C9CB-47D1-40A4-AA2C-91437C2D6DCB}" destId="{6998C62D-1852-4858-97A4-823B84A9B36A}" srcOrd="0" destOrd="0" presId="urn:microsoft.com/office/officeart/2005/8/layout/default"/>
-    <dgm:cxn modelId="{21D9A591-0A48-4091-B773-743B8FCD3ACD}" srcId="{17D081C2-E088-4FDD-927F-DE009755237B}" destId="{228D2D4C-4EED-4EF2-88D8-0C412AAF37FC}" srcOrd="0" destOrd="0" parTransId="{964D75B5-FC27-4289-BEFE-AC9966DA926F}" sibTransId="{FF39CDE4-837D-466E-BA80-1CCDCF785253}"/>
-    <dgm:cxn modelId="{ECFD8840-3CFF-4CB7-BF89-5D947C651218}" type="presOf" srcId="{ECB9F578-0D4F-4CCB-A1EB-B4255F24531F}" destId="{F76DC8A2-F6D6-4B0B-A7D5-3E789140F6B1}" srcOrd="0" destOrd="0" presId="urn:microsoft.com/office/officeart/2005/8/layout/default"/>
     <dgm:cxn modelId="{8082E2B8-5DEC-465F-979D-598D61F72339}" type="presOf" srcId="{D4AF1871-EF89-4646-A781-AD842A640D91}" destId="{6998C62D-1852-4858-97A4-823B84A9B36A}" srcOrd="0" destOrd="1" presId="urn:microsoft.com/office/officeart/2005/8/layout/default"/>
     <dgm:cxn modelId="{999A646D-41C2-453A-B91B-AF54D124A6AB}" srcId="{ECB9F578-0D4F-4CCB-A1EB-B4255F24531F}" destId="{3C0DCA5F-E404-4775-A156-82C5CDE24BAE}" srcOrd="1" destOrd="0" parTransId="{ED0CDB17-298F-4357-A514-EB6BDC536B92}" sibTransId="{235942F8-33C2-4DB7-BBD0-0C05FA054AC1}"/>
+    <dgm:cxn modelId="{D7A11630-8B42-4019-BDCF-21BF0B03CA99}" srcId="{ECB9F578-0D4F-4CCB-A1EB-B4255F24531F}" destId="{37E78DDA-A5D0-4098-9CBE-7612328D1D79}" srcOrd="2" destOrd="0" parTransId="{5BCE516B-DBAC-481D-807A-6CDB111188F5}" sibTransId="{A51BFA52-D7F7-42DF-B844-2CB0BB358F49}"/>
+    <dgm:cxn modelId="{0C9C9B54-9277-4AAF-AFB3-44C7442EF7C0}" type="presOf" srcId="{59FBE3DB-467F-4795-9C5A-30D0E062C97B}" destId="{8A75B25A-85B6-4F6F-9BE7-029692A2CA64}" srcOrd="0" destOrd="1" presId="urn:microsoft.com/office/officeart/2005/8/layout/default"/>
     <dgm:cxn modelId="{3E286BED-150A-4992-99DE-000AC01597E0}" type="presOf" srcId="{F9D5C380-62C3-48A3-A33A-744A7F68397D}" destId="{B2D87657-E6DA-43C2-8D3E-373C72EDA23D}" srcOrd="0" destOrd="1" presId="urn:microsoft.com/office/officeart/2005/8/layout/default"/>
-    <dgm:cxn modelId="{9645BE00-BD32-4AEA-8081-F66572141259}" type="presOf" srcId="{37E78DDA-A5D0-4098-9CBE-7612328D1D79}" destId="{B2D87657-E6DA-43C2-8D3E-373C72EDA23D}" srcOrd="0" destOrd="0" presId="urn:microsoft.com/office/officeart/2005/8/layout/default"/>
-    <dgm:cxn modelId="{29D9B51C-7E02-4148-9869-5CDC77C48A7C}" srcId="{ECB9F578-0D4F-4CCB-A1EB-B4255F24531F}" destId="{17D081C2-E088-4FDD-927F-DE009755237B}" srcOrd="3" destOrd="0" parTransId="{9808CA75-7777-406A-8BFF-3DBC0B641A28}" sibTransId="{9C448658-C0FE-48FC-9502-06CE3AED8426}"/>
     <dgm:cxn modelId="{60F7CFFB-8125-433E-8D4C-56CAB4D9FA8A}" type="presParOf" srcId="{F76DC8A2-F6D6-4B0B-A7D5-3E789140F6B1}" destId="{6998C62D-1852-4858-97A4-823B84A9B36A}" srcOrd="0" destOrd="0" presId="urn:microsoft.com/office/officeart/2005/8/layout/default"/>
     <dgm:cxn modelId="{274D820A-14C5-4C60-8727-D9110C22EA1B}" type="presParOf" srcId="{F76DC8A2-F6D6-4B0B-A7D5-3E789140F6B1}" destId="{3B2415F5-355F-4281-A0C8-16ACEEC1DD29}" srcOrd="1" destOrd="0" presId="urn:microsoft.com/office/officeart/2005/8/layout/default"/>
     <dgm:cxn modelId="{BF93C40A-67C9-4FD7-B516-01D420A8C71C}" type="presParOf" srcId="{F76DC8A2-F6D6-4B0B-A7D5-3E789140F6B1}" destId="{8A75B25A-85B6-4F6F-9BE7-029692A2CA64}" srcOrd="2" destOrd="0" presId="urn:microsoft.com/office/officeart/2005/8/layout/default"/>
@@ -1504,7 +1539,7 @@
         </a:bodyPr>
         <a:lstStyle/>
         <a:p>
-          <a:pPr marL="0" lvl="0" indent="0" algn="l" defTabSz="977900">
+          <a:pPr lvl="0" algn="l" defTabSz="977900">
             <a:lnSpc>
               <a:spcPct val="90000"/>
             </a:lnSpc>
@@ -1514,7 +1549,6 @@
             <a:spcAft>
               <a:spcPct val="35000"/>
             </a:spcAft>
-            <a:buNone/>
           </a:pPr>
           <a:r>
             <a:rPr lang="en-US" sz="2200" kern="1200" dirty="0"/>
@@ -1533,7 +1567,7 @@
             <a:spcAft>
               <a:spcPct val="15000"/>
             </a:spcAft>
-            <a:buChar char="•"/>
+            <a:buChar char="••"/>
           </a:pPr>
           <a:r>
             <a:rPr lang="x-none" sz="1700" kern="1200" dirty="0"/>
@@ -1602,7 +1636,7 @@
         </a:bodyPr>
         <a:lstStyle/>
         <a:p>
-          <a:pPr marL="0" lvl="0" indent="0" algn="l" defTabSz="977900">
+          <a:pPr lvl="0" algn="l" defTabSz="977900">
             <a:lnSpc>
               <a:spcPct val="90000"/>
             </a:lnSpc>
@@ -1612,7 +1646,6 @@
             <a:spcAft>
               <a:spcPct val="35000"/>
             </a:spcAft>
-            <a:buNone/>
           </a:pPr>
           <a:r>
             <a:rPr lang="en-US" sz="2200" kern="1200" dirty="0"/>
@@ -1639,7 +1672,7 @@
             <a:spcAft>
               <a:spcPct val="15000"/>
             </a:spcAft>
-            <a:buChar char="•"/>
+            <a:buChar char="••"/>
           </a:pPr>
           <a:r>
             <a:rPr lang="ru-RU" sz="1700" kern="1200" dirty="0"/>
@@ -1712,7 +1745,7 @@
         </a:bodyPr>
         <a:lstStyle/>
         <a:p>
-          <a:pPr marL="0" lvl="0" indent="0" algn="l" defTabSz="977900">
+          <a:pPr lvl="0" algn="l" defTabSz="977900">
             <a:lnSpc>
               <a:spcPct val="90000"/>
             </a:lnSpc>
@@ -1722,7 +1755,6 @@
             <a:spcAft>
               <a:spcPct val="35000"/>
             </a:spcAft>
-            <a:buNone/>
           </a:pPr>
           <a:r>
             <a:rPr lang="en-US" sz="2200" kern="1200" dirty="0"/>
@@ -1741,7 +1773,7 @@
             <a:spcAft>
               <a:spcPct val="15000"/>
             </a:spcAft>
-            <a:buChar char="•"/>
+            <a:buChar char="••"/>
           </a:pPr>
           <a:r>
             <a:rPr lang="ru-RU" sz="1700" kern="1200" dirty="0"/>
@@ -1809,7 +1841,7 @@
         </a:bodyPr>
         <a:lstStyle/>
         <a:p>
-          <a:pPr marL="0" lvl="0" indent="0" algn="l" defTabSz="977900">
+          <a:pPr lvl="0" algn="l" defTabSz="977900">
             <a:lnSpc>
               <a:spcPct val="90000"/>
             </a:lnSpc>
@@ -1819,7 +1851,6 @@
             <a:spcAft>
               <a:spcPct val="35000"/>
             </a:spcAft>
-            <a:buNone/>
           </a:pPr>
           <a:r>
             <a:rPr lang="en-US" sz="2200" kern="1200"/>
@@ -1838,7 +1869,7 @@
             <a:spcAft>
               <a:spcPct val="15000"/>
             </a:spcAft>
-            <a:buChar char="•"/>
+            <a:buChar char="••"/>
           </a:pPr>
           <a:r>
             <a:rPr lang="ru-RU" sz="1700" kern="1200" dirty="0"/>
@@ -3906,6 +3937,10 @@
               </a:rPr>
               <a:t>У бойскаутов существует простое правило, которое применимо и к нашей профессии:</a:t>
             </a:r>
+            <a:r>
+              <a:rPr lang="ru-RU" i="0" dirty="0"/>
+              <a:t/>
+            </a:r>
             <a:br>
               <a:rPr lang="ru-RU" i="0" dirty="0"/>
             </a:br>
@@ -3920,6 +3955,10 @@
                 <a:cs typeface="+mn-cs"/>
               </a:rPr>
               <a:t>Оставь место стоянки чище, чем оно было до твоего прихода.</a:t>
+            </a:r>
+            <a:r>
+              <a:rPr lang="ru-RU" i="0" dirty="0"/>
+              <a:t/>
             </a:r>
             <a:br>
               <a:rPr lang="ru-RU" i="0" dirty="0"/>
@@ -8481,8 +8520,16 @@
               <a:t>Маркеры плохой </a:t>
             </a:r>
             <a:r>
-              <a:rPr lang="ru-RU" sz="4400" dirty="0" err="1"/>
-              <a:t>компановки</a:t>
+              <a:rPr lang="ru-RU" sz="4400" dirty="0" smtClean="0"/>
+              <a:t>комп</a:t>
+            </a:r>
+            <a:r>
+              <a:rPr lang="ru-RU" sz="4400" dirty="0"/>
+              <a:t>о</a:t>
+            </a:r>
+            <a:r>
+              <a:rPr lang="ru-RU" sz="4400" dirty="0" smtClean="0"/>
+              <a:t>новки</a:t>
             </a:r>
             <a:endParaRPr lang="ru-RU" sz="4400" dirty="0"/>
           </a:p>
@@ -8655,8 +8702,8 @@
               <a:t>ДЗ «Плохая </a:t>
             </a:r>
             <a:r>
-              <a:rPr lang="ru-RU" dirty="0" err="1"/>
-              <a:t>компановка</a:t>
+              <a:rPr lang="ru-RU" dirty="0" smtClean="0"/>
+              <a:t>компоновка</a:t>
             </a:r>
             <a:r>
               <a:rPr lang="ru-RU" dirty="0"/>
@@ -9692,6 +9739,19 @@
               </a:rPr>
               <a:t>() </a:t>
             </a:r>
+            <a:r>
+              <a:rPr lang="ru-RU" sz="2400" dirty="0">
+                <a:solidFill>
+                  <a:srgbClr val="000000"/>
+                </a:solidFill>
+                <a:highlight>
+                  <a:srgbClr val="FFFFFF"/>
+                </a:highlight>
+                <a:latin typeface="Fira Code" panose="00000509000000000000" pitchFamily="49" charset="0"/>
+                <a:ea typeface="Fira Code" panose="00000509000000000000" pitchFamily="49" charset="0"/>
+              </a:rPr>
+              <a:t/>
+            </a:r>
             <a:br>
               <a:rPr lang="ru-RU" sz="2400" dirty="0">
                 <a:solidFill>
@@ -9802,7 +9862,7 @@
         <p:spPr>
           <a:xfrm>
             <a:off x="323528" y="260648"/>
-            <a:ext cx="8266587" cy="4708981"/>
+            <a:ext cx="8496944" cy="4708981"/>
           </a:xfrm>
           <a:prstGeom prst="rect">
             <a:avLst/>
@@ -10624,6 +10684,10 @@
               <a:rPr lang="ru-RU" dirty="0"/>
               <a:t>Пишите код так, </a:t>
             </a:r>
+            <a:r>
+              <a:rPr lang="en-US" dirty="0"/>
+              <a:t/>
+            </a:r>
             <a:br>
               <a:rPr lang="en-US" dirty="0"/>
             </a:br>
@@ -10746,7 +10810,7 @@
         <p:spPr>
           <a:xfrm>
             <a:off x="323528" y="260648"/>
-            <a:ext cx="8390466" cy="4893647"/>
+            <a:ext cx="8820472" cy="4893647"/>
           </a:xfrm>
           <a:prstGeom prst="rect">
             <a:avLst/>
@@ -11377,6 +11441,19 @@
               </a:rPr>
               <a:t>(</a:t>
             </a:r>
+            <a:r>
+              <a:rPr lang="ru-RU" sz="1400" dirty="0">
+                <a:solidFill>
+                  <a:srgbClr val="000000"/>
+                </a:solidFill>
+                <a:highlight>
+                  <a:srgbClr val="FFFFFF"/>
+                </a:highlight>
+                <a:latin typeface="Fira Code" panose="00000509000000000000" pitchFamily="49" charset="0"/>
+                <a:ea typeface="Fira Code" panose="00000509000000000000" pitchFamily="49" charset="0"/>
+              </a:rPr>
+              <a:t/>
+            </a:r>
             <a:br>
               <a:rPr lang="ru-RU" sz="1400" dirty="0">
                 <a:solidFill>
@@ -12142,6 +12219,19 @@
               </a:rPr>
               <a:t>) </a:t>
             </a:r>
+            <a:r>
+              <a:rPr lang="ru-RU" sz="1400" dirty="0">
+                <a:solidFill>
+                  <a:srgbClr val="000000"/>
+                </a:solidFill>
+                <a:highlight>
+                  <a:srgbClr val="FFFFFF"/>
+                </a:highlight>
+                <a:latin typeface="Fira Code" panose="00000509000000000000" pitchFamily="49" charset="0"/>
+                <a:ea typeface="Fira Code" panose="00000509000000000000" pitchFamily="49" charset="0"/>
+              </a:rPr>
+              <a:t/>
+            </a:r>
             <a:br>
               <a:rPr lang="ru-RU" sz="1400" dirty="0">
                 <a:solidFill>
@@ -12575,6 +12665,19 @@
                 <a:ea typeface="Fira Code" panose="00000509000000000000" pitchFamily="49" charset="0"/>
               </a:rPr>
               <a:t>) </a:t>
+            </a:r>
+            <a:r>
+              <a:rPr lang="ru-RU" sz="1400" dirty="0">
+                <a:solidFill>
+                  <a:srgbClr val="000000"/>
+                </a:solidFill>
+                <a:highlight>
+                  <a:srgbClr val="FFFFFF"/>
+                </a:highlight>
+                <a:latin typeface="Fira Code" panose="00000509000000000000" pitchFamily="49" charset="0"/>
+                <a:ea typeface="Fira Code" panose="00000509000000000000" pitchFamily="49" charset="0"/>
+              </a:rPr>
+              <a:t/>
             </a:r>
             <a:br>
               <a:rPr lang="ru-RU" sz="1400" dirty="0">
@@ -13858,6 +13961,19 @@
               </a:rPr>
               <a:t>(</a:t>
             </a:r>
+            <a:r>
+              <a:rPr lang="ru-RU" dirty="0">
+                <a:solidFill>
+                  <a:srgbClr val="000000"/>
+                </a:solidFill>
+                <a:highlight>
+                  <a:srgbClr val="FFFFFF"/>
+                </a:highlight>
+                <a:latin typeface="Fira Code" panose="00000509000000000000" pitchFamily="49" charset="0"/>
+                <a:ea typeface="Fira Code" panose="00000509000000000000" pitchFamily="49" charset="0"/>
+              </a:rPr>
+              <a:t/>
+            </a:r>
             <a:br>
               <a:rPr lang="ru-RU" dirty="0">
                 <a:solidFill>
@@ -14012,6 +14128,19 @@
               </a:rPr>
               <a:t>[] merged)</a:t>
             </a:r>
+            <a:r>
+              <a:rPr lang="ru-RU" dirty="0">
+                <a:solidFill>
+                  <a:srgbClr val="000000"/>
+                </a:solidFill>
+                <a:highlight>
+                  <a:srgbClr val="FFFFFF"/>
+                </a:highlight>
+                <a:latin typeface="Fira Code" panose="00000509000000000000" pitchFamily="49" charset="0"/>
+                <a:ea typeface="Fira Code" panose="00000509000000000000" pitchFamily="49" charset="0"/>
+              </a:rPr>
+              <a:t/>
+            </a:r>
             <a:br>
               <a:rPr lang="ru-RU" dirty="0">
                 <a:solidFill>
@@ -14389,6 +14518,19 @@
               </a:rPr>
               <a:t>)) </a:t>
             </a:r>
+            <a:r>
+              <a:rPr lang="ru-RU" dirty="0">
+                <a:solidFill>
+                  <a:srgbClr val="000000"/>
+                </a:solidFill>
+                <a:highlight>
+                  <a:srgbClr val="FFFFFF"/>
+                </a:highlight>
+                <a:latin typeface="Fira Code" panose="00000509000000000000" pitchFamily="49" charset="0"/>
+                <a:ea typeface="Fira Code" panose="00000509000000000000" pitchFamily="49" charset="0"/>
+              </a:rPr>
+              <a:t/>
+            </a:r>
             <a:br>
               <a:rPr lang="ru-RU" dirty="0">
                 <a:solidFill>
@@ -14584,6 +14726,19 @@
                 <a:ea typeface="Fira Code" panose="00000509000000000000" pitchFamily="49" charset="0"/>
               </a:rPr>
               <a:t>)) </a:t>
+            </a:r>
+            <a:r>
+              <a:rPr lang="ru-RU" dirty="0">
+                <a:solidFill>
+                  <a:srgbClr val="000000"/>
+                </a:solidFill>
+                <a:highlight>
+                  <a:srgbClr val="FFFFFF"/>
+                </a:highlight>
+                <a:latin typeface="Fira Code" panose="00000509000000000000" pitchFamily="49" charset="0"/>
+                <a:ea typeface="Fira Code" panose="00000509000000000000" pitchFamily="49" charset="0"/>
+              </a:rPr>
+              <a:t/>
             </a:r>
             <a:br>
               <a:rPr lang="ru-RU" dirty="0">
@@ -14985,6 +15140,19 @@
                 <a:ea typeface="Fira Code" panose="00000509000000000000" pitchFamily="49" charset="0"/>
               </a:rPr>
               <a:t>)) </a:t>
+            </a:r>
+            <a:r>
+              <a:rPr lang="ru-RU" dirty="0">
+                <a:solidFill>
+                  <a:srgbClr val="000000"/>
+                </a:solidFill>
+                <a:highlight>
+                  <a:srgbClr val="FFFFFF"/>
+                </a:highlight>
+                <a:latin typeface="Fira Code" panose="00000509000000000000" pitchFamily="49" charset="0"/>
+                <a:ea typeface="Fira Code" panose="00000509000000000000" pitchFamily="49" charset="0"/>
+              </a:rPr>
+              <a:t/>
             </a:r>
             <a:br>
               <a:rPr lang="ru-RU" dirty="0">

--- a/CleanCode.pptx
+++ b/CleanCode.pptx
@@ -5,7 +5,7 @@
     <p:sldMasterId id="2147483780" r:id="rId1"/>
   </p:sldMasterIdLst>
   <p:notesMasterIdLst>
-    <p:notesMasterId r:id="rId39"/>
+    <p:notesMasterId r:id="rId44"/>
   </p:notesMasterIdLst>
   <p:sldIdLst>
     <p:sldId id="457" r:id="rId2"/>
@@ -17,34 +17,39 @@
     <p:sldId id="425" r:id="rId8"/>
     <p:sldId id="426" r:id="rId9"/>
     <p:sldId id="427" r:id="rId10"/>
-    <p:sldId id="458" r:id="rId11"/>
-    <p:sldId id="465" r:id="rId12"/>
-    <p:sldId id="434" r:id="rId13"/>
-    <p:sldId id="423" r:id="rId14"/>
-    <p:sldId id="424" r:id="rId15"/>
-    <p:sldId id="459" r:id="rId16"/>
-    <p:sldId id="474" r:id="rId17"/>
-    <p:sldId id="473" r:id="rId18"/>
-    <p:sldId id="444" r:id="rId19"/>
-    <p:sldId id="446" r:id="rId20"/>
-    <p:sldId id="466" r:id="rId21"/>
-    <p:sldId id="438" r:id="rId22"/>
-    <p:sldId id="417" r:id="rId23"/>
-    <p:sldId id="441" r:id="rId24"/>
-    <p:sldId id="442" r:id="rId25"/>
-    <p:sldId id="448" r:id="rId26"/>
-    <p:sldId id="453" r:id="rId27"/>
-    <p:sldId id="443" r:id="rId28"/>
-    <p:sldId id="450" r:id="rId29"/>
-    <p:sldId id="452" r:id="rId30"/>
-    <p:sldId id="451" r:id="rId31"/>
-    <p:sldId id="461" r:id="rId32"/>
-    <p:sldId id="363" r:id="rId33"/>
-    <p:sldId id="456" r:id="rId34"/>
-    <p:sldId id="469" r:id="rId35"/>
-    <p:sldId id="471" r:id="rId36"/>
-    <p:sldId id="467" r:id="rId37"/>
-    <p:sldId id="472" r:id="rId38"/>
+    <p:sldId id="477" r:id="rId11"/>
+    <p:sldId id="458" r:id="rId12"/>
+    <p:sldId id="465" r:id="rId13"/>
+    <p:sldId id="434" r:id="rId14"/>
+    <p:sldId id="478" r:id="rId15"/>
+    <p:sldId id="480" r:id="rId16"/>
+    <p:sldId id="423" r:id="rId17"/>
+    <p:sldId id="424" r:id="rId18"/>
+    <p:sldId id="459" r:id="rId19"/>
+    <p:sldId id="474" r:id="rId20"/>
+    <p:sldId id="444" r:id="rId21"/>
+    <p:sldId id="446" r:id="rId22"/>
+    <p:sldId id="466" r:id="rId23"/>
+    <p:sldId id="438" r:id="rId24"/>
+    <p:sldId id="481" r:id="rId25"/>
+    <p:sldId id="417" r:id="rId26"/>
+    <p:sldId id="441" r:id="rId27"/>
+    <p:sldId id="442" r:id="rId28"/>
+    <p:sldId id="448" r:id="rId29"/>
+    <p:sldId id="453" r:id="rId30"/>
+    <p:sldId id="443" r:id="rId31"/>
+    <p:sldId id="482" r:id="rId32"/>
+    <p:sldId id="450" r:id="rId33"/>
+    <p:sldId id="452" r:id="rId34"/>
+    <p:sldId id="451" r:id="rId35"/>
+    <p:sldId id="461" r:id="rId36"/>
+    <p:sldId id="363" r:id="rId37"/>
+    <p:sldId id="456" r:id="rId38"/>
+    <p:sldId id="469" r:id="rId39"/>
+    <p:sldId id="471" r:id="rId40"/>
+    <p:sldId id="467" r:id="rId41"/>
+    <p:sldId id="472" r:id="rId42"/>
+    <p:sldId id="473" r:id="rId43"/>
   </p:sldIdLst>
   <p:sldSz cx="9144000" cy="6858000" type="screen4x3"/>
   <p:notesSz cx="6858000" cy="9144000"/>
@@ -165,6 +170,7 @@
             <p14:sldId id="425"/>
             <p14:sldId id="426"/>
             <p14:sldId id="427"/>
+            <p14:sldId id="477"/>
             <p14:sldId id="458"/>
           </p14:sldIdLst>
         </p14:section>
@@ -172,11 +178,12 @@
           <p14:sldIdLst>
             <p14:sldId id="465"/>
             <p14:sldId id="434"/>
+            <p14:sldId id="478"/>
+            <p14:sldId id="480"/>
             <p14:sldId id="423"/>
             <p14:sldId id="424"/>
             <p14:sldId id="459"/>
             <p14:sldId id="474"/>
-            <p14:sldId id="473"/>
           </p14:sldIdLst>
         </p14:section>
         <p14:section name="Задача на декомпозицию (ControlDigit) 30 мин" id="{CAE1CCAF-40F9-43EC-9DA7-DEBD5DA8E46D}">
@@ -193,6 +200,7 @@
         <p14:section name="Скрыт поток данных 10 мин" id="{D5EB0170-DC35-48ED-89B0-55674797AA5B}">
           <p14:sldIdLst>
             <p14:sldId id="438"/>
+            <p14:sldId id="481"/>
             <p14:sldId id="417"/>
           </p14:sldIdLst>
         </p14:section>
@@ -203,6 +211,7 @@
             <p14:sldId id="448"/>
             <p14:sldId id="453"/>
             <p14:sldId id="443"/>
+            <p14:sldId id="482"/>
           </p14:sldIdLst>
         </p14:section>
         <p14:section name="Ох, хочу кофе 10 мин" id="{4B0F6DD9-59A8-4A67-A99B-6F8DC784E377}">
@@ -225,6 +234,7 @@
             <p14:sldId id="471"/>
             <p14:sldId id="467"/>
             <p14:sldId id="472"/>
+            <p14:sldId id="473"/>
           </p14:sldIdLst>
         </p14:section>
       </p14:sectionLst>
@@ -1441,23 +1451,23 @@
     </dgm:pt>
   </dgm:ptLst>
   <dgm:cxnLst>
+    <dgm:cxn modelId="{0C9C9B54-9277-4AAF-AFB3-44C7442EF7C0}" type="presOf" srcId="{59FBE3DB-467F-4795-9C5A-30D0E062C97B}" destId="{8A75B25A-85B6-4F6F-9BE7-029692A2CA64}" srcOrd="0" destOrd="1" presId="urn:microsoft.com/office/officeart/2005/8/layout/default"/>
+    <dgm:cxn modelId="{8082E2B8-5DEC-465F-979D-598D61F72339}" type="presOf" srcId="{D4AF1871-EF89-4646-A781-AD842A640D91}" destId="{6998C62D-1852-4858-97A4-823B84A9B36A}" srcOrd="0" destOrd="1" presId="urn:microsoft.com/office/officeart/2005/8/layout/default"/>
+    <dgm:cxn modelId="{D7A11630-8B42-4019-BDCF-21BF0B03CA99}" srcId="{ECB9F578-0D4F-4CCB-A1EB-B4255F24531F}" destId="{37E78DDA-A5D0-4098-9CBE-7612328D1D79}" srcOrd="2" destOrd="0" parTransId="{5BCE516B-DBAC-481D-807A-6CDB111188F5}" sibTransId="{A51BFA52-D7F7-42DF-B844-2CB0BB358F49}"/>
+    <dgm:cxn modelId="{565DD236-F183-4A16-9DE4-4AD69A103D9B}" type="presOf" srcId="{228D2D4C-4EED-4EF2-88D8-0C412AAF37FC}" destId="{D2A489EC-4CCD-4360-85AF-2DC35485AA70}" srcOrd="0" destOrd="1" presId="urn:microsoft.com/office/officeart/2005/8/layout/default"/>
+    <dgm:cxn modelId="{36A7A9F3-DB93-48A8-8B23-E7D01CDF79F2}" srcId="{4975C9CB-47D1-40A4-AA2C-91437C2D6DCB}" destId="{D4AF1871-EF89-4646-A781-AD842A640D91}" srcOrd="0" destOrd="0" parTransId="{0AC11A2D-7326-42C1-A7F9-4B3E3898F54D}" sibTransId="{121C2E23-34C8-40F7-AB94-D7C87DAD2C3C}"/>
     <dgm:cxn modelId="{9E925C94-E103-41B5-8705-64A8FAD53EA1}" srcId="{3C0DCA5F-E404-4775-A156-82C5CDE24BAE}" destId="{59FBE3DB-467F-4795-9C5A-30D0E062C97B}" srcOrd="0" destOrd="0" parTransId="{CA0A9F91-BCE4-426F-81F6-6C722DF01823}" sibTransId="{DE0179F1-1121-4365-BF1F-6919CF6B796F}"/>
+    <dgm:cxn modelId="{64439448-2703-4A21-B5B2-E8E90505881E}" srcId="{37E78DDA-A5D0-4098-9CBE-7612328D1D79}" destId="{F9D5C380-62C3-48A3-A33A-744A7F68397D}" srcOrd="0" destOrd="0" parTransId="{DF308B09-61A6-4F5A-AE0F-C31519B2F6A2}" sibTransId="{BC2FFE06-599D-4637-8DB2-761E7853A822}"/>
+    <dgm:cxn modelId="{88D92139-244F-4EBB-9F49-DD65822F9B29}" type="presOf" srcId="{17D081C2-E088-4FDD-927F-DE009755237B}" destId="{D2A489EC-4CCD-4360-85AF-2DC35485AA70}" srcOrd="0" destOrd="0" presId="urn:microsoft.com/office/officeart/2005/8/layout/default"/>
+    <dgm:cxn modelId="{9EBAD6CB-225F-4B94-9851-BED248FF8AA4}" type="presOf" srcId="{3C0DCA5F-E404-4775-A156-82C5CDE24BAE}" destId="{8A75B25A-85B6-4F6F-9BE7-029692A2CA64}" srcOrd="0" destOrd="0" presId="urn:microsoft.com/office/officeart/2005/8/layout/default"/>
+    <dgm:cxn modelId="{9645BE00-BD32-4AEA-8081-F66572141259}" type="presOf" srcId="{37E78DDA-A5D0-4098-9CBE-7612328D1D79}" destId="{B2D87657-E6DA-43C2-8D3E-373C72EDA23D}" srcOrd="0" destOrd="0" presId="urn:microsoft.com/office/officeart/2005/8/layout/default"/>
+    <dgm:cxn modelId="{3E286BED-150A-4992-99DE-000AC01597E0}" type="presOf" srcId="{F9D5C380-62C3-48A3-A33A-744A7F68397D}" destId="{B2D87657-E6DA-43C2-8D3E-373C72EDA23D}" srcOrd="0" destOrd="1" presId="urn:microsoft.com/office/officeart/2005/8/layout/default"/>
+    <dgm:cxn modelId="{21D9A591-0A48-4091-B773-743B8FCD3ACD}" srcId="{17D081C2-E088-4FDD-927F-DE009755237B}" destId="{228D2D4C-4EED-4EF2-88D8-0C412AAF37FC}" srcOrd="0" destOrd="0" parTransId="{964D75B5-FC27-4289-BEFE-AC9966DA926F}" sibTransId="{FF39CDE4-837D-466E-BA80-1CCDCF785253}"/>
+    <dgm:cxn modelId="{999A646D-41C2-453A-B91B-AF54D124A6AB}" srcId="{ECB9F578-0D4F-4CCB-A1EB-B4255F24531F}" destId="{3C0DCA5F-E404-4775-A156-82C5CDE24BAE}" srcOrd="1" destOrd="0" parTransId="{ED0CDB17-298F-4357-A514-EB6BDC536B92}" sibTransId="{235942F8-33C2-4DB7-BBD0-0C05FA054AC1}"/>
     <dgm:cxn modelId="{29D9B51C-7E02-4148-9869-5CDC77C48A7C}" srcId="{ECB9F578-0D4F-4CCB-A1EB-B4255F24531F}" destId="{17D081C2-E088-4FDD-927F-DE009755237B}" srcOrd="3" destOrd="0" parTransId="{9808CA75-7777-406A-8BFF-3DBC0B641A28}" sibTransId="{9C448658-C0FE-48FC-9502-06CE3AED8426}"/>
-    <dgm:cxn modelId="{88D92139-244F-4EBB-9F49-DD65822F9B29}" type="presOf" srcId="{17D081C2-E088-4FDD-927F-DE009755237B}" destId="{D2A489EC-4CCD-4360-85AF-2DC35485AA70}" srcOrd="0" destOrd="0" presId="urn:microsoft.com/office/officeart/2005/8/layout/default"/>
-    <dgm:cxn modelId="{565DD236-F183-4A16-9DE4-4AD69A103D9B}" type="presOf" srcId="{228D2D4C-4EED-4EF2-88D8-0C412AAF37FC}" destId="{D2A489EC-4CCD-4360-85AF-2DC35485AA70}" srcOrd="0" destOrd="1" presId="urn:microsoft.com/office/officeart/2005/8/layout/default"/>
-    <dgm:cxn modelId="{9645BE00-BD32-4AEA-8081-F66572141259}" type="presOf" srcId="{37E78DDA-A5D0-4098-9CBE-7612328D1D79}" destId="{B2D87657-E6DA-43C2-8D3E-373C72EDA23D}" srcOrd="0" destOrd="0" presId="urn:microsoft.com/office/officeart/2005/8/layout/default"/>
-    <dgm:cxn modelId="{21D9A591-0A48-4091-B773-743B8FCD3ACD}" srcId="{17D081C2-E088-4FDD-927F-DE009755237B}" destId="{228D2D4C-4EED-4EF2-88D8-0C412AAF37FC}" srcOrd="0" destOrd="0" parTransId="{964D75B5-FC27-4289-BEFE-AC9966DA926F}" sibTransId="{FF39CDE4-837D-466E-BA80-1CCDCF785253}"/>
-    <dgm:cxn modelId="{9EBAD6CB-225F-4B94-9851-BED248FF8AA4}" type="presOf" srcId="{3C0DCA5F-E404-4775-A156-82C5CDE24BAE}" destId="{8A75B25A-85B6-4F6F-9BE7-029692A2CA64}" srcOrd="0" destOrd="0" presId="urn:microsoft.com/office/officeart/2005/8/layout/default"/>
+    <dgm:cxn modelId="{ECFD8840-3CFF-4CB7-BF89-5D947C651218}" type="presOf" srcId="{ECB9F578-0D4F-4CCB-A1EB-B4255F24531F}" destId="{F76DC8A2-F6D6-4B0B-A7D5-3E789140F6B1}" srcOrd="0" destOrd="0" presId="urn:microsoft.com/office/officeart/2005/8/layout/default"/>
     <dgm:cxn modelId="{A5208B00-1902-4C9C-8BA3-D108186A7EEB}" type="presOf" srcId="{4975C9CB-47D1-40A4-AA2C-91437C2D6DCB}" destId="{6998C62D-1852-4858-97A4-823B84A9B36A}" srcOrd="0" destOrd="0" presId="urn:microsoft.com/office/officeart/2005/8/layout/default"/>
-    <dgm:cxn modelId="{36A7A9F3-DB93-48A8-8B23-E7D01CDF79F2}" srcId="{4975C9CB-47D1-40A4-AA2C-91437C2D6DCB}" destId="{D4AF1871-EF89-4646-A781-AD842A640D91}" srcOrd="0" destOrd="0" parTransId="{0AC11A2D-7326-42C1-A7F9-4B3E3898F54D}" sibTransId="{121C2E23-34C8-40F7-AB94-D7C87DAD2C3C}"/>
     <dgm:cxn modelId="{76BE8CA1-88C6-4829-9005-AE72768C3852}" srcId="{ECB9F578-0D4F-4CCB-A1EB-B4255F24531F}" destId="{4975C9CB-47D1-40A4-AA2C-91437C2D6DCB}" srcOrd="0" destOrd="0" parTransId="{8CFF7E9B-B9C6-4264-AADA-401DCC3697D6}" sibTransId="{B2F0D48E-AB64-45D4-B6ED-291C293D3494}"/>
-    <dgm:cxn modelId="{ECFD8840-3CFF-4CB7-BF89-5D947C651218}" type="presOf" srcId="{ECB9F578-0D4F-4CCB-A1EB-B4255F24531F}" destId="{F76DC8A2-F6D6-4B0B-A7D5-3E789140F6B1}" srcOrd="0" destOrd="0" presId="urn:microsoft.com/office/officeart/2005/8/layout/default"/>
-    <dgm:cxn modelId="{64439448-2703-4A21-B5B2-E8E90505881E}" srcId="{37E78DDA-A5D0-4098-9CBE-7612328D1D79}" destId="{F9D5C380-62C3-48A3-A33A-744A7F68397D}" srcOrd="0" destOrd="0" parTransId="{DF308B09-61A6-4F5A-AE0F-C31519B2F6A2}" sibTransId="{BC2FFE06-599D-4637-8DB2-761E7853A822}"/>
-    <dgm:cxn modelId="{8082E2B8-5DEC-465F-979D-598D61F72339}" type="presOf" srcId="{D4AF1871-EF89-4646-A781-AD842A640D91}" destId="{6998C62D-1852-4858-97A4-823B84A9B36A}" srcOrd="0" destOrd="1" presId="urn:microsoft.com/office/officeart/2005/8/layout/default"/>
-    <dgm:cxn modelId="{999A646D-41C2-453A-B91B-AF54D124A6AB}" srcId="{ECB9F578-0D4F-4CCB-A1EB-B4255F24531F}" destId="{3C0DCA5F-E404-4775-A156-82C5CDE24BAE}" srcOrd="1" destOrd="0" parTransId="{ED0CDB17-298F-4357-A514-EB6BDC536B92}" sibTransId="{235942F8-33C2-4DB7-BBD0-0C05FA054AC1}"/>
-    <dgm:cxn modelId="{D7A11630-8B42-4019-BDCF-21BF0B03CA99}" srcId="{ECB9F578-0D4F-4CCB-A1EB-B4255F24531F}" destId="{37E78DDA-A5D0-4098-9CBE-7612328D1D79}" srcOrd="2" destOrd="0" parTransId="{5BCE516B-DBAC-481D-807A-6CDB111188F5}" sibTransId="{A51BFA52-D7F7-42DF-B844-2CB0BB358F49}"/>
-    <dgm:cxn modelId="{0C9C9B54-9277-4AAF-AFB3-44C7442EF7C0}" type="presOf" srcId="{59FBE3DB-467F-4795-9C5A-30D0E062C97B}" destId="{8A75B25A-85B6-4F6F-9BE7-029692A2CA64}" srcOrd="0" destOrd="1" presId="urn:microsoft.com/office/officeart/2005/8/layout/default"/>
-    <dgm:cxn modelId="{3E286BED-150A-4992-99DE-000AC01597E0}" type="presOf" srcId="{F9D5C380-62C3-48A3-A33A-744A7F68397D}" destId="{B2D87657-E6DA-43C2-8D3E-373C72EDA23D}" srcOrd="0" destOrd="1" presId="urn:microsoft.com/office/officeart/2005/8/layout/default"/>
     <dgm:cxn modelId="{60F7CFFB-8125-433E-8D4C-56CAB4D9FA8A}" type="presParOf" srcId="{F76DC8A2-F6D6-4B0B-A7D5-3E789140F6B1}" destId="{6998C62D-1852-4858-97A4-823B84A9B36A}" srcOrd="0" destOrd="0" presId="urn:microsoft.com/office/officeart/2005/8/layout/default"/>
     <dgm:cxn modelId="{274D820A-14C5-4C60-8727-D9110C22EA1B}" type="presParOf" srcId="{F76DC8A2-F6D6-4B0B-A7D5-3E789140F6B1}" destId="{3B2415F5-355F-4281-A0C8-16ACEEC1DD29}" srcOrd="1" destOrd="0" presId="urn:microsoft.com/office/officeart/2005/8/layout/default"/>
     <dgm:cxn modelId="{BF93C40A-67C9-4FD7-B516-01D420A8C71C}" type="presParOf" srcId="{F76DC8A2-F6D6-4B0B-A7D5-3E789140F6B1}" destId="{8A75B25A-85B6-4F6F-9BE7-029692A2CA64}" srcOrd="2" destOrd="0" presId="urn:microsoft.com/office/officeart/2005/8/layout/default"/>
@@ -3072,6 +3082,37 @@
 </dgm:styleDef>
 </file>
 
+<file path=ppt/ink/ink1.xml><?xml version="1.0" encoding="utf-8"?>
+<inkml:ink xmlns:inkml="http://www.w3.org/2003/InkML">
+  <inkml:definitions>
+    <inkml:context xml:id="ctx0">
+      <inkml:inkSource xml:id="inkSrc0">
+        <inkml:traceFormat>
+          <inkml:channel name="X" type="integer" max="1920" units="cm"/>
+          <inkml:channel name="Y" type="integer" max="1080" units="cm"/>
+          <inkml:channel name="T" type="integer" max="2.14748E9" units="dev"/>
+        </inkml:traceFormat>
+        <inkml:channelProperties>
+          <inkml:channelProperty channel="X" name="resolution" value="62.13592" units="1/cm"/>
+          <inkml:channelProperty channel="Y" name="resolution" value="61.71429" units="1/cm"/>
+          <inkml:channelProperty channel="T" name="resolution" value="1" units="1/dev"/>
+        </inkml:channelProperties>
+      </inkml:inkSource>
+      <inkml:timestamp xml:id="ts0" timeString="2016-07-07T09:22:09.252"/>
+    </inkml:context>
+    <inkml:brush xml:id="br0">
+      <inkml:brushProperty name="width" value="0.26667" units="cm"/>
+      <inkml:brushProperty name="height" value="0.53333" units="cm"/>
+      <inkml:brushProperty name="color" value="#FFFF00"/>
+      <inkml:brushProperty name="tip" value="rectangle"/>
+      <inkml:brushProperty name="rasterOp" value="maskPen"/>
+      <inkml:brushProperty name="fitToCurve" value="1"/>
+    </inkml:brush>
+  </inkml:definitions>
+  <inkml:trace contextRef="#ctx0" brushRef="#br0">-1 324 0,'70'0'16,"-34"0"31,69 0-32,36 0 16,-105 0-31,105-70 16,71 70 15,70-71-31,-247 71 32,106 0-32,-35 0 15,176-71 16,-211 71-31,-36 0 32,36 0-32,34 0 31,-34 0-31,-36 0 16,71 0 15,-35 0 0,-36 0 16,35 0-16,-70-35 63,36 35-78,34 0-16,1 0 46,-36 0-14,71-70-17,35 70 1,-35 0 15,-36 0 16</inkml:trace>
+</inkml:ink>
+</file>
+
 <file path=ppt/notesMasters/notesMaster1.xml><?xml version="1.0" encoding="utf-8"?>
 <p:notesMaster xmlns:a="http://schemas.openxmlformats.org/drawingml/2006/main" xmlns:r="http://schemas.openxmlformats.org/officeDocument/2006/relationships" xmlns:p="http://schemas.openxmlformats.org/presentationml/2006/main">
   <p:cSld>
@@ -3465,7 +3506,19 @@
           <a:bodyPr/>
           <a:lstStyle/>
           <a:p>
-            <a:endParaRPr lang="ru-RU" dirty="0"/>
+            <a:r>
+              <a:rPr lang="ru-RU" dirty="0" smtClean="0"/>
+              <a:t>Нужен</a:t>
+            </a:r>
+            <a:r>
+              <a:rPr lang="ru-RU" baseline="0" dirty="0" smtClean="0"/>
+              <a:t> в ситуациях, когда к код живет долго и к нему придется ещё не раз возвращаться.</a:t>
+            </a:r>
+            <a:r>
+              <a:rPr lang="ru-RU" baseline="0" dirty="0"/>
+              <a:t> </a:t>
+            </a:r>
+            <a:endParaRPr lang="ru-RU" baseline="0" dirty="0" smtClean="0"/>
           </a:p>
         </p:txBody>
       </p:sp>
@@ -3496,6 +3549,1079 @@
     <p:extLst>
       <p:ext uri="{BB962C8B-B14F-4D97-AF65-F5344CB8AC3E}">
         <p14:creationId xmlns:p14="http://schemas.microsoft.com/office/powerpoint/2010/main" val="2705406036"/>
+      </p:ext>
+    </p:extLst>
+  </p:cSld>
+  <p:clrMapOvr>
+    <a:masterClrMapping/>
+  </p:clrMapOvr>
+</p:notes>
+</file>
+
+<file path=ppt/notesSlides/notesSlide10.xml><?xml version="1.0" encoding="utf-8"?>
+<p:notes xmlns:a="http://schemas.openxmlformats.org/drawingml/2006/main" xmlns:r="http://schemas.openxmlformats.org/officeDocument/2006/relationships" xmlns:p="http://schemas.openxmlformats.org/presentationml/2006/main">
+  <p:cSld>
+    <p:spTree>
+      <p:nvGrpSpPr>
+        <p:cNvPr id="1" name=""/>
+        <p:cNvGrpSpPr/>
+        <p:nvPr/>
+      </p:nvGrpSpPr>
+      <p:grpSpPr>
+        <a:xfrm>
+          <a:off x="0" y="0"/>
+          <a:ext cx="0" cy="0"/>
+          <a:chOff x="0" y="0"/>
+          <a:chExt cx="0" cy="0"/>
+        </a:xfrm>
+      </p:grpSpPr>
+      <p:sp>
+        <p:nvSpPr>
+          <p:cNvPr id="2" name="Образ слайда 1"/>
+          <p:cNvSpPr>
+            <a:spLocks noGrp="1" noRot="1" noChangeAspect="1"/>
+          </p:cNvSpPr>
+          <p:nvPr>
+            <p:ph type="sldImg"/>
+          </p:nvPr>
+        </p:nvSpPr>
+        <p:spPr/>
+      </p:sp>
+      <p:sp>
+        <p:nvSpPr>
+          <p:cNvPr id="3" name="Заметки 2"/>
+          <p:cNvSpPr>
+            <a:spLocks noGrp="1"/>
+          </p:cNvSpPr>
+          <p:nvPr>
+            <p:ph type="body" idx="1"/>
+          </p:nvPr>
+        </p:nvSpPr>
+        <p:spPr/>
+        <p:txBody>
+          <a:bodyPr/>
+          <a:lstStyle/>
+          <a:p>
+            <a:r>
+              <a:rPr lang="ru-RU" dirty="0" smtClean="0"/>
+              <a:t>Спросить</a:t>
+            </a:r>
+            <a:r>
+              <a:rPr lang="ru-RU" baseline="0" dirty="0" smtClean="0"/>
+              <a:t> аудиторию, как это делать.</a:t>
+            </a:r>
+          </a:p>
+          <a:p>
+            <a:r>
+              <a:rPr lang="ru-RU" dirty="0" smtClean="0"/>
+              <a:t>Обычно</a:t>
+            </a:r>
+            <a:r>
+              <a:rPr lang="ru-RU" baseline="0" dirty="0" smtClean="0"/>
+              <a:t> бывают два варианта:</a:t>
+            </a:r>
+          </a:p>
+          <a:p>
+            <a:pPr marL="228600" indent="-228600">
+              <a:buAutoNum type="arabicPeriod"/>
+            </a:pPr>
+            <a:r>
+              <a:rPr lang="en-US" baseline="0" dirty="0" err="1" smtClean="0"/>
+              <a:t>shiftSize</a:t>
+            </a:r>
+            <a:r>
+              <a:rPr lang="ru-RU" baseline="0" dirty="0" smtClean="0"/>
+              <a:t> раз сделать сдвиг на единичку. (Это медленно!)</a:t>
+            </a:r>
+          </a:p>
+          <a:p>
+            <a:pPr marL="228600" indent="-228600">
+              <a:buAutoNum type="arabicPeriod"/>
+            </a:pPr>
+            <a:r>
+              <a:rPr lang="ru-RU" dirty="0" smtClean="0"/>
+              <a:t>Поставить нулевой</a:t>
+            </a:r>
+            <a:r>
+              <a:rPr lang="ru-RU" baseline="0" dirty="0" smtClean="0"/>
+              <a:t> элемент на место </a:t>
+            </a:r>
+            <a:r>
+              <a:rPr lang="en-US" baseline="0" dirty="0" err="1" smtClean="0"/>
+              <a:t>shiftSize</a:t>
+            </a:r>
+            <a:r>
+              <a:rPr lang="ru-RU" baseline="0" dirty="0" smtClean="0"/>
+              <a:t>, тот что был там — на позицию </a:t>
+            </a:r>
+            <a:r>
+              <a:rPr lang="en-US" baseline="0" dirty="0" smtClean="0"/>
+              <a:t>2*</a:t>
+            </a:r>
+            <a:r>
+              <a:rPr lang="en-US" baseline="0" dirty="0" err="1" smtClean="0"/>
+              <a:t>shiftSize</a:t>
+            </a:r>
+            <a:r>
+              <a:rPr lang="en-US" baseline="0" dirty="0" smtClean="0"/>
+              <a:t> </a:t>
+            </a:r>
+            <a:r>
+              <a:rPr lang="ru-RU" baseline="0" dirty="0" smtClean="0"/>
+              <a:t>%</a:t>
+            </a:r>
+            <a:r>
+              <a:rPr lang="en-US" baseline="0" dirty="0" smtClean="0"/>
+              <a:t> N</a:t>
+            </a:r>
+            <a:r>
+              <a:rPr lang="ru-RU" baseline="0" dirty="0" smtClean="0"/>
+              <a:t> и т.п.</a:t>
+            </a:r>
+            <a:br>
+              <a:rPr lang="ru-RU" baseline="0" dirty="0" smtClean="0"/>
+            </a:br>
+            <a:r>
+              <a:rPr lang="ru-RU" baseline="0" dirty="0" smtClean="0"/>
+              <a:t>Тут есть проблема, что нужно запоминать, в какие индексы мы уже что-то присваивали, чтобы вовремя остановиться. А это не только довольно сложно, но и требует </a:t>
+            </a:r>
+            <a:r>
+              <a:rPr lang="en-US" baseline="0" dirty="0" smtClean="0"/>
+              <a:t>O(N)</a:t>
+            </a:r>
+            <a:r>
+              <a:rPr lang="ru-RU" baseline="0" dirty="0" smtClean="0"/>
+              <a:t> памяти.</a:t>
+            </a:r>
+            <a:endParaRPr lang="ru-RU" dirty="0"/>
+          </a:p>
+        </p:txBody>
+      </p:sp>
+      <p:sp>
+        <p:nvSpPr>
+          <p:cNvPr id="4" name="Номер слайда 3"/>
+          <p:cNvSpPr>
+            <a:spLocks noGrp="1"/>
+          </p:cNvSpPr>
+          <p:nvPr>
+            <p:ph type="sldNum" sz="quarter" idx="10"/>
+          </p:nvPr>
+        </p:nvSpPr>
+        <p:spPr/>
+        <p:txBody>
+          <a:bodyPr/>
+          <a:lstStyle/>
+          <a:p>
+            <a:fld id="{3BAECB10-9972-4830-A584-02C41DAFD45B}" type="slidenum">
+              <a:rPr lang="ru-RU" smtClean="0"/>
+              <a:t>15</a:t>
+            </a:fld>
+            <a:endParaRPr lang="ru-RU"/>
+          </a:p>
+        </p:txBody>
+      </p:sp>
+    </p:spTree>
+    <p:extLst>
+      <p:ext uri="{BB962C8B-B14F-4D97-AF65-F5344CB8AC3E}">
+        <p14:creationId xmlns:p14="http://schemas.microsoft.com/office/powerpoint/2010/main" val="713229585"/>
+      </p:ext>
+    </p:extLst>
+  </p:cSld>
+  <p:clrMapOvr>
+    <a:masterClrMapping/>
+  </p:clrMapOvr>
+</p:notes>
+</file>
+
+<file path=ppt/notesSlides/notesSlide11.xml><?xml version="1.0" encoding="utf-8"?>
+<p:notes xmlns:a="http://schemas.openxmlformats.org/drawingml/2006/main" xmlns:r="http://schemas.openxmlformats.org/officeDocument/2006/relationships" xmlns:p="http://schemas.openxmlformats.org/presentationml/2006/main">
+  <p:cSld>
+    <p:spTree>
+      <p:nvGrpSpPr>
+        <p:cNvPr id="1" name=""/>
+        <p:cNvGrpSpPr/>
+        <p:nvPr/>
+      </p:nvGrpSpPr>
+      <p:grpSpPr>
+        <a:xfrm>
+          <a:off x="0" y="0"/>
+          <a:ext cx="0" cy="0"/>
+          <a:chOff x="0" y="0"/>
+          <a:chExt cx="0" cy="0"/>
+        </a:xfrm>
+      </p:grpSpPr>
+      <p:sp>
+        <p:nvSpPr>
+          <p:cNvPr id="2" name="Образ слайда 1"/>
+          <p:cNvSpPr>
+            <a:spLocks noGrp="1" noRot="1" noChangeAspect="1"/>
+          </p:cNvSpPr>
+          <p:nvPr>
+            <p:ph type="sldImg"/>
+          </p:nvPr>
+        </p:nvSpPr>
+        <p:spPr/>
+      </p:sp>
+      <p:sp>
+        <p:nvSpPr>
+          <p:cNvPr id="3" name="Заметки 2"/>
+          <p:cNvSpPr>
+            <a:spLocks noGrp="1"/>
+          </p:cNvSpPr>
+          <p:nvPr>
+            <p:ph type="body" idx="1"/>
+          </p:nvPr>
+        </p:nvSpPr>
+        <p:spPr/>
+        <p:txBody>
+          <a:bodyPr/>
+          <a:lstStyle/>
+          <a:p>
+            <a:endParaRPr lang="ru-RU" dirty="0"/>
+          </a:p>
+        </p:txBody>
+      </p:sp>
+      <p:sp>
+        <p:nvSpPr>
+          <p:cNvPr id="4" name="Номер слайда 3"/>
+          <p:cNvSpPr>
+            <a:spLocks noGrp="1"/>
+          </p:cNvSpPr>
+          <p:nvPr>
+            <p:ph type="sldNum" sz="quarter" idx="10"/>
+          </p:nvPr>
+        </p:nvSpPr>
+        <p:spPr/>
+        <p:txBody>
+          <a:bodyPr/>
+          <a:lstStyle/>
+          <a:p>
+            <a:fld id="{3BAECB10-9972-4830-A584-02C41DAFD45B}" type="slidenum">
+              <a:rPr lang="ru-RU" smtClean="0"/>
+              <a:t>16</a:t>
+            </a:fld>
+            <a:endParaRPr lang="ru-RU"/>
+          </a:p>
+        </p:txBody>
+      </p:sp>
+    </p:spTree>
+    <p:extLst>
+      <p:ext uri="{BB962C8B-B14F-4D97-AF65-F5344CB8AC3E}">
+        <p14:creationId xmlns:p14="http://schemas.microsoft.com/office/powerpoint/2010/main" val="3532934148"/>
+      </p:ext>
+    </p:extLst>
+  </p:cSld>
+  <p:clrMapOvr>
+    <a:masterClrMapping/>
+  </p:clrMapOvr>
+</p:notes>
+</file>
+
+<file path=ppt/notesSlides/notesSlide12.xml><?xml version="1.0" encoding="utf-8"?>
+<p:notes xmlns:a="http://schemas.openxmlformats.org/drawingml/2006/main" xmlns:r="http://schemas.openxmlformats.org/officeDocument/2006/relationships" xmlns:p="http://schemas.openxmlformats.org/presentationml/2006/main">
+  <p:cSld>
+    <p:spTree>
+      <p:nvGrpSpPr>
+        <p:cNvPr id="1" name=""/>
+        <p:cNvGrpSpPr/>
+        <p:nvPr/>
+      </p:nvGrpSpPr>
+      <p:grpSpPr>
+        <a:xfrm>
+          <a:off x="0" y="0"/>
+          <a:ext cx="0" cy="0"/>
+          <a:chOff x="0" y="0"/>
+          <a:chExt cx="0" cy="0"/>
+        </a:xfrm>
+      </p:grpSpPr>
+      <p:sp>
+        <p:nvSpPr>
+          <p:cNvPr id="2" name="Образ слайда 1"/>
+          <p:cNvSpPr>
+            <a:spLocks noGrp="1" noRot="1" noChangeAspect="1"/>
+          </p:cNvSpPr>
+          <p:nvPr>
+            <p:ph type="sldImg"/>
+          </p:nvPr>
+        </p:nvSpPr>
+        <p:spPr/>
+      </p:sp>
+      <p:sp>
+        <p:nvSpPr>
+          <p:cNvPr id="3" name="Заметки 2"/>
+          <p:cNvSpPr>
+            <a:spLocks noGrp="1"/>
+          </p:cNvSpPr>
+          <p:nvPr>
+            <p:ph type="body" idx="1"/>
+          </p:nvPr>
+        </p:nvSpPr>
+        <p:spPr/>
+        <p:txBody>
+          <a:bodyPr/>
+          <a:lstStyle/>
+          <a:p>
+            <a:endParaRPr lang="ru-RU" dirty="0"/>
+          </a:p>
+        </p:txBody>
+      </p:sp>
+      <p:sp>
+        <p:nvSpPr>
+          <p:cNvPr id="4" name="Номер слайда 3"/>
+          <p:cNvSpPr>
+            <a:spLocks noGrp="1"/>
+          </p:cNvSpPr>
+          <p:nvPr>
+            <p:ph type="sldNum" sz="quarter" idx="10"/>
+          </p:nvPr>
+        </p:nvSpPr>
+        <p:spPr/>
+        <p:txBody>
+          <a:bodyPr/>
+          <a:lstStyle/>
+          <a:p>
+            <a:fld id="{3BAECB10-9972-4830-A584-02C41DAFD45B}" type="slidenum">
+              <a:rPr lang="ru-RU" smtClean="0"/>
+              <a:t>17</a:t>
+            </a:fld>
+            <a:endParaRPr lang="ru-RU"/>
+          </a:p>
+        </p:txBody>
+      </p:sp>
+    </p:spTree>
+    <p:extLst>
+      <p:ext uri="{BB962C8B-B14F-4D97-AF65-F5344CB8AC3E}">
+        <p14:creationId xmlns:p14="http://schemas.microsoft.com/office/powerpoint/2010/main" val="291600843"/>
+      </p:ext>
+    </p:extLst>
+  </p:cSld>
+  <p:clrMapOvr>
+    <a:masterClrMapping/>
+  </p:clrMapOvr>
+</p:notes>
+</file>
+
+<file path=ppt/notesSlides/notesSlide13.xml><?xml version="1.0" encoding="utf-8"?>
+<p:notes xmlns:a="http://schemas.openxmlformats.org/drawingml/2006/main" xmlns:r="http://schemas.openxmlformats.org/officeDocument/2006/relationships" xmlns:p="http://schemas.openxmlformats.org/presentationml/2006/main">
+  <p:cSld>
+    <p:spTree>
+      <p:nvGrpSpPr>
+        <p:cNvPr id="1" name=""/>
+        <p:cNvGrpSpPr/>
+        <p:nvPr/>
+      </p:nvGrpSpPr>
+      <p:grpSpPr>
+        <a:xfrm>
+          <a:off x="0" y="0"/>
+          <a:ext cx="0" cy="0"/>
+          <a:chOff x="0" y="0"/>
+          <a:chExt cx="0" cy="0"/>
+        </a:xfrm>
+      </p:grpSpPr>
+      <p:sp>
+        <p:nvSpPr>
+          <p:cNvPr id="2" name="Образ слайда 1"/>
+          <p:cNvSpPr>
+            <a:spLocks noGrp="1" noRot="1" noChangeAspect="1"/>
+          </p:cNvSpPr>
+          <p:nvPr>
+            <p:ph type="sldImg"/>
+          </p:nvPr>
+        </p:nvSpPr>
+        <p:spPr/>
+      </p:sp>
+      <p:sp>
+        <p:nvSpPr>
+          <p:cNvPr id="3" name="Заметки 2"/>
+          <p:cNvSpPr>
+            <a:spLocks noGrp="1"/>
+          </p:cNvSpPr>
+          <p:nvPr>
+            <p:ph type="body" idx="1"/>
+          </p:nvPr>
+        </p:nvSpPr>
+        <p:spPr/>
+        <p:txBody>
+          <a:bodyPr/>
+          <a:lstStyle/>
+          <a:p>
+            <a:r>
+              <a:rPr lang="ru-RU" dirty="0" smtClean="0"/>
+              <a:t>Если вы видите</a:t>
+            </a:r>
+            <a:r>
+              <a:rPr lang="ru-RU" baseline="0" dirty="0" smtClean="0"/>
+              <a:t> декомпозицию на функции, которые нигде больше не понадобятся, можно напрячься и подумать, нельзя ли было сделать лучше.</a:t>
+            </a:r>
+            <a:endParaRPr lang="ru-RU" dirty="0"/>
+          </a:p>
+        </p:txBody>
+      </p:sp>
+      <p:sp>
+        <p:nvSpPr>
+          <p:cNvPr id="4" name="Номер слайда 3"/>
+          <p:cNvSpPr>
+            <a:spLocks noGrp="1"/>
+          </p:cNvSpPr>
+          <p:nvPr>
+            <p:ph type="sldNum" sz="quarter" idx="10"/>
+          </p:nvPr>
+        </p:nvSpPr>
+        <p:spPr/>
+        <p:txBody>
+          <a:bodyPr/>
+          <a:lstStyle/>
+          <a:p>
+            <a:fld id="{3BAECB10-9972-4830-A584-02C41DAFD45B}" type="slidenum">
+              <a:rPr lang="ru-RU" smtClean="0"/>
+              <a:t>18</a:t>
+            </a:fld>
+            <a:endParaRPr lang="ru-RU"/>
+          </a:p>
+        </p:txBody>
+      </p:sp>
+    </p:spTree>
+    <p:extLst>
+      <p:ext uri="{BB962C8B-B14F-4D97-AF65-F5344CB8AC3E}">
+        <p14:creationId xmlns:p14="http://schemas.microsoft.com/office/powerpoint/2010/main" val="2421751828"/>
+      </p:ext>
+    </p:extLst>
+  </p:cSld>
+  <p:clrMapOvr>
+    <a:masterClrMapping/>
+  </p:clrMapOvr>
+</p:notes>
+</file>
+
+<file path=ppt/notesSlides/notesSlide14.xml><?xml version="1.0" encoding="utf-8"?>
+<p:notes xmlns:a="http://schemas.openxmlformats.org/drawingml/2006/main" xmlns:r="http://schemas.openxmlformats.org/officeDocument/2006/relationships" xmlns:p="http://schemas.openxmlformats.org/presentationml/2006/main">
+  <p:cSld>
+    <p:spTree>
+      <p:nvGrpSpPr>
+        <p:cNvPr id="1" name=""/>
+        <p:cNvGrpSpPr/>
+        <p:nvPr/>
+      </p:nvGrpSpPr>
+      <p:grpSpPr>
+        <a:xfrm>
+          <a:off x="0" y="0"/>
+          <a:ext cx="0" cy="0"/>
+          <a:chOff x="0" y="0"/>
+          <a:chExt cx="0" cy="0"/>
+        </a:xfrm>
+      </p:grpSpPr>
+      <p:sp>
+        <p:nvSpPr>
+          <p:cNvPr id="2" name="Образ слайда 1"/>
+          <p:cNvSpPr>
+            <a:spLocks noGrp="1" noRot="1" noChangeAspect="1"/>
+          </p:cNvSpPr>
+          <p:nvPr>
+            <p:ph type="sldImg"/>
+          </p:nvPr>
+        </p:nvSpPr>
+        <p:spPr/>
+      </p:sp>
+      <p:sp>
+        <p:nvSpPr>
+          <p:cNvPr id="3" name="Заметки 2"/>
+          <p:cNvSpPr>
+            <a:spLocks noGrp="1"/>
+          </p:cNvSpPr>
+          <p:nvPr>
+            <p:ph type="body" idx="1"/>
+          </p:nvPr>
+        </p:nvSpPr>
+        <p:spPr/>
+        <p:txBody>
+          <a:bodyPr/>
+          <a:lstStyle/>
+          <a:p>
+            <a:r>
+              <a:rPr lang="ru-RU" dirty="0" smtClean="0"/>
+              <a:t>Долгое</a:t>
+            </a:r>
+            <a:r>
+              <a:rPr lang="ru-RU" baseline="0" dirty="0" smtClean="0"/>
+              <a:t> время Контур развивался как почти не взаимодействующее множество самобытных команд, каждая из которых делает свой продукт.</a:t>
+            </a:r>
+          </a:p>
+          <a:p>
+            <a:endParaRPr lang="ru-RU" dirty="0" smtClean="0"/>
+          </a:p>
+          <a:p>
+            <a:r>
+              <a:rPr lang="ru-RU" dirty="0" smtClean="0"/>
+              <a:t>Сейчас перед</a:t>
+            </a:r>
+            <a:r>
+              <a:rPr lang="ru-RU" baseline="0" dirty="0" smtClean="0"/>
+              <a:t> Контуром стоит вызов — научиться ускорять и удешевлять разработку за счет повторного использования наработок.</a:t>
+            </a:r>
+          </a:p>
+          <a:p>
+            <a:r>
+              <a:rPr lang="ru-RU" baseline="0" dirty="0" smtClean="0"/>
+              <a:t>Для этого у всех разработчиков должна быть культура следования принципам модульности. Поэтому как раз сейчас как раз в контуре эти умения особенно важно развивать.</a:t>
+            </a:r>
+          </a:p>
+        </p:txBody>
+      </p:sp>
+      <p:sp>
+        <p:nvSpPr>
+          <p:cNvPr id="4" name="Номер слайда 3"/>
+          <p:cNvSpPr>
+            <a:spLocks noGrp="1"/>
+          </p:cNvSpPr>
+          <p:nvPr>
+            <p:ph type="sldNum" sz="quarter" idx="10"/>
+          </p:nvPr>
+        </p:nvSpPr>
+        <p:spPr/>
+        <p:txBody>
+          <a:bodyPr/>
+          <a:lstStyle/>
+          <a:p>
+            <a:fld id="{3BAECB10-9972-4830-A584-02C41DAFD45B}" type="slidenum">
+              <a:rPr lang="ru-RU" smtClean="0"/>
+              <a:t>19</a:t>
+            </a:fld>
+            <a:endParaRPr lang="ru-RU"/>
+          </a:p>
+        </p:txBody>
+      </p:sp>
+    </p:spTree>
+    <p:extLst>
+      <p:ext uri="{BB962C8B-B14F-4D97-AF65-F5344CB8AC3E}">
+        <p14:creationId xmlns:p14="http://schemas.microsoft.com/office/powerpoint/2010/main" val="2011701957"/>
+      </p:ext>
+    </p:extLst>
+  </p:cSld>
+  <p:clrMapOvr>
+    <a:masterClrMapping/>
+  </p:clrMapOvr>
+</p:notes>
+</file>
+
+<file path=ppt/notesSlides/notesSlide15.xml><?xml version="1.0" encoding="utf-8"?>
+<p:notes xmlns:a="http://schemas.openxmlformats.org/drawingml/2006/main" xmlns:r="http://schemas.openxmlformats.org/officeDocument/2006/relationships" xmlns:p="http://schemas.openxmlformats.org/presentationml/2006/main">
+  <p:cSld>
+    <p:spTree>
+      <p:nvGrpSpPr>
+        <p:cNvPr id="1" name=""/>
+        <p:cNvGrpSpPr/>
+        <p:nvPr/>
+      </p:nvGrpSpPr>
+      <p:grpSpPr>
+        <a:xfrm>
+          <a:off x="0" y="0"/>
+          <a:ext cx="0" cy="0"/>
+          <a:chOff x="0" y="0"/>
+          <a:chExt cx="0" cy="0"/>
+        </a:xfrm>
+      </p:grpSpPr>
+      <p:sp>
+        <p:nvSpPr>
+          <p:cNvPr id="2" name="Образ слайда 1"/>
+          <p:cNvSpPr>
+            <a:spLocks noGrp="1" noRot="1" noChangeAspect="1"/>
+          </p:cNvSpPr>
+          <p:nvPr>
+            <p:ph type="sldImg"/>
+          </p:nvPr>
+        </p:nvSpPr>
+        <p:spPr/>
+      </p:sp>
+      <p:sp>
+        <p:nvSpPr>
+          <p:cNvPr id="3" name="Заметки 2"/>
+          <p:cNvSpPr>
+            <a:spLocks noGrp="1"/>
+          </p:cNvSpPr>
+          <p:nvPr>
+            <p:ph type="body" idx="1"/>
+          </p:nvPr>
+        </p:nvSpPr>
+        <p:spPr/>
+        <p:txBody>
+          <a:bodyPr/>
+          <a:lstStyle/>
+          <a:p>
+            <a:r>
+              <a:rPr lang="ru-RU" dirty="0" smtClean="0"/>
+              <a:t>Как бы</a:t>
+            </a:r>
+            <a:r>
+              <a:rPr lang="ru-RU" baseline="0" dirty="0" smtClean="0"/>
+              <a:t> вы стали объяснять, что делает этот метод? Вопрос аудитории.</a:t>
+            </a:r>
+          </a:p>
+          <a:p>
+            <a:r>
+              <a:rPr lang="ru-RU" dirty="0" smtClean="0"/>
+              <a:t>Примерно так: </a:t>
+            </a:r>
+          </a:p>
+          <a:p>
+            <a:r>
+              <a:rPr lang="ru-RU" baseline="0" dirty="0" smtClean="0"/>
+              <a:t>найти заполненные строки, удалить, все остальные сдвинуть вниз, добавить сверху такое же количество пустых строк.</a:t>
+            </a:r>
+            <a:endParaRPr lang="ru-RU" dirty="0"/>
+          </a:p>
+        </p:txBody>
+      </p:sp>
+      <p:sp>
+        <p:nvSpPr>
+          <p:cNvPr id="4" name="Номер слайда 3"/>
+          <p:cNvSpPr>
+            <a:spLocks noGrp="1"/>
+          </p:cNvSpPr>
+          <p:nvPr>
+            <p:ph type="sldNum" sz="quarter" idx="10"/>
+          </p:nvPr>
+        </p:nvSpPr>
+        <p:spPr/>
+        <p:txBody>
+          <a:bodyPr/>
+          <a:lstStyle/>
+          <a:p>
+            <a:fld id="{3BAECB10-9972-4830-A584-02C41DAFD45B}" type="slidenum">
+              <a:rPr lang="ru-RU" smtClean="0"/>
+              <a:t>26</a:t>
+            </a:fld>
+            <a:endParaRPr lang="ru-RU"/>
+          </a:p>
+        </p:txBody>
+      </p:sp>
+    </p:spTree>
+    <p:extLst>
+      <p:ext uri="{BB962C8B-B14F-4D97-AF65-F5344CB8AC3E}">
+        <p14:creationId xmlns:p14="http://schemas.microsoft.com/office/powerpoint/2010/main" val="3038434457"/>
+      </p:ext>
+    </p:extLst>
+  </p:cSld>
+  <p:clrMapOvr>
+    <a:masterClrMapping/>
+  </p:clrMapOvr>
+</p:notes>
+</file>
+
+<file path=ppt/notesSlides/notesSlide16.xml><?xml version="1.0" encoding="utf-8"?>
+<p:notes xmlns:a="http://schemas.openxmlformats.org/drawingml/2006/main" xmlns:r="http://schemas.openxmlformats.org/officeDocument/2006/relationships" xmlns:p="http://schemas.openxmlformats.org/presentationml/2006/main">
+  <p:cSld>
+    <p:spTree>
+      <p:nvGrpSpPr>
+        <p:cNvPr id="1" name=""/>
+        <p:cNvGrpSpPr/>
+        <p:nvPr/>
+      </p:nvGrpSpPr>
+      <p:grpSpPr>
+        <a:xfrm>
+          <a:off x="0" y="0"/>
+          <a:ext cx="0" cy="0"/>
+          <a:chOff x="0" y="0"/>
+          <a:chExt cx="0" cy="0"/>
+        </a:xfrm>
+      </p:grpSpPr>
+      <p:sp>
+        <p:nvSpPr>
+          <p:cNvPr id="2" name="Образ слайда 1"/>
+          <p:cNvSpPr>
+            <a:spLocks noGrp="1" noRot="1" noChangeAspect="1"/>
+          </p:cNvSpPr>
+          <p:nvPr>
+            <p:ph type="sldImg"/>
+          </p:nvPr>
+        </p:nvSpPr>
+        <p:spPr/>
+      </p:sp>
+      <p:sp>
+        <p:nvSpPr>
+          <p:cNvPr id="3" name="Заметки 2"/>
+          <p:cNvSpPr>
+            <a:spLocks noGrp="1"/>
+          </p:cNvSpPr>
+          <p:nvPr>
+            <p:ph type="body" idx="1"/>
+          </p:nvPr>
+        </p:nvSpPr>
+        <p:spPr/>
+        <p:txBody>
+          <a:bodyPr/>
+          <a:lstStyle/>
+          <a:p>
+            <a:r>
+              <a:rPr lang="ru-RU" dirty="0" smtClean="0"/>
+              <a:t>Что не</a:t>
+            </a:r>
+            <a:r>
+              <a:rPr lang="ru-RU" baseline="0" dirty="0" smtClean="0"/>
+              <a:t> так в этом коде?</a:t>
+            </a:r>
+          </a:p>
+          <a:p>
+            <a:r>
+              <a:rPr lang="ru-RU" baseline="0" dirty="0" smtClean="0"/>
+              <a:t>Тут нет ни одного ключевого слова, которые вы называли на прошлом слайде!</a:t>
+            </a:r>
+          </a:p>
+          <a:p>
+            <a:r>
+              <a:rPr lang="ru-RU" baseline="0" dirty="0" smtClean="0"/>
+              <a:t>Как следствие, код кажется непонятным.</a:t>
+            </a:r>
+          </a:p>
+          <a:p>
+            <a:endParaRPr lang="ru-RU" dirty="0"/>
+          </a:p>
+        </p:txBody>
+      </p:sp>
+      <p:sp>
+        <p:nvSpPr>
+          <p:cNvPr id="4" name="Номер слайда 3"/>
+          <p:cNvSpPr>
+            <a:spLocks noGrp="1"/>
+          </p:cNvSpPr>
+          <p:nvPr>
+            <p:ph type="sldNum" sz="quarter" idx="10"/>
+          </p:nvPr>
+        </p:nvSpPr>
+        <p:spPr/>
+        <p:txBody>
+          <a:bodyPr/>
+          <a:lstStyle/>
+          <a:p>
+            <a:fld id="{3BAECB10-9972-4830-A584-02C41DAFD45B}" type="slidenum">
+              <a:rPr lang="ru-RU" smtClean="0"/>
+              <a:t>27</a:t>
+            </a:fld>
+            <a:endParaRPr lang="ru-RU"/>
+          </a:p>
+        </p:txBody>
+      </p:sp>
+    </p:spTree>
+    <p:extLst>
+      <p:ext uri="{BB962C8B-B14F-4D97-AF65-F5344CB8AC3E}">
+        <p14:creationId xmlns:p14="http://schemas.microsoft.com/office/powerpoint/2010/main" val="1486186083"/>
+      </p:ext>
+    </p:extLst>
+  </p:cSld>
+  <p:clrMapOvr>
+    <a:masterClrMapping/>
+  </p:clrMapOvr>
+</p:notes>
+</file>
+
+<file path=ppt/notesSlides/notesSlide17.xml><?xml version="1.0" encoding="utf-8"?>
+<p:notes xmlns:a="http://schemas.openxmlformats.org/drawingml/2006/main" xmlns:r="http://schemas.openxmlformats.org/officeDocument/2006/relationships" xmlns:p="http://schemas.openxmlformats.org/presentationml/2006/main">
+  <p:cSld>
+    <p:spTree>
+      <p:nvGrpSpPr>
+        <p:cNvPr id="1" name=""/>
+        <p:cNvGrpSpPr/>
+        <p:nvPr/>
+      </p:nvGrpSpPr>
+      <p:grpSpPr>
+        <a:xfrm>
+          <a:off x="0" y="0"/>
+          <a:ext cx="0" cy="0"/>
+          <a:chOff x="0" y="0"/>
+          <a:chExt cx="0" cy="0"/>
+        </a:xfrm>
+      </p:grpSpPr>
+      <p:sp>
+        <p:nvSpPr>
+          <p:cNvPr id="2" name="Образ слайда 1"/>
+          <p:cNvSpPr>
+            <a:spLocks noGrp="1" noRot="1" noChangeAspect="1"/>
+          </p:cNvSpPr>
+          <p:nvPr>
+            <p:ph type="sldImg"/>
+          </p:nvPr>
+        </p:nvSpPr>
+        <p:spPr/>
+      </p:sp>
+      <p:sp>
+        <p:nvSpPr>
+          <p:cNvPr id="3" name="Заметки 2"/>
+          <p:cNvSpPr>
+            <a:spLocks noGrp="1"/>
+          </p:cNvSpPr>
+          <p:nvPr>
+            <p:ph type="body" idx="1"/>
+          </p:nvPr>
+        </p:nvSpPr>
+        <p:spPr/>
+        <p:txBody>
+          <a:bodyPr/>
+          <a:lstStyle/>
+          <a:p>
+            <a:r>
+              <a:rPr lang="ru-RU" dirty="0" smtClean="0"/>
+              <a:t>Вот</a:t>
+            </a:r>
+            <a:r>
+              <a:rPr lang="ru-RU" baseline="0" dirty="0" smtClean="0"/>
+              <a:t> другой код, делающий то же самое.</a:t>
+            </a:r>
+            <a:endParaRPr lang="ru-RU" dirty="0" smtClean="0"/>
+          </a:p>
+          <a:p>
+            <a:r>
+              <a:rPr lang="ru-RU" dirty="0" smtClean="0"/>
+              <a:t>Вопросы аудитории. Понятнее ли этот код? Почему?</a:t>
+            </a:r>
+          </a:p>
+          <a:p>
+            <a:endParaRPr lang="ru-RU" dirty="0" smtClean="0"/>
+          </a:p>
+          <a:p>
+            <a:r>
+              <a:rPr lang="ru-RU" dirty="0" smtClean="0"/>
+              <a:t>Тут</a:t>
+            </a:r>
+            <a:r>
+              <a:rPr lang="ru-RU" baseline="0" dirty="0" smtClean="0"/>
+              <a:t> присутствуют все ключевые слова. Надо все еще приложить усилия, чтобы убедиться в корректности кода, однако код понятнее и комфортнее читать.</a:t>
+            </a:r>
+          </a:p>
+          <a:p>
+            <a:endParaRPr lang="ru-RU" baseline="0" dirty="0" smtClean="0"/>
+          </a:p>
+        </p:txBody>
+      </p:sp>
+      <p:sp>
+        <p:nvSpPr>
+          <p:cNvPr id="4" name="Номер слайда 3"/>
+          <p:cNvSpPr>
+            <a:spLocks noGrp="1"/>
+          </p:cNvSpPr>
+          <p:nvPr>
+            <p:ph type="sldNum" sz="quarter" idx="10"/>
+          </p:nvPr>
+        </p:nvSpPr>
+        <p:spPr/>
+        <p:txBody>
+          <a:bodyPr/>
+          <a:lstStyle/>
+          <a:p>
+            <a:fld id="{3BAECB10-9972-4830-A584-02C41DAFD45B}" type="slidenum">
+              <a:rPr lang="ru-RU" smtClean="0"/>
+              <a:t>30</a:t>
+            </a:fld>
+            <a:endParaRPr lang="ru-RU"/>
+          </a:p>
+        </p:txBody>
+      </p:sp>
+    </p:spTree>
+    <p:extLst>
+      <p:ext uri="{BB962C8B-B14F-4D97-AF65-F5344CB8AC3E}">
+        <p14:creationId xmlns:p14="http://schemas.microsoft.com/office/powerpoint/2010/main" val="1533851233"/>
+      </p:ext>
+    </p:extLst>
+  </p:cSld>
+  <p:clrMapOvr>
+    <a:masterClrMapping/>
+  </p:clrMapOvr>
+</p:notes>
+</file>
+
+<file path=ppt/notesSlides/notesSlide18.xml><?xml version="1.0" encoding="utf-8"?>
+<p:notes xmlns:a="http://schemas.openxmlformats.org/drawingml/2006/main" xmlns:r="http://schemas.openxmlformats.org/officeDocument/2006/relationships" xmlns:p="http://schemas.openxmlformats.org/presentationml/2006/main">
+  <p:cSld>
+    <p:spTree>
+      <p:nvGrpSpPr>
+        <p:cNvPr id="1" name=""/>
+        <p:cNvGrpSpPr/>
+        <p:nvPr/>
+      </p:nvGrpSpPr>
+      <p:grpSpPr>
+        <a:xfrm>
+          <a:off x="0" y="0"/>
+          <a:ext cx="0" cy="0"/>
+          <a:chOff x="0" y="0"/>
+          <a:chExt cx="0" cy="0"/>
+        </a:xfrm>
+      </p:grpSpPr>
+      <p:sp>
+        <p:nvSpPr>
+          <p:cNvPr id="2" name="Образ слайда 1"/>
+          <p:cNvSpPr>
+            <a:spLocks noGrp="1" noRot="1" noChangeAspect="1"/>
+          </p:cNvSpPr>
+          <p:nvPr>
+            <p:ph type="sldImg"/>
+          </p:nvPr>
+        </p:nvSpPr>
+        <p:spPr/>
+      </p:sp>
+      <p:sp>
+        <p:nvSpPr>
+          <p:cNvPr id="3" name="Заметки 2"/>
+          <p:cNvSpPr>
+            <a:spLocks noGrp="1"/>
+          </p:cNvSpPr>
+          <p:nvPr>
+            <p:ph type="body" idx="1"/>
+          </p:nvPr>
+        </p:nvSpPr>
+        <p:spPr/>
+        <p:txBody>
+          <a:bodyPr/>
+          <a:lstStyle/>
+          <a:p>
+            <a:r>
+              <a:rPr lang="ru-RU" dirty="0" smtClean="0"/>
+              <a:t>Используя</a:t>
+            </a:r>
+            <a:r>
+              <a:rPr lang="ru-RU" baseline="0" dirty="0" smtClean="0"/>
+              <a:t> паттерн </a:t>
+            </a:r>
+            <a:r>
+              <a:rPr lang="ru-RU" baseline="0" dirty="0" err="1" smtClean="0"/>
+              <a:t>неиземеняемого</a:t>
+            </a:r>
+            <a:r>
+              <a:rPr lang="ru-RU" baseline="0" dirty="0" smtClean="0"/>
+              <a:t> класса для поля тетриса, можно написать эту функцию вообще без циклов и переменных. Меньше циклов и переменных — меньше ошибок.</a:t>
+            </a:r>
+          </a:p>
+          <a:p>
+            <a:r>
+              <a:rPr lang="ru-RU" baseline="0" dirty="0" smtClean="0"/>
+              <a:t>Убедиться в корректности этого кода стало заметно проще.</a:t>
+            </a:r>
+            <a:endParaRPr lang="ru-RU" dirty="0"/>
+          </a:p>
+        </p:txBody>
+      </p:sp>
+      <p:sp>
+        <p:nvSpPr>
+          <p:cNvPr id="4" name="Номер слайда 3"/>
+          <p:cNvSpPr>
+            <a:spLocks noGrp="1"/>
+          </p:cNvSpPr>
+          <p:nvPr>
+            <p:ph type="sldNum" sz="quarter" idx="10"/>
+          </p:nvPr>
+        </p:nvSpPr>
+        <p:spPr/>
+        <p:txBody>
+          <a:bodyPr/>
+          <a:lstStyle/>
+          <a:p>
+            <a:fld id="{3BAECB10-9972-4830-A584-02C41DAFD45B}" type="slidenum">
+              <a:rPr lang="ru-RU" smtClean="0"/>
+              <a:t>31</a:t>
+            </a:fld>
+            <a:endParaRPr lang="ru-RU"/>
+          </a:p>
+        </p:txBody>
+      </p:sp>
+    </p:spTree>
+    <p:extLst>
+      <p:ext uri="{BB962C8B-B14F-4D97-AF65-F5344CB8AC3E}">
+        <p14:creationId xmlns:p14="http://schemas.microsoft.com/office/powerpoint/2010/main" val="1137776725"/>
+      </p:ext>
+    </p:extLst>
+  </p:cSld>
+  <p:clrMapOvr>
+    <a:masterClrMapping/>
+  </p:clrMapOvr>
+</p:notes>
+</file>
+
+<file path=ppt/notesSlides/notesSlide19.xml><?xml version="1.0" encoding="utf-8"?>
+<p:notes xmlns:a="http://schemas.openxmlformats.org/drawingml/2006/main" xmlns:r="http://schemas.openxmlformats.org/officeDocument/2006/relationships" xmlns:p="http://schemas.openxmlformats.org/presentationml/2006/main">
+  <p:cSld>
+    <p:spTree>
+      <p:nvGrpSpPr>
+        <p:cNvPr id="1" name=""/>
+        <p:cNvGrpSpPr/>
+        <p:nvPr/>
+      </p:nvGrpSpPr>
+      <p:grpSpPr>
+        <a:xfrm>
+          <a:off x="0" y="0"/>
+          <a:ext cx="0" cy="0"/>
+          <a:chOff x="0" y="0"/>
+          <a:chExt cx="0" cy="0"/>
+        </a:xfrm>
+      </p:grpSpPr>
+      <p:sp>
+        <p:nvSpPr>
+          <p:cNvPr id="2" name="Образ слайда 1"/>
+          <p:cNvSpPr>
+            <a:spLocks noGrp="1" noRot="1" noChangeAspect="1"/>
+          </p:cNvSpPr>
+          <p:nvPr>
+            <p:ph type="sldImg"/>
+          </p:nvPr>
+        </p:nvSpPr>
+        <p:spPr/>
+      </p:sp>
+      <p:sp>
+        <p:nvSpPr>
+          <p:cNvPr id="3" name="Заметки 2"/>
+          <p:cNvSpPr>
+            <a:spLocks noGrp="1"/>
+          </p:cNvSpPr>
+          <p:nvPr>
+            <p:ph type="body" idx="1"/>
+          </p:nvPr>
+        </p:nvSpPr>
+        <p:spPr/>
+        <p:txBody>
+          <a:bodyPr/>
+          <a:lstStyle/>
+          <a:p>
+            <a:r>
+              <a:rPr lang="ru-RU" dirty="0" smtClean="0"/>
+              <a:t>Что делает этот код?</a:t>
+            </a:r>
+          </a:p>
+          <a:p>
+            <a:r>
+              <a:rPr lang="ru-RU" dirty="0" smtClean="0"/>
+              <a:t>Какие</a:t>
+            </a:r>
+            <a:r>
+              <a:rPr lang="ru-RU" baseline="0" dirty="0" smtClean="0"/>
+              <a:t> эмоции у вас возникают, глядя на этот код?</a:t>
+            </a:r>
+            <a:endParaRPr lang="ru-RU" dirty="0"/>
+          </a:p>
+        </p:txBody>
+      </p:sp>
+      <p:sp>
+        <p:nvSpPr>
+          <p:cNvPr id="4" name="Номер слайда 3"/>
+          <p:cNvSpPr>
+            <a:spLocks noGrp="1"/>
+          </p:cNvSpPr>
+          <p:nvPr>
+            <p:ph type="sldNum" sz="quarter" idx="10"/>
+          </p:nvPr>
+        </p:nvSpPr>
+        <p:spPr/>
+        <p:txBody>
+          <a:bodyPr/>
+          <a:lstStyle/>
+          <a:p>
+            <a:fld id="{3BAECB10-9972-4830-A584-02C41DAFD45B}" type="slidenum">
+              <a:rPr lang="ru-RU" smtClean="0"/>
+              <a:t>32</a:t>
+            </a:fld>
+            <a:endParaRPr lang="ru-RU"/>
+          </a:p>
+        </p:txBody>
+      </p:sp>
+    </p:spTree>
+    <p:extLst>
+      <p:ext uri="{BB962C8B-B14F-4D97-AF65-F5344CB8AC3E}">
+        <p14:creationId xmlns:p14="http://schemas.microsoft.com/office/powerpoint/2010/main" val="1933789166"/>
       </p:ext>
     </p:extLst>
   </p:cSld>
@@ -3549,6 +4675,14 @@
           <a:bodyPr/>
           <a:lstStyle/>
           <a:p>
+            <a:r>
+              <a:rPr lang="ru-RU" dirty="0" smtClean="0"/>
+              <a:t>Напоминаем</a:t>
+            </a:r>
+            <a:r>
+              <a:rPr lang="ru-RU" baseline="0" dirty="0" smtClean="0"/>
+              <a:t> слайд из лекций</a:t>
+            </a:r>
             <a:endParaRPr lang="ru-RU" dirty="0"/>
           </a:p>
         </p:txBody>
@@ -3570,7 +4704,189 @@
           <a:p>
             <a:fld id="{3BAECB10-9972-4830-A584-02C41DAFD45B}" type="slidenum">
               <a:rPr lang="ru-RU" smtClean="0"/>
-              <a:t>32</a:t>
+              <a:t>3</a:t>
+            </a:fld>
+            <a:endParaRPr lang="ru-RU"/>
+          </a:p>
+        </p:txBody>
+      </p:sp>
+    </p:spTree>
+    <p:extLst>
+      <p:ext uri="{BB962C8B-B14F-4D97-AF65-F5344CB8AC3E}">
+        <p14:creationId xmlns:p14="http://schemas.microsoft.com/office/powerpoint/2010/main" val="3001359894"/>
+      </p:ext>
+    </p:extLst>
+  </p:cSld>
+  <p:clrMapOvr>
+    <a:masterClrMapping/>
+  </p:clrMapOvr>
+</p:notes>
+</file>
+
+<file path=ppt/notesSlides/notesSlide20.xml><?xml version="1.0" encoding="utf-8"?>
+<p:notes xmlns:a="http://schemas.openxmlformats.org/drawingml/2006/main" xmlns:r="http://schemas.openxmlformats.org/officeDocument/2006/relationships" xmlns:p="http://schemas.openxmlformats.org/presentationml/2006/main">
+  <p:cSld>
+    <p:spTree>
+      <p:nvGrpSpPr>
+        <p:cNvPr id="1" name=""/>
+        <p:cNvGrpSpPr/>
+        <p:nvPr/>
+      </p:nvGrpSpPr>
+      <p:grpSpPr>
+        <a:xfrm>
+          <a:off x="0" y="0"/>
+          <a:ext cx="0" cy="0"/>
+          <a:chOff x="0" y="0"/>
+          <a:chExt cx="0" cy="0"/>
+        </a:xfrm>
+      </p:grpSpPr>
+      <p:sp>
+        <p:nvSpPr>
+          <p:cNvPr id="2" name="Образ слайда 1"/>
+          <p:cNvSpPr>
+            <a:spLocks noGrp="1" noRot="1" noChangeAspect="1"/>
+          </p:cNvSpPr>
+          <p:nvPr>
+            <p:ph type="sldImg"/>
+          </p:nvPr>
+        </p:nvSpPr>
+        <p:spPr/>
+      </p:sp>
+      <p:sp>
+        <p:nvSpPr>
+          <p:cNvPr id="3" name="Заметки 2"/>
+          <p:cNvSpPr>
+            <a:spLocks noGrp="1"/>
+          </p:cNvSpPr>
+          <p:nvPr>
+            <p:ph type="body" idx="1"/>
+          </p:nvPr>
+        </p:nvSpPr>
+        <p:spPr/>
+        <p:txBody>
+          <a:bodyPr/>
+          <a:lstStyle/>
+          <a:p>
+            <a:r>
+              <a:rPr lang="ru-RU" dirty="0" smtClean="0"/>
+              <a:t>А что делает этот код? </a:t>
+            </a:r>
+            <a:r>
+              <a:rPr lang="ru-RU" baseline="0" dirty="0" smtClean="0"/>
+              <a:t> Может кто-нибудь объяснить?</a:t>
+            </a:r>
+          </a:p>
+          <a:p>
+            <a:r>
+              <a:rPr lang="ru-RU" baseline="0" dirty="0" smtClean="0"/>
+              <a:t>Объяснять удобно как раз так, как код написан. Потому что код повторяет спецификацию. Его можно будет упростить только если придумать, как упростить спецификацию.</a:t>
+            </a:r>
+            <a:endParaRPr lang="ru-RU" dirty="0"/>
+          </a:p>
+        </p:txBody>
+      </p:sp>
+      <p:sp>
+        <p:nvSpPr>
+          <p:cNvPr id="4" name="Номер слайда 3"/>
+          <p:cNvSpPr>
+            <a:spLocks noGrp="1"/>
+          </p:cNvSpPr>
+          <p:nvPr>
+            <p:ph type="sldNum" sz="quarter" idx="10"/>
+          </p:nvPr>
+        </p:nvSpPr>
+        <p:spPr/>
+        <p:txBody>
+          <a:bodyPr/>
+          <a:lstStyle/>
+          <a:p>
+            <a:fld id="{3BAECB10-9972-4830-A584-02C41DAFD45B}" type="slidenum">
+              <a:rPr lang="ru-RU" smtClean="0"/>
+              <a:t>34</a:t>
+            </a:fld>
+            <a:endParaRPr lang="ru-RU"/>
+          </a:p>
+        </p:txBody>
+      </p:sp>
+    </p:spTree>
+    <p:extLst>
+      <p:ext uri="{BB962C8B-B14F-4D97-AF65-F5344CB8AC3E}">
+        <p14:creationId xmlns:p14="http://schemas.microsoft.com/office/powerpoint/2010/main" val="1843197676"/>
+      </p:ext>
+    </p:extLst>
+  </p:cSld>
+  <p:clrMapOvr>
+    <a:masterClrMapping/>
+  </p:clrMapOvr>
+</p:notes>
+</file>
+
+<file path=ppt/notesSlides/notesSlide21.xml><?xml version="1.0" encoding="utf-8"?>
+<p:notes xmlns:a="http://schemas.openxmlformats.org/drawingml/2006/main" xmlns:r="http://schemas.openxmlformats.org/officeDocument/2006/relationships" xmlns:p="http://schemas.openxmlformats.org/presentationml/2006/main">
+  <p:cSld>
+    <p:spTree>
+      <p:nvGrpSpPr>
+        <p:cNvPr id="1" name=""/>
+        <p:cNvGrpSpPr/>
+        <p:nvPr/>
+      </p:nvGrpSpPr>
+      <p:grpSpPr>
+        <a:xfrm>
+          <a:off x="0" y="0"/>
+          <a:ext cx="0" cy="0"/>
+          <a:chOff x="0" y="0"/>
+          <a:chExt cx="0" cy="0"/>
+        </a:xfrm>
+      </p:grpSpPr>
+      <p:sp>
+        <p:nvSpPr>
+          <p:cNvPr id="2" name="Образ слайда 1"/>
+          <p:cNvSpPr>
+            <a:spLocks noGrp="1" noRot="1" noChangeAspect="1"/>
+          </p:cNvSpPr>
+          <p:nvPr>
+            <p:ph type="sldImg"/>
+          </p:nvPr>
+        </p:nvSpPr>
+        <p:spPr/>
+      </p:sp>
+      <p:sp>
+        <p:nvSpPr>
+          <p:cNvPr id="3" name="Заметки 2"/>
+          <p:cNvSpPr>
+            <a:spLocks noGrp="1"/>
+          </p:cNvSpPr>
+          <p:nvPr>
+            <p:ph type="body" idx="1"/>
+          </p:nvPr>
+        </p:nvSpPr>
+        <p:spPr/>
+        <p:txBody>
+          <a:bodyPr/>
+          <a:lstStyle/>
+          <a:p>
+            <a:endParaRPr lang="ru-RU" dirty="0"/>
+          </a:p>
+        </p:txBody>
+      </p:sp>
+      <p:sp>
+        <p:nvSpPr>
+          <p:cNvPr id="4" name="Номер слайда 3"/>
+          <p:cNvSpPr>
+            <a:spLocks noGrp="1"/>
+          </p:cNvSpPr>
+          <p:nvPr>
+            <p:ph type="sldNum" sz="quarter" idx="10"/>
+          </p:nvPr>
+        </p:nvSpPr>
+        <p:spPr/>
+        <p:txBody>
+          <a:bodyPr/>
+          <a:lstStyle/>
+          <a:p>
+            <a:fld id="{3BAECB10-9972-4830-A584-02C41DAFD45B}" type="slidenum">
+              <a:rPr lang="ru-RU" smtClean="0"/>
+              <a:t>36</a:t>
             </a:fld>
             <a:endParaRPr lang="ru-RU"/>
           </a:p>
@@ -3580,6 +4896,679 @@
     <p:extLst>
       <p:ext uri="{BB962C8B-B14F-4D97-AF65-F5344CB8AC3E}">
         <p14:creationId xmlns:p14="http://schemas.microsoft.com/office/powerpoint/2010/main" val="223358322"/>
+      </p:ext>
+    </p:extLst>
+  </p:cSld>
+  <p:clrMapOvr>
+    <a:masterClrMapping/>
+  </p:clrMapOvr>
+</p:notes>
+</file>
+
+<file path=ppt/notesSlides/notesSlide22.xml><?xml version="1.0" encoding="utf-8"?>
+<p:notes xmlns:a="http://schemas.openxmlformats.org/drawingml/2006/main" xmlns:r="http://schemas.openxmlformats.org/officeDocument/2006/relationships" xmlns:p="http://schemas.openxmlformats.org/presentationml/2006/main">
+  <p:cSld>
+    <p:spTree>
+      <p:nvGrpSpPr>
+        <p:cNvPr id="1" name=""/>
+        <p:cNvGrpSpPr/>
+        <p:nvPr/>
+      </p:nvGrpSpPr>
+      <p:grpSpPr>
+        <a:xfrm>
+          <a:off x="0" y="0"/>
+          <a:ext cx="0" cy="0"/>
+          <a:chOff x="0" y="0"/>
+          <a:chExt cx="0" cy="0"/>
+        </a:xfrm>
+      </p:grpSpPr>
+      <p:sp>
+        <p:nvSpPr>
+          <p:cNvPr id="2" name="Образ слайда 1"/>
+          <p:cNvSpPr>
+            <a:spLocks noGrp="1" noRot="1" noChangeAspect="1"/>
+          </p:cNvSpPr>
+          <p:nvPr>
+            <p:ph type="sldImg"/>
+          </p:nvPr>
+        </p:nvSpPr>
+        <p:spPr/>
+      </p:sp>
+      <p:sp>
+        <p:nvSpPr>
+          <p:cNvPr id="3" name="Заметки 2"/>
+          <p:cNvSpPr>
+            <a:spLocks noGrp="1"/>
+          </p:cNvSpPr>
+          <p:nvPr>
+            <p:ph type="body" idx="1"/>
+          </p:nvPr>
+        </p:nvSpPr>
+        <p:spPr/>
+        <p:txBody>
+          <a:bodyPr/>
+          <a:lstStyle/>
+          <a:p>
+            <a:endParaRPr lang="ru-RU" dirty="0"/>
+          </a:p>
+        </p:txBody>
+      </p:sp>
+      <p:sp>
+        <p:nvSpPr>
+          <p:cNvPr id="4" name="Номер слайда 3"/>
+          <p:cNvSpPr>
+            <a:spLocks noGrp="1"/>
+          </p:cNvSpPr>
+          <p:nvPr>
+            <p:ph type="sldNum" sz="quarter" idx="10"/>
+          </p:nvPr>
+        </p:nvSpPr>
+        <p:spPr/>
+        <p:txBody>
+          <a:bodyPr/>
+          <a:lstStyle/>
+          <a:p>
+            <a:fld id="{3BAECB10-9972-4830-A584-02C41DAFD45B}" type="slidenum">
+              <a:rPr lang="ru-RU" smtClean="0"/>
+              <a:t>37</a:t>
+            </a:fld>
+            <a:endParaRPr lang="ru-RU"/>
+          </a:p>
+        </p:txBody>
+      </p:sp>
+    </p:spTree>
+    <p:extLst>
+      <p:ext uri="{BB962C8B-B14F-4D97-AF65-F5344CB8AC3E}">
+        <p14:creationId xmlns:p14="http://schemas.microsoft.com/office/powerpoint/2010/main" val="1889629216"/>
+      </p:ext>
+    </p:extLst>
+  </p:cSld>
+  <p:clrMapOvr>
+    <a:masterClrMapping/>
+  </p:clrMapOvr>
+</p:notes>
+</file>
+
+<file path=ppt/notesSlides/notesSlide23.xml><?xml version="1.0" encoding="utf-8"?>
+<p:notes xmlns:a="http://schemas.openxmlformats.org/drawingml/2006/main" xmlns:r="http://schemas.openxmlformats.org/officeDocument/2006/relationships" xmlns:p="http://schemas.openxmlformats.org/presentationml/2006/main">
+  <p:cSld>
+    <p:spTree>
+      <p:nvGrpSpPr>
+        <p:cNvPr id="1" name=""/>
+        <p:cNvGrpSpPr/>
+        <p:nvPr/>
+      </p:nvGrpSpPr>
+      <p:grpSpPr>
+        <a:xfrm>
+          <a:off x="0" y="0"/>
+          <a:ext cx="0" cy="0"/>
+          <a:chOff x="0" y="0"/>
+          <a:chExt cx="0" cy="0"/>
+        </a:xfrm>
+      </p:grpSpPr>
+      <p:sp>
+        <p:nvSpPr>
+          <p:cNvPr id="2" name="Образ слайда 1"/>
+          <p:cNvSpPr>
+            <a:spLocks noGrp="1" noRot="1" noChangeAspect="1"/>
+          </p:cNvSpPr>
+          <p:nvPr>
+            <p:ph type="sldImg"/>
+          </p:nvPr>
+        </p:nvSpPr>
+        <p:spPr/>
+      </p:sp>
+      <p:sp>
+        <p:nvSpPr>
+          <p:cNvPr id="3" name="Заметки 2"/>
+          <p:cNvSpPr>
+            <a:spLocks noGrp="1"/>
+          </p:cNvSpPr>
+          <p:nvPr>
+            <p:ph type="body" idx="1"/>
+          </p:nvPr>
+        </p:nvSpPr>
+        <p:spPr/>
+        <p:txBody>
+          <a:bodyPr/>
+          <a:lstStyle/>
+          <a:p>
+            <a:r>
+              <a:rPr lang="ru-RU" dirty="0"/>
+              <a:t>Мы</a:t>
+            </a:r>
+            <a:r>
+              <a:rPr lang="ru-RU" baseline="0" dirty="0"/>
+              <a:t> только что подробно разобрали некоторые практики, помогающие писать хороший код.</a:t>
+            </a:r>
+          </a:p>
+          <a:p>
+            <a:r>
+              <a:rPr lang="ru-RU" baseline="0" dirty="0"/>
+              <a:t>Но давайте смотреть правде в глаза: в реальных проектах код не так уж хорош. Местами даже откровенно плох.</a:t>
+            </a:r>
+          </a:p>
+          <a:p>
+            <a:r>
+              <a:rPr lang="ru-RU" baseline="0" dirty="0"/>
+              <a:t>На это есть много причин: ошибки дизайна, меняющиеся требования, </a:t>
+            </a:r>
+            <a:r>
+              <a:rPr lang="ru-RU" baseline="0" dirty="0" err="1"/>
+              <a:t>дедлайны</a:t>
+            </a:r>
+            <a:r>
+              <a:rPr lang="ru-RU" baseline="0" dirty="0"/>
+              <a:t>…</a:t>
+            </a:r>
+          </a:p>
+          <a:p>
+            <a:endParaRPr lang="ru-RU" dirty="0"/>
+          </a:p>
+        </p:txBody>
+      </p:sp>
+      <p:sp>
+        <p:nvSpPr>
+          <p:cNvPr id="4" name="Номер слайда 3"/>
+          <p:cNvSpPr>
+            <a:spLocks noGrp="1"/>
+          </p:cNvSpPr>
+          <p:nvPr>
+            <p:ph type="sldNum" sz="quarter" idx="10"/>
+          </p:nvPr>
+        </p:nvSpPr>
+        <p:spPr/>
+        <p:txBody>
+          <a:bodyPr/>
+          <a:lstStyle/>
+          <a:p>
+            <a:fld id="{3BAECB10-9972-4830-A584-02C41DAFD45B}" type="slidenum">
+              <a:rPr lang="ru-RU" smtClean="0"/>
+              <a:t>38</a:t>
+            </a:fld>
+            <a:endParaRPr lang="ru-RU"/>
+          </a:p>
+        </p:txBody>
+      </p:sp>
+    </p:spTree>
+    <p:extLst>
+      <p:ext uri="{BB962C8B-B14F-4D97-AF65-F5344CB8AC3E}">
+        <p14:creationId xmlns:p14="http://schemas.microsoft.com/office/powerpoint/2010/main" val="3537941884"/>
+      </p:ext>
+    </p:extLst>
+  </p:cSld>
+  <p:clrMapOvr>
+    <a:masterClrMapping/>
+  </p:clrMapOvr>
+</p:notes>
+</file>
+
+<file path=ppt/notesSlides/notesSlide24.xml><?xml version="1.0" encoding="utf-8"?>
+<p:notes xmlns:a="http://schemas.openxmlformats.org/drawingml/2006/main" xmlns:r="http://schemas.openxmlformats.org/officeDocument/2006/relationships" xmlns:p="http://schemas.openxmlformats.org/presentationml/2006/main">
+  <p:cSld>
+    <p:spTree>
+      <p:nvGrpSpPr>
+        <p:cNvPr id="1" name=""/>
+        <p:cNvGrpSpPr/>
+        <p:nvPr/>
+      </p:nvGrpSpPr>
+      <p:grpSpPr>
+        <a:xfrm>
+          <a:off x="0" y="0"/>
+          <a:ext cx="0" cy="0"/>
+          <a:chOff x="0" y="0"/>
+          <a:chExt cx="0" cy="0"/>
+        </a:xfrm>
+      </p:grpSpPr>
+      <p:sp>
+        <p:nvSpPr>
+          <p:cNvPr id="2" name="Образ слайда 1"/>
+          <p:cNvSpPr>
+            <a:spLocks noGrp="1" noRot="1" noChangeAspect="1"/>
+          </p:cNvSpPr>
+          <p:nvPr>
+            <p:ph type="sldImg"/>
+          </p:nvPr>
+        </p:nvSpPr>
+        <p:spPr/>
+      </p:sp>
+      <p:sp>
+        <p:nvSpPr>
+          <p:cNvPr id="3" name="Заметки 2"/>
+          <p:cNvSpPr>
+            <a:spLocks noGrp="1"/>
+          </p:cNvSpPr>
+          <p:nvPr>
+            <p:ph type="body" idx="1"/>
+          </p:nvPr>
+        </p:nvSpPr>
+        <p:spPr/>
+        <p:txBody>
+          <a:bodyPr/>
+          <a:lstStyle/>
+          <a:p>
+            <a:r>
+              <a:rPr lang="ru-RU" baseline="0" dirty="0"/>
+              <a:t>Посмотрите на этот пейзаж. Если бы у вас в руках была кожура от только что съеденного банана, стали бы вы нести ее до урны?</a:t>
+            </a:r>
+          </a:p>
+          <a:p>
+            <a:r>
+              <a:rPr lang="ru-RU" sz="1200" kern="1200" dirty="0">
+                <a:solidFill>
+                  <a:schemeClr val="tx1"/>
+                </a:solidFill>
+                <a:effectLst/>
+                <a:latin typeface="+mn-lt"/>
+                <a:ea typeface="+mn-ea"/>
+                <a:cs typeface="+mn-cs"/>
+              </a:rPr>
+              <a:t>Так</a:t>
+            </a:r>
+            <a:r>
+              <a:rPr lang="ru-RU" sz="1200" kern="1200" baseline="0" dirty="0">
+                <a:solidFill>
+                  <a:schemeClr val="tx1"/>
+                </a:solidFill>
+                <a:effectLst/>
+                <a:latin typeface="+mn-lt"/>
+                <a:ea typeface="+mn-ea"/>
+                <a:cs typeface="+mn-cs"/>
+              </a:rPr>
+              <a:t> же с кодом. </a:t>
+            </a:r>
+            <a:r>
+              <a:rPr lang="x-none" sz="1200" kern="1200" dirty="0">
+                <a:solidFill>
+                  <a:schemeClr val="tx1"/>
+                </a:solidFill>
+                <a:effectLst/>
+                <a:latin typeface="+mn-lt"/>
+                <a:ea typeface="+mn-ea"/>
+                <a:cs typeface="+mn-cs"/>
+              </a:rPr>
+              <a:t>Плохой код искушает сделать его еще хуже</a:t>
+            </a:r>
+            <a:r>
+              <a:rPr lang="ru-RU" sz="1200" kern="1200" dirty="0">
+                <a:solidFill>
+                  <a:schemeClr val="tx1"/>
+                </a:solidFill>
+                <a:effectLst/>
+                <a:latin typeface="+mn-lt"/>
+                <a:ea typeface="+mn-ea"/>
+                <a:cs typeface="+mn-cs"/>
+              </a:rPr>
+              <a:t>. Если большой</a:t>
+            </a:r>
+            <a:r>
+              <a:rPr lang="ru-RU" sz="1200" kern="1200" baseline="0" dirty="0">
+                <a:solidFill>
+                  <a:schemeClr val="tx1"/>
+                </a:solidFill>
+                <a:effectLst/>
+                <a:latin typeface="+mn-lt"/>
+                <a:ea typeface="+mn-ea"/>
+                <a:cs typeface="+mn-cs"/>
+              </a:rPr>
+              <a:t> класс плохо написан, то есть соблазн просто впихнуть туда очередной фикс и быть подальше, вместо того, чтобы улучшить код этого класса. Если на какой-то код нет тестов, то после фикса мелкого бага вряд ли появится желание их написать.</a:t>
+            </a:r>
+          </a:p>
+          <a:p>
+            <a:r>
+              <a:rPr lang="ru-RU" sz="1200" kern="1200" baseline="0" dirty="0">
+                <a:solidFill>
+                  <a:schemeClr val="tx1"/>
+                </a:solidFill>
+                <a:effectLst/>
+                <a:latin typeface="+mn-lt"/>
+                <a:ea typeface="+mn-ea"/>
+                <a:cs typeface="+mn-cs"/>
+              </a:rPr>
+              <a:t>Значит плохой код обречен становится еще хуже?</a:t>
+            </a:r>
+            <a:endParaRPr lang="ru-RU" dirty="0"/>
+          </a:p>
+        </p:txBody>
+      </p:sp>
+      <p:sp>
+        <p:nvSpPr>
+          <p:cNvPr id="4" name="Номер слайда 3"/>
+          <p:cNvSpPr>
+            <a:spLocks noGrp="1"/>
+          </p:cNvSpPr>
+          <p:nvPr>
+            <p:ph type="sldNum" sz="quarter" idx="10"/>
+          </p:nvPr>
+        </p:nvSpPr>
+        <p:spPr/>
+        <p:txBody>
+          <a:bodyPr/>
+          <a:lstStyle/>
+          <a:p>
+            <a:fld id="{3BAECB10-9972-4830-A584-02C41DAFD45B}" type="slidenum">
+              <a:rPr lang="ru-RU" smtClean="0"/>
+              <a:t>39</a:t>
+            </a:fld>
+            <a:endParaRPr lang="ru-RU"/>
+          </a:p>
+        </p:txBody>
+      </p:sp>
+    </p:spTree>
+    <p:extLst>
+      <p:ext uri="{BB962C8B-B14F-4D97-AF65-F5344CB8AC3E}">
+        <p14:creationId xmlns:p14="http://schemas.microsoft.com/office/powerpoint/2010/main" val="2847087046"/>
+      </p:ext>
+    </p:extLst>
+  </p:cSld>
+  <p:clrMapOvr>
+    <a:masterClrMapping/>
+  </p:clrMapOvr>
+</p:notes>
+</file>
+
+<file path=ppt/notesSlides/notesSlide25.xml><?xml version="1.0" encoding="utf-8"?>
+<p:notes xmlns:a="http://schemas.openxmlformats.org/drawingml/2006/main" xmlns:r="http://schemas.openxmlformats.org/officeDocument/2006/relationships" xmlns:p="http://schemas.openxmlformats.org/presentationml/2006/main">
+  <p:cSld>
+    <p:spTree>
+      <p:nvGrpSpPr>
+        <p:cNvPr id="1" name=""/>
+        <p:cNvGrpSpPr/>
+        <p:nvPr/>
+      </p:nvGrpSpPr>
+      <p:grpSpPr>
+        <a:xfrm>
+          <a:off x="0" y="0"/>
+          <a:ext cx="0" cy="0"/>
+          <a:chOff x="0" y="0"/>
+          <a:chExt cx="0" cy="0"/>
+        </a:xfrm>
+      </p:grpSpPr>
+      <p:sp>
+        <p:nvSpPr>
+          <p:cNvPr id="2" name="Образ слайда 1"/>
+          <p:cNvSpPr>
+            <a:spLocks noGrp="1" noRot="1" noChangeAspect="1"/>
+          </p:cNvSpPr>
+          <p:nvPr>
+            <p:ph type="sldImg"/>
+          </p:nvPr>
+        </p:nvSpPr>
+        <p:spPr/>
+      </p:sp>
+      <p:sp>
+        <p:nvSpPr>
+          <p:cNvPr id="3" name="Заметки 2"/>
+          <p:cNvSpPr>
+            <a:spLocks noGrp="1"/>
+          </p:cNvSpPr>
+          <p:nvPr>
+            <p:ph type="body" idx="1"/>
+          </p:nvPr>
+        </p:nvSpPr>
+        <p:spPr/>
+        <p:txBody>
+          <a:bodyPr/>
+          <a:lstStyle/>
+          <a:p>
+            <a:r>
+              <a:rPr lang="ru-RU" sz="1200" kern="1200" baseline="0" dirty="0">
+                <a:solidFill>
+                  <a:schemeClr val="tx1"/>
+                </a:solidFill>
+                <a:effectLst/>
+                <a:latin typeface="+mn-lt"/>
+                <a:ea typeface="+mn-ea"/>
+                <a:cs typeface="+mn-cs"/>
+              </a:rPr>
+              <a:t>На самом деле нет.</a:t>
+            </a:r>
+          </a:p>
+          <a:p>
+            <a:r>
+              <a:rPr lang="ru-RU" sz="1200" b="0" i="0" kern="1200" dirty="0">
+                <a:solidFill>
+                  <a:schemeClr val="tx1"/>
+                </a:solidFill>
+                <a:effectLst/>
+                <a:latin typeface="+mn-lt"/>
+                <a:ea typeface="+mn-ea"/>
+                <a:cs typeface="+mn-cs"/>
+              </a:rPr>
+              <a:t>У бойскаутов существует простое правило, которое применимо и к нашей профессии:</a:t>
+            </a:r>
+            <a:r>
+              <a:rPr lang="ru-RU" i="0" dirty="0"/>
+              <a:t/>
+            </a:r>
+            <a:br>
+              <a:rPr lang="ru-RU" i="0" dirty="0"/>
+            </a:br>
+            <a:r>
+              <a:rPr lang="ru-RU" sz="1200" b="1" i="0" kern="1200" dirty="0">
+                <a:solidFill>
+                  <a:schemeClr val="tx1"/>
+                </a:solidFill>
+                <a:effectLst/>
+                <a:latin typeface="+mn-lt"/>
+                <a:ea typeface="+mn-ea"/>
+                <a:cs typeface="+mn-cs"/>
+              </a:rPr>
+              <a:t>Оставь место стоянки чище, чем оно было до твоего прихода.</a:t>
+            </a:r>
+            <a:r>
+              <a:rPr lang="ru-RU" i="0" dirty="0"/>
+              <a:t/>
+            </a:r>
+            <a:br>
+              <a:rPr lang="ru-RU" i="0" dirty="0"/>
+            </a:br>
+            <a:r>
+              <a:rPr lang="ru-RU" sz="1200" b="0" i="0" kern="1200" dirty="0">
+                <a:solidFill>
+                  <a:schemeClr val="tx1"/>
+                </a:solidFill>
+                <a:effectLst/>
+                <a:latin typeface="+mn-lt"/>
+                <a:ea typeface="+mn-ea"/>
+                <a:cs typeface="+mn-cs"/>
+              </a:rPr>
+              <a:t>Если мы все будем оставлять свой код чище, чем он был до нашего прихода, то код попросту не будет загнивать. Чистка не обязана быть глобальной. Присвойте более понятное имя переменной, разбейте слишком большую функцию, устраните одно незначительное повторение, упростите сложную цепочку условий.</a:t>
+            </a:r>
+          </a:p>
+          <a:p>
+            <a:r>
+              <a:rPr lang="ru-RU" sz="1200" b="0" i="0" kern="1200" dirty="0">
+                <a:solidFill>
+                  <a:schemeClr val="tx1"/>
+                </a:solidFill>
+                <a:effectLst/>
+                <a:latin typeface="+mn-lt"/>
+                <a:ea typeface="+mn-ea"/>
+                <a:cs typeface="+mn-cs"/>
+              </a:rPr>
+              <a:t>Тогда код будет улучшаться</a:t>
+            </a:r>
+            <a:r>
+              <a:rPr lang="ru-RU" sz="1200" b="0" i="0" kern="1200" baseline="0" dirty="0">
+                <a:solidFill>
+                  <a:schemeClr val="tx1"/>
+                </a:solidFill>
+                <a:effectLst/>
+                <a:latin typeface="+mn-lt"/>
+                <a:ea typeface="+mn-ea"/>
+                <a:cs typeface="+mn-cs"/>
+              </a:rPr>
+              <a:t> с течением времени!</a:t>
+            </a:r>
+          </a:p>
+          <a:p>
+            <a:r>
+              <a:rPr lang="ru-RU" sz="1200" b="0" i="0" kern="1200" baseline="0" dirty="0">
+                <a:solidFill>
+                  <a:schemeClr val="tx1"/>
+                </a:solidFill>
+                <a:effectLst/>
+                <a:latin typeface="+mn-lt"/>
+                <a:ea typeface="+mn-ea"/>
+                <a:cs typeface="+mn-cs"/>
+              </a:rPr>
+              <a:t>Это может показаться непривычным, но может ли профессионал позволить себе нечто иное? Разве постоянное совершенствование не </a:t>
+            </a:r>
+            <a:r>
+              <a:rPr lang="ru-RU" sz="1200" b="0" i="0" kern="1200" baseline="0" dirty="0" err="1">
+                <a:solidFill>
+                  <a:schemeClr val="tx1"/>
+                </a:solidFill>
+                <a:effectLst/>
+                <a:latin typeface="+mn-lt"/>
+                <a:ea typeface="+mn-ea"/>
+                <a:cs typeface="+mn-cs"/>
+              </a:rPr>
+              <a:t>явлется</a:t>
+            </a:r>
+            <a:r>
+              <a:rPr lang="ru-RU" sz="1200" b="0" i="0" kern="1200" baseline="0" dirty="0">
+                <a:solidFill>
+                  <a:schemeClr val="tx1"/>
+                </a:solidFill>
+                <a:effectLst/>
+                <a:latin typeface="+mn-lt"/>
+                <a:ea typeface="+mn-ea"/>
+                <a:cs typeface="+mn-cs"/>
+              </a:rPr>
+              <a:t> неотъемлемой частью профессионализма?</a:t>
+            </a:r>
+            <a:endParaRPr lang="en-US" sz="1200" b="0" i="0" kern="1200" baseline="0" dirty="0">
+              <a:solidFill>
+                <a:schemeClr val="tx1"/>
+              </a:solidFill>
+              <a:effectLst/>
+              <a:latin typeface="+mn-lt"/>
+              <a:ea typeface="+mn-ea"/>
+              <a:cs typeface="+mn-cs"/>
+            </a:endParaRPr>
+          </a:p>
+          <a:p>
+            <a:endParaRPr lang="ru-RU" i="0" baseline="0" dirty="0"/>
+          </a:p>
+        </p:txBody>
+      </p:sp>
+      <p:sp>
+        <p:nvSpPr>
+          <p:cNvPr id="4" name="Номер слайда 3"/>
+          <p:cNvSpPr>
+            <a:spLocks noGrp="1"/>
+          </p:cNvSpPr>
+          <p:nvPr>
+            <p:ph type="sldNum" sz="quarter" idx="10"/>
+          </p:nvPr>
+        </p:nvSpPr>
+        <p:spPr/>
+        <p:txBody>
+          <a:bodyPr/>
+          <a:lstStyle/>
+          <a:p>
+            <a:fld id="{3BAECB10-9972-4830-A584-02C41DAFD45B}" type="slidenum">
+              <a:rPr lang="ru-RU" smtClean="0"/>
+              <a:t>40</a:t>
+            </a:fld>
+            <a:endParaRPr lang="ru-RU"/>
+          </a:p>
+        </p:txBody>
+      </p:sp>
+    </p:spTree>
+    <p:extLst>
+      <p:ext uri="{BB962C8B-B14F-4D97-AF65-F5344CB8AC3E}">
+        <p14:creationId xmlns:p14="http://schemas.microsoft.com/office/powerpoint/2010/main" val="3541839442"/>
+      </p:ext>
+    </p:extLst>
+  </p:cSld>
+  <p:clrMapOvr>
+    <a:masterClrMapping/>
+  </p:clrMapOvr>
+</p:notes>
+</file>
+
+<file path=ppt/notesSlides/notesSlide26.xml><?xml version="1.0" encoding="utf-8"?>
+<p:notes xmlns:a="http://schemas.openxmlformats.org/drawingml/2006/main" xmlns:r="http://schemas.openxmlformats.org/officeDocument/2006/relationships" xmlns:p="http://schemas.openxmlformats.org/presentationml/2006/main">
+  <p:cSld>
+    <p:spTree>
+      <p:nvGrpSpPr>
+        <p:cNvPr id="1" name=""/>
+        <p:cNvGrpSpPr/>
+        <p:nvPr/>
+      </p:nvGrpSpPr>
+      <p:grpSpPr>
+        <a:xfrm>
+          <a:off x="0" y="0"/>
+          <a:ext cx="0" cy="0"/>
+          <a:chOff x="0" y="0"/>
+          <a:chExt cx="0" cy="0"/>
+        </a:xfrm>
+      </p:grpSpPr>
+      <p:sp>
+        <p:nvSpPr>
+          <p:cNvPr id="2" name="Образ слайда 1"/>
+          <p:cNvSpPr>
+            <a:spLocks noGrp="1" noRot="1" noChangeAspect="1"/>
+          </p:cNvSpPr>
+          <p:nvPr>
+            <p:ph type="sldImg"/>
+          </p:nvPr>
+        </p:nvSpPr>
+        <p:spPr/>
+      </p:sp>
+      <p:sp>
+        <p:nvSpPr>
+          <p:cNvPr id="3" name="Заметки 2"/>
+          <p:cNvSpPr>
+            <a:spLocks noGrp="1"/>
+          </p:cNvSpPr>
+          <p:nvPr>
+            <p:ph type="body" idx="1"/>
+          </p:nvPr>
+        </p:nvSpPr>
+        <p:spPr/>
+        <p:txBody>
+          <a:bodyPr/>
+          <a:lstStyle/>
+          <a:p>
+            <a:r>
+              <a:rPr lang="ru-RU" i="0" baseline="0" dirty="0"/>
+              <a:t>Хороший код писать по большому счету не сложнее, чем плохой, если привыкнуть это делать. Наш курс рассчитан примерно на месяц. Считается, что примерно за это же время вырабатывается привычка. Поставьте себе цель следовать Правилу бойскаута всегда, когда пишите код, в течение этого месяца и вы не сможете писать плохой код.</a:t>
+            </a:r>
+            <a:endParaRPr lang="ru-RU" dirty="0"/>
+          </a:p>
+        </p:txBody>
+      </p:sp>
+      <p:sp>
+        <p:nvSpPr>
+          <p:cNvPr id="4" name="Номер слайда 3"/>
+          <p:cNvSpPr>
+            <a:spLocks noGrp="1"/>
+          </p:cNvSpPr>
+          <p:nvPr>
+            <p:ph type="sldNum" sz="quarter" idx="10"/>
+          </p:nvPr>
+        </p:nvSpPr>
+        <p:spPr/>
+        <p:txBody>
+          <a:bodyPr/>
+          <a:lstStyle/>
+          <a:p>
+            <a:fld id="{3BAECB10-9972-4830-A584-02C41DAFD45B}" type="slidenum">
+              <a:rPr lang="ru-RU" smtClean="0"/>
+              <a:t>41</a:t>
+            </a:fld>
+            <a:endParaRPr lang="ru-RU"/>
+          </a:p>
+        </p:txBody>
+      </p:sp>
+    </p:spTree>
+    <p:extLst>
+      <p:ext uri="{BB962C8B-B14F-4D97-AF65-F5344CB8AC3E}">
+        <p14:creationId xmlns:p14="http://schemas.microsoft.com/office/powerpoint/2010/main" val="3178035831"/>
       </p:ext>
     </p:extLst>
   </p:cSld>
@@ -3633,36 +5622,6 @@
           <a:bodyPr/>
           <a:lstStyle/>
           <a:p>
-            <a:r>
-              <a:rPr lang="ru-RU" dirty="0"/>
-              <a:t>Мы</a:t>
-            </a:r>
-            <a:r>
-              <a:rPr lang="ru-RU" baseline="0" dirty="0"/>
-              <a:t> только что подробно разобрали некоторые практики, помогающие писать хороший код.</a:t>
-            </a:r>
-          </a:p>
-          <a:p>
-            <a:r>
-              <a:rPr lang="ru-RU" baseline="0" dirty="0"/>
-              <a:t>Но давайте смотреть правде в глаза: в реальных проектах код не так уж хорош. Местами даже откровенно плох.</a:t>
-            </a:r>
-          </a:p>
-          <a:p>
-            <a:r>
-              <a:rPr lang="ru-RU" baseline="0" dirty="0"/>
-              <a:t>На это есть много причин: ошибки дизайна, меняющиеся требования, </a:t>
-            </a:r>
-            <a:r>
-              <a:rPr lang="ru-RU" baseline="0" dirty="0" err="1"/>
-              <a:t>дедлайны</a:t>
-            </a:r>
-            <a:r>
-              <a:rPr lang="ru-RU" baseline="0" dirty="0"/>
-              <a:t>…</a:t>
-            </a:r>
-          </a:p>
-          <a:p>
             <a:endParaRPr lang="ru-RU" dirty="0"/>
           </a:p>
         </p:txBody>
@@ -3684,7 +5643,7 @@
           <a:p>
             <a:fld id="{3BAECB10-9972-4830-A584-02C41DAFD45B}" type="slidenum">
               <a:rPr lang="ru-RU" smtClean="0"/>
-              <a:t>34</a:t>
+              <a:t>4</a:t>
             </a:fld>
             <a:endParaRPr lang="ru-RU"/>
           </a:p>
@@ -3693,7 +5652,7 @@
     </p:spTree>
     <p:extLst>
       <p:ext uri="{BB962C8B-B14F-4D97-AF65-F5344CB8AC3E}">
-        <p14:creationId xmlns:p14="http://schemas.microsoft.com/office/powerpoint/2010/main" val="3537941884"/>
+        <p14:creationId xmlns:p14="http://schemas.microsoft.com/office/powerpoint/2010/main" val="2775247930"/>
       </p:ext>
     </p:extLst>
   </p:cSld>
@@ -3747,86 +5706,6 @@
           <a:bodyPr/>
           <a:lstStyle/>
           <a:p>
-            <a:r>
-              <a:rPr lang="ru-RU" baseline="0" dirty="0"/>
-              <a:t>Посмотрите на этот пейзаж. Если бы у вас в руках была кожура от только что съеденного банана, стали бы вы нести ее до урны?</a:t>
-            </a:r>
-          </a:p>
-          <a:p>
-            <a:r>
-              <a:rPr lang="ru-RU" sz="1200" kern="1200" dirty="0">
-                <a:solidFill>
-                  <a:schemeClr val="tx1"/>
-                </a:solidFill>
-                <a:effectLst/>
-                <a:latin typeface="+mn-lt"/>
-                <a:ea typeface="+mn-ea"/>
-                <a:cs typeface="+mn-cs"/>
-              </a:rPr>
-              <a:t>Так</a:t>
-            </a:r>
-            <a:r>
-              <a:rPr lang="ru-RU" sz="1200" kern="1200" baseline="0" dirty="0">
-                <a:solidFill>
-                  <a:schemeClr val="tx1"/>
-                </a:solidFill>
-                <a:effectLst/>
-                <a:latin typeface="+mn-lt"/>
-                <a:ea typeface="+mn-ea"/>
-                <a:cs typeface="+mn-cs"/>
-              </a:rPr>
-              <a:t> же с кодом. </a:t>
-            </a:r>
-            <a:r>
-              <a:rPr lang="x-none" sz="1200" kern="1200" dirty="0">
-                <a:solidFill>
-                  <a:schemeClr val="tx1"/>
-                </a:solidFill>
-                <a:effectLst/>
-                <a:latin typeface="+mn-lt"/>
-                <a:ea typeface="+mn-ea"/>
-                <a:cs typeface="+mn-cs"/>
-              </a:rPr>
-              <a:t>Плохой код искушает сделать его еще хуже</a:t>
-            </a:r>
-            <a:r>
-              <a:rPr lang="ru-RU" sz="1200" kern="1200" dirty="0">
-                <a:solidFill>
-                  <a:schemeClr val="tx1"/>
-                </a:solidFill>
-                <a:effectLst/>
-                <a:latin typeface="+mn-lt"/>
-                <a:ea typeface="+mn-ea"/>
-                <a:cs typeface="+mn-cs"/>
-              </a:rPr>
-              <a:t>. Если большой</a:t>
-            </a:r>
-            <a:r>
-              <a:rPr lang="ru-RU" sz="1200" kern="1200" baseline="0" dirty="0">
-                <a:solidFill>
-                  <a:schemeClr val="tx1"/>
-                </a:solidFill>
-                <a:effectLst/>
-                <a:latin typeface="+mn-lt"/>
-                <a:ea typeface="+mn-ea"/>
-                <a:cs typeface="+mn-cs"/>
-              </a:rPr>
-              <a:t> класс плохо написан, то есть соблазн просто впихнуть туда очередной фикс и быть подальше, вместо того, чтобы улучшить код этого класса. Если на какой-то код нет тестов, то после фикса мелкого бага вряд ли появится желание их написать.</a:t>
-            </a:r>
-          </a:p>
-          <a:p>
-            <a:r>
-              <a:rPr lang="ru-RU" sz="1200" kern="1200" baseline="0" dirty="0">
-                <a:solidFill>
-                  <a:schemeClr val="tx1"/>
-                </a:solidFill>
-                <a:effectLst/>
-                <a:latin typeface="+mn-lt"/>
-                <a:ea typeface="+mn-ea"/>
-                <a:cs typeface="+mn-cs"/>
-              </a:rPr>
-              <a:t>Значит плохой код обречен становится еще хуже?</a:t>
-            </a:r>
             <a:endParaRPr lang="ru-RU" dirty="0"/>
           </a:p>
         </p:txBody>
@@ -3848,7 +5727,7 @@
           <a:p>
             <a:fld id="{3BAECB10-9972-4830-A584-02C41DAFD45B}" type="slidenum">
               <a:rPr lang="ru-RU" smtClean="0"/>
-              <a:t>35</a:t>
+              <a:t>5</a:t>
             </a:fld>
             <a:endParaRPr lang="ru-RU"/>
           </a:p>
@@ -3857,7 +5736,7 @@
     </p:spTree>
     <p:extLst>
       <p:ext uri="{BB962C8B-B14F-4D97-AF65-F5344CB8AC3E}">
-        <p14:creationId xmlns:p14="http://schemas.microsoft.com/office/powerpoint/2010/main" val="2847087046"/>
+        <p14:creationId xmlns:p14="http://schemas.microsoft.com/office/powerpoint/2010/main" val="4045396614"/>
       </p:ext>
     </p:extLst>
   </p:cSld>
@@ -3912,145 +5791,19 @@
           <a:lstStyle/>
           <a:p>
             <a:r>
-              <a:rPr lang="ru-RU" sz="1200" kern="1200" baseline="0" dirty="0">
-                <a:solidFill>
-                  <a:schemeClr val="tx1"/>
-                </a:solidFill>
-                <a:effectLst/>
-                <a:latin typeface="+mn-lt"/>
-                <a:ea typeface="+mn-ea"/>
-                <a:cs typeface="+mn-cs"/>
-              </a:rPr>
-              <a:t>На самом деле нет.</a:t>
-            </a:r>
-          </a:p>
-          <a:p>
-            <a:r>
-              <a:rPr lang="ru-RU" sz="1200" b="0" i="0" kern="1200" dirty="0">
-                <a:solidFill>
-                  <a:schemeClr val="tx1"/>
-                </a:solidFill>
-                <a:effectLst/>
-                <a:latin typeface="+mn-lt"/>
-                <a:ea typeface="+mn-ea"/>
-                <a:cs typeface="+mn-cs"/>
-              </a:rPr>
-              <a:t>У бойскаутов существует простое правило, которое применимо и к нашей профессии:</a:t>
-            </a:r>
-            <a:r>
-              <a:rPr lang="ru-RU" i="0" dirty="0"/>
-              <a:t/>
-            </a:r>
-            <a:br>
-              <a:rPr lang="ru-RU" i="0" dirty="0"/>
-            </a:br>
-            <a:r>
-              <a:rPr lang="ru-RU" sz="1200" b="1" i="0" kern="1200" dirty="0">
-                <a:solidFill>
-                  <a:schemeClr val="tx1"/>
-                </a:solidFill>
-                <a:effectLst/>
-                <a:latin typeface="+mn-lt"/>
-                <a:ea typeface="+mn-ea"/>
-                <a:cs typeface="+mn-cs"/>
-              </a:rPr>
-              <a:t>Оставь место стоянки чище, чем оно было до твоего прихода.</a:t>
-            </a:r>
-            <a:r>
-              <a:rPr lang="ru-RU" i="0" dirty="0"/>
-              <a:t/>
-            </a:r>
-            <a:br>
-              <a:rPr lang="ru-RU" i="0" dirty="0"/>
-            </a:br>
-            <a:r>
-              <a:rPr lang="ru-RU" sz="1200" b="0" i="0" kern="1200" dirty="0">
-                <a:solidFill>
-                  <a:schemeClr val="tx1"/>
-                </a:solidFill>
-                <a:effectLst/>
-                <a:latin typeface="+mn-lt"/>
-                <a:ea typeface="+mn-ea"/>
-                <a:cs typeface="+mn-cs"/>
-              </a:rPr>
-              <a:t>Если мы все будем оставлять свой код чище, чем он был до нашего прихода, то код попросту не будет загнивать. Чистка не обязана быть глобальной. Присвойте более понятное имя переменной, разбейте слишком большую функцию, устраните одно незначительное повторение, упростите сложную цепочку условий.</a:t>
-            </a:r>
-          </a:p>
-          <a:p>
-            <a:r>
-              <a:rPr lang="ru-RU" sz="1200" b="0" i="0" kern="1200" dirty="0">
-                <a:solidFill>
-                  <a:schemeClr val="tx1"/>
-                </a:solidFill>
-                <a:effectLst/>
-                <a:latin typeface="+mn-lt"/>
-                <a:ea typeface="+mn-ea"/>
-                <a:cs typeface="+mn-cs"/>
-              </a:rPr>
-              <a:t>Тогда код будет улучшаться</a:t>
-            </a:r>
-            <a:r>
-              <a:rPr lang="ru-RU" sz="1200" b="0" i="0" kern="1200" baseline="0" dirty="0">
-                <a:solidFill>
-                  <a:schemeClr val="tx1"/>
-                </a:solidFill>
-                <a:effectLst/>
-                <a:latin typeface="+mn-lt"/>
-                <a:ea typeface="+mn-ea"/>
-                <a:cs typeface="+mn-cs"/>
-              </a:rPr>
-              <a:t> с течением времени!</a:t>
-            </a:r>
-          </a:p>
-          <a:p>
-            <a:r>
-              <a:rPr lang="ru-RU" sz="1200" b="0" i="0" kern="1200" baseline="0" dirty="0">
-                <a:solidFill>
-                  <a:schemeClr val="tx1"/>
-                </a:solidFill>
-                <a:effectLst/>
-                <a:latin typeface="+mn-lt"/>
-                <a:ea typeface="+mn-ea"/>
-                <a:cs typeface="+mn-cs"/>
-              </a:rPr>
-              <a:t>Это может показаться непривычным, но может ли профессионал позволить себе нечто иное? Разве постоянное совершенствование не </a:t>
-            </a:r>
-            <a:r>
-              <a:rPr lang="ru-RU" sz="1200" b="0" i="0" kern="1200" baseline="0" dirty="0" err="1">
-                <a:solidFill>
-                  <a:schemeClr val="tx1"/>
-                </a:solidFill>
-                <a:effectLst/>
-                <a:latin typeface="+mn-lt"/>
-                <a:ea typeface="+mn-ea"/>
-                <a:cs typeface="+mn-cs"/>
-              </a:rPr>
-              <a:t>явлется</a:t>
-            </a:r>
-            <a:r>
-              <a:rPr lang="ru-RU" sz="1200" b="0" i="0" kern="1200" baseline="0" dirty="0">
-                <a:solidFill>
-                  <a:schemeClr val="tx1"/>
-                </a:solidFill>
-                <a:effectLst/>
-                <a:latin typeface="+mn-lt"/>
-                <a:ea typeface="+mn-ea"/>
-                <a:cs typeface="+mn-cs"/>
-              </a:rPr>
-              <a:t> неотъемлемой частью профессионализма?</a:t>
-            </a:r>
-            <a:endParaRPr lang="en-US" sz="1200" b="0" i="0" kern="1200" baseline="0" dirty="0">
-              <a:solidFill>
-                <a:schemeClr val="tx1"/>
-              </a:solidFill>
-              <a:effectLst/>
-              <a:latin typeface="+mn-lt"/>
-              <a:ea typeface="+mn-ea"/>
-              <a:cs typeface="+mn-cs"/>
-            </a:endParaRPr>
-          </a:p>
-          <a:p>
-            <a:endParaRPr lang="ru-RU" i="0" baseline="0" dirty="0"/>
+              <a:rPr lang="ru-RU" dirty="0" smtClean="0"/>
+              <a:t>Если</a:t>
+            </a:r>
+            <a:r>
+              <a:rPr lang="ru-RU" baseline="0" dirty="0" smtClean="0"/>
+              <a:t> эту задачу дать студенту, который не задумывается о декомпозиции, то легко получить что-то такое.</a:t>
+            </a:r>
+          </a:p>
+          <a:p>
+            <a:r>
+              <a:rPr lang="ru-RU" baseline="0" dirty="0" smtClean="0"/>
+              <a:t>Это очень трудно читать и почти невозможно убедить себя, что тут не ошибок.</a:t>
+            </a:r>
           </a:p>
         </p:txBody>
       </p:sp>
@@ -4071,7 +5824,7 @@
           <a:p>
             <a:fld id="{3BAECB10-9972-4830-A584-02C41DAFD45B}" type="slidenum">
               <a:rPr lang="ru-RU" smtClean="0"/>
-              <a:t>36</a:t>
+              <a:t>8</a:t>
             </a:fld>
             <a:endParaRPr lang="ru-RU"/>
           </a:p>
@@ -4080,7 +5833,7 @@
     </p:spTree>
     <p:extLst>
       <p:ext uri="{BB962C8B-B14F-4D97-AF65-F5344CB8AC3E}">
-        <p14:creationId xmlns:p14="http://schemas.microsoft.com/office/powerpoint/2010/main" val="3541839442"/>
+        <p14:creationId xmlns:p14="http://schemas.microsoft.com/office/powerpoint/2010/main" val="3169469544"/>
       </p:ext>
     </p:extLst>
   </p:cSld>
@@ -4134,10 +5887,6 @@
           <a:bodyPr/>
           <a:lstStyle/>
           <a:p>
-            <a:r>
-              <a:rPr lang="ru-RU" i="0" baseline="0" dirty="0"/>
-              <a:t>Хороший код писать по большому счету не сложнее, чем плохой, если привыкнуть это делать. Наш курс рассчитан примерно на месяц. Считается, что примерно за это же время вырабатывается привычка. Поставьте себе цель следовать Правилу бойскаута всегда, когда пишите код, в течение этого месяца и вы не сможете писать плохой код.</a:t>
-            </a:r>
             <a:endParaRPr lang="ru-RU" dirty="0"/>
           </a:p>
         </p:txBody>
@@ -4159,7 +5908,7 @@
           <a:p>
             <a:fld id="{3BAECB10-9972-4830-A584-02C41DAFD45B}" type="slidenum">
               <a:rPr lang="ru-RU" smtClean="0"/>
-              <a:t>37</a:t>
+              <a:t>9</a:t>
             </a:fld>
             <a:endParaRPr lang="ru-RU"/>
           </a:p>
@@ -4168,7 +5917,436 @@
     </p:spTree>
     <p:extLst>
       <p:ext uri="{BB962C8B-B14F-4D97-AF65-F5344CB8AC3E}">
-        <p14:creationId xmlns:p14="http://schemas.microsoft.com/office/powerpoint/2010/main" val="3178035831"/>
+        <p14:creationId xmlns:p14="http://schemas.microsoft.com/office/powerpoint/2010/main" val="2963776956"/>
+      </p:ext>
+    </p:extLst>
+  </p:cSld>
+  <p:clrMapOvr>
+    <a:masterClrMapping/>
+  </p:clrMapOvr>
+</p:notes>
+</file>
+
+<file path=ppt/notesSlides/notesSlide7.xml><?xml version="1.0" encoding="utf-8"?>
+<p:notes xmlns:a="http://schemas.openxmlformats.org/drawingml/2006/main" xmlns:r="http://schemas.openxmlformats.org/officeDocument/2006/relationships" xmlns:p="http://schemas.openxmlformats.org/presentationml/2006/main">
+  <p:cSld>
+    <p:spTree>
+      <p:nvGrpSpPr>
+        <p:cNvPr id="1" name=""/>
+        <p:cNvGrpSpPr/>
+        <p:nvPr/>
+      </p:nvGrpSpPr>
+      <p:grpSpPr>
+        <a:xfrm>
+          <a:off x="0" y="0"/>
+          <a:ext cx="0" cy="0"/>
+          <a:chOff x="0" y="0"/>
+          <a:chExt cx="0" cy="0"/>
+        </a:xfrm>
+      </p:grpSpPr>
+      <p:sp>
+        <p:nvSpPr>
+          <p:cNvPr id="2" name="Образ слайда 1"/>
+          <p:cNvSpPr>
+            <a:spLocks noGrp="1" noRot="1" noChangeAspect="1"/>
+          </p:cNvSpPr>
+          <p:nvPr>
+            <p:ph type="sldImg"/>
+          </p:nvPr>
+        </p:nvSpPr>
+        <p:spPr/>
+      </p:sp>
+      <p:sp>
+        <p:nvSpPr>
+          <p:cNvPr id="3" name="Заметки 2"/>
+          <p:cNvSpPr>
+            <a:spLocks noGrp="1"/>
+          </p:cNvSpPr>
+          <p:nvPr>
+            <p:ph type="body" idx="1"/>
+          </p:nvPr>
+        </p:nvSpPr>
+        <p:spPr/>
+        <p:txBody>
+          <a:bodyPr/>
+          <a:lstStyle/>
+          <a:p>
+            <a:pPr marL="228600" indent="-228600">
+              <a:buAutoNum type="arabicPeriod"/>
+            </a:pPr>
+            <a:r>
+              <a:rPr lang="ru-RU" dirty="0" smtClean="0"/>
+              <a:t>Длинный</a:t>
+            </a:r>
+            <a:r>
+              <a:rPr lang="ru-RU" baseline="0" dirty="0" smtClean="0"/>
+              <a:t> метод — скорее всего сигнализирует о том, что у метода есть несколько обязанностей.</a:t>
+            </a:r>
+          </a:p>
+          <a:p>
+            <a:pPr marL="228600" indent="-228600">
+              <a:buAutoNum type="arabicPeriod"/>
+            </a:pPr>
+            <a:r>
+              <a:rPr lang="ru-RU" baseline="0" dirty="0" smtClean="0"/>
+              <a:t>Слишком общее имя — это сигнал, что у метода несколько обязанностей, которые плохо описываются одной фразой.</a:t>
+            </a:r>
+          </a:p>
+          <a:p>
+            <a:pPr marL="228600" indent="-228600">
+              <a:buAutoNum type="arabicPeriod"/>
+            </a:pPr>
+            <a:r>
+              <a:rPr lang="ru-RU" baseline="0" dirty="0" smtClean="0"/>
+              <a:t>Если метод, нарушающий </a:t>
+            </a:r>
+            <a:r>
+              <a:rPr lang="en-US" baseline="0" dirty="0" smtClean="0"/>
+              <a:t>SRP</a:t>
+            </a:r>
+            <a:r>
+              <a:rPr lang="ru-RU" baseline="0" dirty="0" smtClean="0"/>
+              <a:t>  назвать честно, то получаются громоздкие фразы. Это уже лучше, чем слишком общее имя, но более явно указывает на нарушение </a:t>
+            </a:r>
+            <a:r>
+              <a:rPr lang="en-US" baseline="0" dirty="0" smtClean="0"/>
+              <a:t>SRP</a:t>
+            </a:r>
+            <a:r>
+              <a:rPr lang="ru-RU" baseline="0" dirty="0" smtClean="0"/>
+              <a:t>.</a:t>
+            </a:r>
+          </a:p>
+          <a:p>
+            <a:endParaRPr lang="ru-RU" dirty="0"/>
+          </a:p>
+        </p:txBody>
+      </p:sp>
+      <p:sp>
+        <p:nvSpPr>
+          <p:cNvPr id="4" name="Номер слайда 3"/>
+          <p:cNvSpPr>
+            <a:spLocks noGrp="1"/>
+          </p:cNvSpPr>
+          <p:nvPr>
+            <p:ph type="sldNum" sz="quarter" idx="10"/>
+          </p:nvPr>
+        </p:nvSpPr>
+        <p:spPr/>
+        <p:txBody>
+          <a:bodyPr/>
+          <a:lstStyle/>
+          <a:p>
+            <a:fld id="{3BAECB10-9972-4830-A584-02C41DAFD45B}" type="slidenum">
+              <a:rPr lang="ru-RU" smtClean="0"/>
+              <a:t>11</a:t>
+            </a:fld>
+            <a:endParaRPr lang="ru-RU"/>
+          </a:p>
+        </p:txBody>
+      </p:sp>
+    </p:spTree>
+    <p:extLst>
+      <p:ext uri="{BB962C8B-B14F-4D97-AF65-F5344CB8AC3E}">
+        <p14:creationId xmlns:p14="http://schemas.microsoft.com/office/powerpoint/2010/main" val="153552696"/>
+      </p:ext>
+    </p:extLst>
+  </p:cSld>
+  <p:clrMapOvr>
+    <a:masterClrMapping/>
+  </p:clrMapOvr>
+</p:notes>
+</file>
+
+<file path=ppt/notesSlides/notesSlide8.xml><?xml version="1.0" encoding="utf-8"?>
+<p:notes xmlns:a="http://schemas.openxmlformats.org/drawingml/2006/main" xmlns:r="http://schemas.openxmlformats.org/officeDocument/2006/relationships" xmlns:p="http://schemas.openxmlformats.org/presentationml/2006/main">
+  <p:cSld>
+    <p:spTree>
+      <p:nvGrpSpPr>
+        <p:cNvPr id="1" name=""/>
+        <p:cNvGrpSpPr/>
+        <p:nvPr/>
+      </p:nvGrpSpPr>
+      <p:grpSpPr>
+        <a:xfrm>
+          <a:off x="0" y="0"/>
+          <a:ext cx="0" cy="0"/>
+          <a:chOff x="0" y="0"/>
+          <a:chExt cx="0" cy="0"/>
+        </a:xfrm>
+      </p:grpSpPr>
+      <p:sp>
+        <p:nvSpPr>
+          <p:cNvPr id="2" name="Образ слайда 1"/>
+          <p:cNvSpPr>
+            <a:spLocks noGrp="1" noRot="1" noChangeAspect="1"/>
+          </p:cNvSpPr>
+          <p:nvPr>
+            <p:ph type="sldImg"/>
+          </p:nvPr>
+        </p:nvSpPr>
+        <p:spPr/>
+      </p:sp>
+      <p:sp>
+        <p:nvSpPr>
+          <p:cNvPr id="3" name="Заметки 2"/>
+          <p:cNvSpPr>
+            <a:spLocks noGrp="1"/>
+          </p:cNvSpPr>
+          <p:nvPr>
+            <p:ph type="body" idx="1"/>
+          </p:nvPr>
+        </p:nvSpPr>
+        <p:spPr/>
+        <p:txBody>
+          <a:bodyPr/>
+          <a:lstStyle/>
+          <a:p>
+            <a:r>
+              <a:rPr lang="ru-RU" dirty="0" smtClean="0"/>
+              <a:t>В прошлом решении есть недостаток </a:t>
+            </a:r>
+            <a:r>
+              <a:rPr lang="ru-RU" dirty="0" err="1" smtClean="0"/>
+              <a:t>компонуемости</a:t>
+            </a:r>
+            <a:r>
+              <a:rPr lang="ru-RU" dirty="0" smtClean="0"/>
+              <a:t>.</a:t>
+            </a:r>
+            <a:r>
+              <a:rPr lang="ru-RU" baseline="0" dirty="0" smtClean="0"/>
+              <a:t> Выделенные методы </a:t>
+            </a:r>
+            <a:r>
+              <a:rPr lang="ru-RU" baseline="0" dirty="0" err="1" smtClean="0"/>
+              <a:t>вряд-ли</a:t>
+            </a:r>
+            <a:r>
+              <a:rPr lang="ru-RU" baseline="0" dirty="0" smtClean="0"/>
+              <a:t> где-то ещё понадобятся.</a:t>
+            </a:r>
+          </a:p>
+          <a:p>
+            <a:r>
+              <a:rPr lang="ru-RU" baseline="0" dirty="0" smtClean="0"/>
+              <a:t>Однако, п</a:t>
+            </a:r>
+            <a:r>
+              <a:rPr lang="ru-RU" dirty="0" smtClean="0"/>
+              <a:t>родолжая</a:t>
+            </a:r>
+            <a:r>
+              <a:rPr lang="ru-RU" baseline="0" dirty="0" smtClean="0"/>
+              <a:t> прошлую задачу, можно было дополнительно выделить абстракцию </a:t>
+            </a:r>
+            <a:r>
+              <a:rPr lang="ru-RU" baseline="0" dirty="0" err="1" smtClean="0"/>
+              <a:t>Токенайзера</a:t>
+            </a:r>
+            <a:r>
+              <a:rPr lang="ru-RU" baseline="0" dirty="0" smtClean="0"/>
+              <a:t>, с помощью которого остальные методы реализуются в одну простую строчку.</a:t>
+            </a:r>
+          </a:p>
+          <a:p>
+            <a:r>
+              <a:rPr lang="ru-RU" baseline="0" dirty="0" smtClean="0"/>
+              <a:t>Такой </a:t>
+            </a:r>
+            <a:r>
+              <a:rPr lang="en-US" baseline="0" dirty="0" smtClean="0"/>
+              <a:t>Tokenizer</a:t>
+            </a:r>
+            <a:r>
+              <a:rPr lang="ru-RU" baseline="0" dirty="0" smtClean="0"/>
+              <a:t> может оказаться полезным в других задачах </a:t>
+            </a:r>
+            <a:r>
+              <a:rPr lang="ru-RU" baseline="0" dirty="0" err="1" smtClean="0"/>
+              <a:t>парсинга</a:t>
+            </a:r>
+            <a:r>
+              <a:rPr lang="ru-RU" baseline="0" dirty="0" smtClean="0"/>
+              <a:t> текстов.</a:t>
+            </a:r>
+          </a:p>
+        </p:txBody>
+      </p:sp>
+      <p:sp>
+        <p:nvSpPr>
+          <p:cNvPr id="4" name="Номер слайда 3"/>
+          <p:cNvSpPr>
+            <a:spLocks noGrp="1"/>
+          </p:cNvSpPr>
+          <p:nvPr>
+            <p:ph type="sldNum" sz="quarter" idx="10"/>
+          </p:nvPr>
+        </p:nvSpPr>
+        <p:spPr/>
+        <p:txBody>
+          <a:bodyPr/>
+          <a:lstStyle/>
+          <a:p>
+            <a:fld id="{3BAECB10-9972-4830-A584-02C41DAFD45B}" type="slidenum">
+              <a:rPr lang="ru-RU" smtClean="0"/>
+              <a:t>13</a:t>
+            </a:fld>
+            <a:endParaRPr lang="ru-RU"/>
+          </a:p>
+        </p:txBody>
+      </p:sp>
+    </p:spTree>
+    <p:extLst>
+      <p:ext uri="{BB962C8B-B14F-4D97-AF65-F5344CB8AC3E}">
+        <p14:creationId xmlns:p14="http://schemas.microsoft.com/office/powerpoint/2010/main" val="1522625074"/>
+      </p:ext>
+    </p:extLst>
+  </p:cSld>
+  <p:clrMapOvr>
+    <a:masterClrMapping/>
+  </p:clrMapOvr>
+</p:notes>
+</file>
+
+<file path=ppt/notesSlides/notesSlide9.xml><?xml version="1.0" encoding="utf-8"?>
+<p:notes xmlns:a="http://schemas.openxmlformats.org/drawingml/2006/main" xmlns:r="http://schemas.openxmlformats.org/officeDocument/2006/relationships" xmlns:p="http://schemas.openxmlformats.org/presentationml/2006/main">
+  <p:cSld>
+    <p:spTree>
+      <p:nvGrpSpPr>
+        <p:cNvPr id="1" name=""/>
+        <p:cNvGrpSpPr/>
+        <p:nvPr/>
+      </p:nvGrpSpPr>
+      <p:grpSpPr>
+        <a:xfrm>
+          <a:off x="0" y="0"/>
+          <a:ext cx="0" cy="0"/>
+          <a:chOff x="0" y="0"/>
+          <a:chExt cx="0" cy="0"/>
+        </a:xfrm>
+      </p:grpSpPr>
+      <p:sp>
+        <p:nvSpPr>
+          <p:cNvPr id="2" name="Образ слайда 1"/>
+          <p:cNvSpPr>
+            <a:spLocks noGrp="1" noRot="1" noChangeAspect="1"/>
+          </p:cNvSpPr>
+          <p:nvPr>
+            <p:ph type="sldImg"/>
+          </p:nvPr>
+        </p:nvSpPr>
+        <p:spPr/>
+      </p:sp>
+      <p:sp>
+        <p:nvSpPr>
+          <p:cNvPr id="3" name="Заметки 2"/>
+          <p:cNvSpPr>
+            <a:spLocks noGrp="1"/>
+          </p:cNvSpPr>
+          <p:nvPr>
+            <p:ph type="body" idx="1"/>
+          </p:nvPr>
+        </p:nvSpPr>
+        <p:spPr/>
+        <p:txBody>
+          <a:bodyPr/>
+          <a:lstStyle/>
+          <a:p>
+            <a:r>
+              <a:rPr lang="ru-RU" dirty="0" smtClean="0"/>
+              <a:t>Спросить</a:t>
+            </a:r>
+            <a:r>
+              <a:rPr lang="ru-RU" baseline="0" dirty="0" smtClean="0"/>
+              <a:t> аудиторию, как это делать.</a:t>
+            </a:r>
+          </a:p>
+          <a:p>
+            <a:r>
+              <a:rPr lang="ru-RU" dirty="0" smtClean="0"/>
+              <a:t>Обычно</a:t>
+            </a:r>
+            <a:r>
+              <a:rPr lang="ru-RU" baseline="0" dirty="0" smtClean="0"/>
+              <a:t> бывают два варианта:</a:t>
+            </a:r>
+          </a:p>
+          <a:p>
+            <a:pPr marL="228600" indent="-228600">
+              <a:buAutoNum type="arabicPeriod"/>
+            </a:pPr>
+            <a:r>
+              <a:rPr lang="en-US" baseline="0" dirty="0" err="1" smtClean="0"/>
+              <a:t>shiftSize</a:t>
+            </a:r>
+            <a:r>
+              <a:rPr lang="ru-RU" baseline="0" dirty="0" smtClean="0"/>
+              <a:t> раз сделать сдвиг на единичку. (Это медленно!)</a:t>
+            </a:r>
+            <a:endParaRPr lang="en-US" baseline="0" dirty="0" smtClean="0"/>
+          </a:p>
+          <a:p>
+            <a:pPr marL="228600" indent="-228600">
+              <a:buAutoNum type="arabicPeriod"/>
+            </a:pPr>
+            <a:r>
+              <a:rPr lang="ru-RU" baseline="0" dirty="0" smtClean="0"/>
+              <a:t>Создать новый массив, в который перенести все значения с нужным сдвигом.</a:t>
+            </a:r>
+          </a:p>
+          <a:p>
+            <a:pPr marL="0" indent="0">
+              <a:buNone/>
+            </a:pPr>
+            <a:endParaRPr lang="ru-RU" baseline="0" dirty="0" smtClean="0"/>
+          </a:p>
+          <a:p>
+            <a:pPr marL="0" indent="0">
+              <a:buNone/>
+            </a:pPr>
+            <a:r>
+              <a:rPr lang="ru-RU" baseline="0" dirty="0" smtClean="0"/>
+              <a:t>Решение с </a:t>
+            </a:r>
+            <a:r>
+              <a:rPr lang="en-US" baseline="0" dirty="0" smtClean="0"/>
+              <a:t>LINQ</a:t>
+            </a:r>
+            <a:r>
+              <a:rPr lang="ru-RU" baseline="0" dirty="0" smtClean="0"/>
+              <a:t> короче, очевиднее, но менее эффективно, хотя асимптотика та же.</a:t>
+            </a:r>
+          </a:p>
+        </p:txBody>
+      </p:sp>
+      <p:sp>
+        <p:nvSpPr>
+          <p:cNvPr id="4" name="Номер слайда 3"/>
+          <p:cNvSpPr>
+            <a:spLocks noGrp="1"/>
+          </p:cNvSpPr>
+          <p:nvPr>
+            <p:ph type="sldNum" sz="quarter" idx="10"/>
+          </p:nvPr>
+        </p:nvSpPr>
+        <p:spPr/>
+        <p:txBody>
+          <a:bodyPr/>
+          <a:lstStyle/>
+          <a:p>
+            <a:fld id="{3BAECB10-9972-4830-A584-02C41DAFD45B}" type="slidenum">
+              <a:rPr lang="ru-RU" smtClean="0"/>
+              <a:t>14</a:t>
+            </a:fld>
+            <a:endParaRPr lang="ru-RU"/>
+          </a:p>
+        </p:txBody>
+      </p:sp>
+    </p:spTree>
+    <p:extLst>
+      <p:ext uri="{BB962C8B-B14F-4D97-AF65-F5344CB8AC3E}">
+        <p14:creationId xmlns:p14="http://schemas.microsoft.com/office/powerpoint/2010/main" val="3173643700"/>
       </p:ext>
     </p:extLst>
   </p:cSld>
@@ -7212,6 +9390,13 @@
   <p:clrMapOvr>
     <a:masterClrMapping/>
   </p:clrMapOvr>
+  <p:timing>
+    <p:tnLst>
+      <p:par>
+        <p:cTn id="1" dur="indefinite" restart="never" nodeType="tmRoot"/>
+      </p:par>
+    </p:tnLst>
+  </p:timing>
 </p:sld>
 </file>
 
@@ -7244,15 +9429,14 @@
         </p:nvSpPr>
         <p:spPr/>
         <p:txBody>
-          <a:bodyPr>
-            <a:noAutofit/>
-          </a:bodyPr>
+          <a:bodyPr/>
           <a:lstStyle/>
           <a:p>
             <a:r>
-              <a:rPr lang="ru-RU" sz="4400" dirty="0"/>
-              <a:t>Маркеры плохой декомпозиции</a:t>
-            </a:r>
+              <a:rPr lang="ru-RU" dirty="0" smtClean="0"/>
+              <a:t>Маркеры плохого кода</a:t>
+            </a:r>
+            <a:endParaRPr lang="ru-RU" dirty="0"/>
           </a:p>
         </p:txBody>
       </p:sp>
@@ -7271,22 +9455,30 @@
           <a:bodyPr/>
           <a:lstStyle/>
           <a:p>
-            <a:r>
-              <a:rPr lang="ru-RU" dirty="0"/>
-              <a:t>Слишком длинный метод / класс</a:t>
-            </a:r>
-          </a:p>
-          <a:p>
-            <a:r>
-              <a:rPr lang="ru-RU" dirty="0"/>
-              <a:t>Слишком общее название метода</a:t>
-            </a:r>
-            <a:endParaRPr lang="en-US" dirty="0"/>
-          </a:p>
-          <a:p>
-            <a:r>
-              <a:rPr lang="ru-RU" dirty="0"/>
-              <a:t>Слишком сложное название метода</a:t>
+            <a:pPr marL="0" indent="0">
+              <a:buNone/>
+            </a:pPr>
+            <a:r>
+              <a:rPr lang="ru-RU" dirty="0" smtClean="0"/>
+              <a:t>Как программисты находят плохой код?</a:t>
+            </a:r>
+          </a:p>
+          <a:p>
+            <a:pPr marL="514350" indent="-514350">
+              <a:buAutoNum type="arabicPeriod"/>
+            </a:pPr>
+            <a:r>
+              <a:rPr lang="ru-RU" dirty="0" smtClean="0"/>
+              <a:t>Рефлекторно реагируют на маркеры, которые легко распознать.</a:t>
+            </a:r>
+          </a:p>
+          <a:p>
+            <a:pPr marL="514350" indent="-514350">
+              <a:buAutoNum type="arabicPeriod"/>
+            </a:pPr>
+            <a:r>
+              <a:rPr lang="ru-RU" dirty="0" smtClean="0"/>
+              <a:t>Включают мозг и анализируют.</a:t>
             </a:r>
           </a:p>
         </p:txBody>
@@ -7294,13 +9486,20 @@
     </p:spTree>
     <p:extLst>
       <p:ext uri="{BB962C8B-B14F-4D97-AF65-F5344CB8AC3E}">
-        <p14:creationId xmlns:p14="http://schemas.microsoft.com/office/powerpoint/2010/main" val="2505832185"/>
+        <p14:creationId xmlns:p14="http://schemas.microsoft.com/office/powerpoint/2010/main" val="1716292198"/>
       </p:ext>
     </p:extLst>
   </p:cSld>
   <p:clrMapOvr>
     <a:masterClrMapping/>
   </p:clrMapOvr>
+  <p:timing>
+    <p:tnLst>
+      <p:par>
+        <p:cTn id="1" dur="indefinite" restart="never" nodeType="tmRoot"/>
+      </p:par>
+    </p:tnLst>
+  </p:timing>
 </p:sld>
 </file>
 
@@ -7333,25 +9532,26 @@
         </p:nvSpPr>
         <p:spPr/>
         <p:txBody>
-          <a:bodyPr/>
+          <a:bodyPr>
+            <a:noAutofit/>
+          </a:bodyPr>
           <a:lstStyle/>
           <a:p>
             <a:r>
-              <a:rPr lang="en-US" dirty="0"/>
-              <a:t>Composability</a:t>
-            </a:r>
-            <a:endParaRPr lang="ru-RU" dirty="0"/>
+              <a:rPr lang="ru-RU" sz="4400" dirty="0"/>
+              <a:t>Маркеры плохой декомпозиции</a:t>
+            </a:r>
           </a:p>
         </p:txBody>
       </p:sp>
       <p:sp>
         <p:nvSpPr>
-          <p:cNvPr id="3" name="Текст 2"/>
+          <p:cNvPr id="3" name="Объект 2"/>
           <p:cNvSpPr>
             <a:spLocks noGrp="1"/>
           </p:cNvSpPr>
           <p:nvPr>
-            <p:ph type="body" idx="1"/>
+            <p:ph idx="1"/>
           </p:nvPr>
         </p:nvSpPr>
         <p:spPr/>
@@ -7359,20 +9559,43 @@
           <a:bodyPr/>
           <a:lstStyle/>
           <a:p>
-            <a:endParaRPr lang="ru-RU"/>
+            <a:r>
+              <a:rPr lang="ru-RU" dirty="0"/>
+              <a:t>Слишком длинный метод / класс</a:t>
+            </a:r>
+          </a:p>
+          <a:p>
+            <a:r>
+              <a:rPr lang="ru-RU" dirty="0"/>
+              <a:t>Слишком общее название метода</a:t>
+            </a:r>
+            <a:endParaRPr lang="en-US" dirty="0"/>
+          </a:p>
+          <a:p>
+            <a:r>
+              <a:rPr lang="ru-RU" dirty="0"/>
+              <a:t>Слишком сложное название метода</a:t>
+            </a:r>
           </a:p>
         </p:txBody>
       </p:sp>
     </p:spTree>
     <p:extLst>
       <p:ext uri="{BB962C8B-B14F-4D97-AF65-F5344CB8AC3E}">
-        <p14:creationId xmlns:p14="http://schemas.microsoft.com/office/powerpoint/2010/main" val="690098810"/>
+        <p14:creationId xmlns:p14="http://schemas.microsoft.com/office/powerpoint/2010/main" val="2505832185"/>
       </p:ext>
     </p:extLst>
   </p:cSld>
   <p:clrMapOvr>
     <a:masterClrMapping/>
   </p:clrMapOvr>
+  <p:timing>
+    <p:tnLst>
+      <p:par>
+        <p:cTn id="1" dur="indefinite" restart="never" nodeType="tmRoot"/>
+      </p:par>
+    </p:tnLst>
+  </p:timing>
 </p:sld>
 </file>
 
@@ -7418,274 +9641,40 @@
       </p:sp>
       <p:sp>
         <p:nvSpPr>
-          <p:cNvPr id="3" name="Объект 2"/>
+          <p:cNvPr id="3" name="Текст 2"/>
           <p:cNvSpPr>
             <a:spLocks noGrp="1"/>
           </p:cNvSpPr>
           <p:nvPr>
-            <p:ph idx="1"/>
+            <p:ph type="body" idx="1"/>
           </p:nvPr>
         </p:nvSpPr>
         <p:spPr/>
         <p:txBody>
-          <a:bodyPr>
-            <a:normAutofit/>
-          </a:bodyPr>
+          <a:bodyPr/>
           <a:lstStyle/>
           <a:p>
-            <a:pPr marL="0" indent="0">
-              <a:buNone/>
-            </a:pPr>
-            <a:r>
-              <a:rPr lang="en-US" sz="2800" dirty="0">
-                <a:solidFill>
-                  <a:srgbClr val="0000FF"/>
-                </a:solidFill>
-              </a:rPr>
-              <a:t>class </a:t>
-            </a:r>
-            <a:r>
-              <a:rPr lang="en-US" sz="2800" dirty="0"/>
-              <a:t>Tokenizer {</a:t>
-            </a:r>
-          </a:p>
-          <a:p>
-            <a:pPr marL="0" indent="0">
-              <a:buNone/>
-            </a:pPr>
-            <a:r>
-              <a:rPr lang="en-US" sz="2800" dirty="0">
-                <a:solidFill>
-                  <a:srgbClr val="0000FF"/>
-                </a:solidFill>
-              </a:rPr>
-              <a:t>    string</a:t>
-            </a:r>
-            <a:r>
-              <a:rPr lang="en-US" sz="2800" dirty="0"/>
-              <a:t> </a:t>
-            </a:r>
-            <a:r>
-              <a:rPr lang="en-US" sz="2800" dirty="0" err="1"/>
-              <a:t>ReadUntil</a:t>
-            </a:r>
-            <a:r>
-              <a:rPr lang="en-US" sz="2800" dirty="0"/>
-              <a:t>(</a:t>
-            </a:r>
-            <a:r>
-              <a:rPr lang="en-US" sz="2800" dirty="0" err="1">
-                <a:solidFill>
-                  <a:srgbClr val="0000FF"/>
-                </a:solidFill>
-              </a:rPr>
-              <a:t>params</a:t>
-            </a:r>
-            <a:r>
-              <a:rPr lang="en-US" sz="2800" dirty="0">
-                <a:solidFill>
-                  <a:srgbClr val="0000FF"/>
-                </a:solidFill>
-              </a:rPr>
-              <a:t> char</a:t>
-            </a:r>
-            <a:r>
-              <a:rPr lang="en-US" sz="2800" dirty="0"/>
-              <a:t> []  </a:t>
-            </a:r>
-            <a:r>
-              <a:rPr lang="en-US" sz="2800" dirty="0" err="1"/>
-              <a:t>stopChars</a:t>
-            </a:r>
-            <a:r>
-              <a:rPr lang="en-US" sz="2800" dirty="0"/>
-              <a:t>);</a:t>
-            </a:r>
-            <a:br>
-              <a:rPr lang="en-US" sz="2800" dirty="0"/>
-            </a:br>
-            <a:r>
-              <a:rPr lang="en-US" sz="2800" dirty="0">
-                <a:solidFill>
-                  <a:srgbClr val="0000FF"/>
-                </a:solidFill>
-              </a:rPr>
-              <a:t>    string</a:t>
-            </a:r>
-            <a:r>
-              <a:rPr lang="en-US" sz="2800" dirty="0"/>
-              <a:t> </a:t>
-            </a:r>
-            <a:r>
-              <a:rPr lang="en-US" sz="2800" dirty="0" err="1"/>
-              <a:t>ReadUntil</a:t>
-            </a:r>
-            <a:r>
-              <a:rPr lang="en-US" sz="2800" dirty="0"/>
-              <a:t>(</a:t>
-            </a:r>
-            <a:r>
-              <a:rPr lang="en-US" sz="2800" dirty="0" err="1"/>
-              <a:t>Func</a:t>
-            </a:r>
-            <a:r>
-              <a:rPr lang="en-US" sz="2800" dirty="0"/>
-              <a:t>&lt;</a:t>
-            </a:r>
-            <a:r>
-              <a:rPr lang="en-US" sz="2800" dirty="0">
-                <a:solidFill>
-                  <a:srgbClr val="0000FF"/>
-                </a:solidFill>
-              </a:rPr>
-              <a:t>char</a:t>
-            </a:r>
-            <a:r>
-              <a:rPr lang="en-US" sz="2800" dirty="0"/>
-              <a:t>, </a:t>
-            </a:r>
-            <a:r>
-              <a:rPr lang="en-US" sz="2800" dirty="0">
-                <a:solidFill>
-                  <a:srgbClr val="0000FF"/>
-                </a:solidFill>
-              </a:rPr>
-              <a:t>bool</a:t>
-            </a:r>
-            <a:r>
-              <a:rPr lang="en-US" sz="2800" dirty="0"/>
-              <a:t>&gt; </a:t>
-            </a:r>
-            <a:r>
-              <a:rPr lang="en-US" sz="2800" dirty="0" err="1"/>
-              <a:t>isStopChar</a:t>
-            </a:r>
-            <a:r>
-              <a:rPr lang="en-US" sz="2800" dirty="0"/>
-              <a:t>);</a:t>
-            </a:r>
-            <a:br>
-              <a:rPr lang="en-US" sz="2800" dirty="0"/>
-            </a:br>
-            <a:r>
-              <a:rPr lang="en-US" sz="2800" dirty="0"/>
-              <a:t>    </a:t>
-            </a:r>
-            <a:r>
-              <a:rPr lang="en-US" sz="2800" dirty="0">
-                <a:solidFill>
-                  <a:srgbClr val="0000FF"/>
-                </a:solidFill>
-              </a:rPr>
-              <a:t>void </a:t>
-            </a:r>
-            <a:r>
-              <a:rPr lang="en-US" sz="2800" dirty="0" err="1"/>
-              <a:t>SkipSpaces</a:t>
-            </a:r>
-            <a:r>
-              <a:rPr lang="en-US" sz="2800" dirty="0"/>
-              <a:t>();</a:t>
-            </a:r>
-            <a:br>
-              <a:rPr lang="en-US" sz="2800" dirty="0"/>
-            </a:br>
-            <a:r>
-              <a:rPr lang="en-US" sz="2800" dirty="0">
-                <a:solidFill>
-                  <a:srgbClr val="0000FF"/>
-                </a:solidFill>
-              </a:rPr>
-              <a:t>    char</a:t>
-            </a:r>
-            <a:r>
-              <a:rPr lang="en-US" sz="2800" dirty="0"/>
-              <a:t> </a:t>
-            </a:r>
-            <a:r>
-              <a:rPr lang="en-US" sz="2800" dirty="0" err="1"/>
-              <a:t>CurrenChar</a:t>
-            </a:r>
-            <a:r>
-              <a:rPr lang="en-US" sz="2800" dirty="0"/>
-              <a:t> { </a:t>
-            </a:r>
-            <a:r>
-              <a:rPr lang="en-US" sz="2800" dirty="0">
-                <a:solidFill>
-                  <a:srgbClr val="0000FF"/>
-                </a:solidFill>
-              </a:rPr>
-              <a:t>get</a:t>
-            </a:r>
-            <a:r>
-              <a:rPr lang="en-US" sz="2800" dirty="0"/>
-              <a:t>; }</a:t>
-            </a:r>
-            <a:br>
-              <a:rPr lang="en-US" sz="2800" dirty="0"/>
-            </a:br>
-            <a:r>
-              <a:rPr lang="en-US" sz="2800" dirty="0"/>
-              <a:t>    ....</a:t>
-            </a:r>
-            <a:endParaRPr lang="ru-RU" sz="2800" dirty="0"/>
-          </a:p>
-          <a:p>
-            <a:pPr marL="0" indent="0">
-              <a:buNone/>
-            </a:pPr>
-            <a:r>
-              <a:rPr lang="en-US" sz="2800" dirty="0"/>
-              <a:t>}</a:t>
-            </a:r>
-          </a:p>
-          <a:p>
-            <a:pPr marL="0" indent="0">
-              <a:buNone/>
-            </a:pPr>
-            <a:r>
-              <a:rPr lang="en-US" sz="2800" dirty="0">
-                <a:solidFill>
-                  <a:srgbClr val="0000FF"/>
-                </a:solidFill>
-              </a:rPr>
-              <a:t>string </a:t>
-            </a:r>
-            <a:r>
-              <a:rPr lang="en-US" sz="2800" dirty="0" err="1"/>
-              <a:t>Unescape</a:t>
-            </a:r>
-            <a:r>
-              <a:rPr lang="en-US" sz="2800" dirty="0"/>
-              <a:t>(</a:t>
-            </a:r>
-            <a:r>
-              <a:rPr lang="en-US" sz="2800" dirty="0">
-                <a:solidFill>
-                  <a:srgbClr val="0000FF"/>
-                </a:solidFill>
-              </a:rPr>
-              <a:t>string </a:t>
-            </a:r>
-            <a:r>
-              <a:rPr lang="en-US" sz="2800" dirty="0"/>
-              <a:t>input);</a:t>
-            </a:r>
-            <a:endParaRPr lang="ru-RU" sz="2800" dirty="0"/>
+            <a:endParaRPr lang="ru-RU"/>
           </a:p>
         </p:txBody>
       </p:sp>
     </p:spTree>
     <p:extLst>
       <p:ext uri="{BB962C8B-B14F-4D97-AF65-F5344CB8AC3E}">
-        <p14:creationId xmlns:p14="http://schemas.microsoft.com/office/powerpoint/2010/main" val="3151686118"/>
+        <p14:creationId xmlns:p14="http://schemas.microsoft.com/office/powerpoint/2010/main" val="690098810"/>
       </p:ext>
     </p:extLst>
   </p:cSld>
   <p:clrMapOvr>
     <a:masterClrMapping/>
   </p:clrMapOvr>
+  <p:timing>
+    <p:tnLst>
+      <p:par>
+        <p:cTn id="1" dur="indefinite" restart="never" nodeType="tmRoot"/>
+      </p:par>
+    </p:tnLst>
+  </p:timing>
 </p:sld>
 </file>
 
@@ -7718,6 +9707,882 @@
         </p:nvSpPr>
         <p:spPr/>
         <p:txBody>
+          <a:bodyPr/>
+          <a:lstStyle/>
+          <a:p>
+            <a:r>
+              <a:rPr lang="en-US" dirty="0"/>
+              <a:t>Composability</a:t>
+            </a:r>
+            <a:endParaRPr lang="ru-RU" dirty="0"/>
+          </a:p>
+        </p:txBody>
+      </p:sp>
+      <p:sp>
+        <p:nvSpPr>
+          <p:cNvPr id="3" name="Объект 2"/>
+          <p:cNvSpPr>
+            <a:spLocks noGrp="1"/>
+          </p:cNvSpPr>
+          <p:nvPr>
+            <p:ph idx="1"/>
+          </p:nvPr>
+        </p:nvSpPr>
+        <p:spPr/>
+        <p:txBody>
+          <a:bodyPr>
+            <a:normAutofit/>
+          </a:bodyPr>
+          <a:lstStyle/>
+          <a:p>
+            <a:pPr marL="0" indent="0">
+              <a:buNone/>
+            </a:pPr>
+            <a:r>
+              <a:rPr lang="en-US" sz="2800" dirty="0">
+                <a:solidFill>
+                  <a:srgbClr val="0000FF"/>
+                </a:solidFill>
+              </a:rPr>
+              <a:t>class </a:t>
+            </a:r>
+            <a:r>
+              <a:rPr lang="en-US" sz="2800" dirty="0"/>
+              <a:t>Tokenizer {</a:t>
+            </a:r>
+          </a:p>
+          <a:p>
+            <a:pPr marL="0" indent="0">
+              <a:buNone/>
+            </a:pPr>
+            <a:r>
+              <a:rPr lang="en-US" sz="2800" dirty="0">
+                <a:solidFill>
+                  <a:srgbClr val="0000FF"/>
+                </a:solidFill>
+              </a:rPr>
+              <a:t>    string</a:t>
+            </a:r>
+            <a:r>
+              <a:rPr lang="en-US" sz="2800" dirty="0"/>
+              <a:t> </a:t>
+            </a:r>
+            <a:r>
+              <a:rPr lang="en-US" sz="2800" dirty="0" err="1"/>
+              <a:t>ReadUntil</a:t>
+            </a:r>
+            <a:r>
+              <a:rPr lang="en-US" sz="2800" dirty="0"/>
+              <a:t>(</a:t>
+            </a:r>
+            <a:r>
+              <a:rPr lang="en-US" sz="2800" dirty="0" err="1">
+                <a:solidFill>
+                  <a:srgbClr val="0000FF"/>
+                </a:solidFill>
+              </a:rPr>
+              <a:t>params</a:t>
+            </a:r>
+            <a:r>
+              <a:rPr lang="en-US" sz="2800" dirty="0">
+                <a:solidFill>
+                  <a:srgbClr val="0000FF"/>
+                </a:solidFill>
+              </a:rPr>
+              <a:t> char</a:t>
+            </a:r>
+            <a:r>
+              <a:rPr lang="en-US" sz="2800" dirty="0"/>
+              <a:t> []  </a:t>
+            </a:r>
+            <a:r>
+              <a:rPr lang="en-US" sz="2800" dirty="0" err="1"/>
+              <a:t>stopChars</a:t>
+            </a:r>
+            <a:r>
+              <a:rPr lang="en-US" sz="2800" dirty="0"/>
+              <a:t>);</a:t>
+            </a:r>
+            <a:br>
+              <a:rPr lang="en-US" sz="2800" dirty="0"/>
+            </a:br>
+            <a:r>
+              <a:rPr lang="en-US" sz="2800" dirty="0">
+                <a:solidFill>
+                  <a:srgbClr val="0000FF"/>
+                </a:solidFill>
+              </a:rPr>
+              <a:t>    string</a:t>
+            </a:r>
+            <a:r>
+              <a:rPr lang="en-US" sz="2800" dirty="0"/>
+              <a:t> </a:t>
+            </a:r>
+            <a:r>
+              <a:rPr lang="en-US" sz="2800" dirty="0" err="1"/>
+              <a:t>ReadUntil</a:t>
+            </a:r>
+            <a:r>
+              <a:rPr lang="en-US" sz="2800" dirty="0"/>
+              <a:t>(</a:t>
+            </a:r>
+            <a:r>
+              <a:rPr lang="en-US" sz="2800" dirty="0" err="1"/>
+              <a:t>Func</a:t>
+            </a:r>
+            <a:r>
+              <a:rPr lang="en-US" sz="2800" dirty="0"/>
+              <a:t>&lt;</a:t>
+            </a:r>
+            <a:r>
+              <a:rPr lang="en-US" sz="2800" dirty="0">
+                <a:solidFill>
+                  <a:srgbClr val="0000FF"/>
+                </a:solidFill>
+              </a:rPr>
+              <a:t>char</a:t>
+            </a:r>
+            <a:r>
+              <a:rPr lang="en-US" sz="2800" dirty="0"/>
+              <a:t>, </a:t>
+            </a:r>
+            <a:r>
+              <a:rPr lang="en-US" sz="2800" dirty="0">
+                <a:solidFill>
+                  <a:srgbClr val="0000FF"/>
+                </a:solidFill>
+              </a:rPr>
+              <a:t>bool</a:t>
+            </a:r>
+            <a:r>
+              <a:rPr lang="en-US" sz="2800" dirty="0"/>
+              <a:t>&gt; </a:t>
+            </a:r>
+            <a:r>
+              <a:rPr lang="en-US" sz="2800" dirty="0" err="1"/>
+              <a:t>isStopChar</a:t>
+            </a:r>
+            <a:r>
+              <a:rPr lang="en-US" sz="2800" dirty="0"/>
+              <a:t>);</a:t>
+            </a:r>
+            <a:br>
+              <a:rPr lang="en-US" sz="2800" dirty="0"/>
+            </a:br>
+            <a:r>
+              <a:rPr lang="en-US" sz="2800" dirty="0"/>
+              <a:t>    </a:t>
+            </a:r>
+            <a:r>
+              <a:rPr lang="en-US" sz="2800" dirty="0">
+                <a:solidFill>
+                  <a:srgbClr val="0000FF"/>
+                </a:solidFill>
+              </a:rPr>
+              <a:t>void </a:t>
+            </a:r>
+            <a:r>
+              <a:rPr lang="en-US" sz="2800" dirty="0" err="1"/>
+              <a:t>SkipSpaces</a:t>
+            </a:r>
+            <a:r>
+              <a:rPr lang="en-US" sz="2800" dirty="0"/>
+              <a:t>();</a:t>
+            </a:r>
+            <a:br>
+              <a:rPr lang="en-US" sz="2800" dirty="0"/>
+            </a:br>
+            <a:r>
+              <a:rPr lang="en-US" sz="2800" dirty="0">
+                <a:solidFill>
+                  <a:srgbClr val="0000FF"/>
+                </a:solidFill>
+              </a:rPr>
+              <a:t>    char</a:t>
+            </a:r>
+            <a:r>
+              <a:rPr lang="en-US" sz="2800" dirty="0"/>
+              <a:t> </a:t>
+            </a:r>
+            <a:r>
+              <a:rPr lang="en-US" sz="2800" dirty="0" err="1"/>
+              <a:t>CurrenChar</a:t>
+            </a:r>
+            <a:r>
+              <a:rPr lang="en-US" sz="2800" dirty="0"/>
+              <a:t> { </a:t>
+            </a:r>
+            <a:r>
+              <a:rPr lang="en-US" sz="2800" dirty="0">
+                <a:solidFill>
+                  <a:srgbClr val="0000FF"/>
+                </a:solidFill>
+              </a:rPr>
+              <a:t>get</a:t>
+            </a:r>
+            <a:r>
+              <a:rPr lang="en-US" sz="2800" dirty="0"/>
+              <a:t>; }</a:t>
+            </a:r>
+            <a:br>
+              <a:rPr lang="en-US" sz="2800" dirty="0"/>
+            </a:br>
+            <a:r>
+              <a:rPr lang="en-US" sz="2800" dirty="0"/>
+              <a:t>    ....</a:t>
+            </a:r>
+            <a:endParaRPr lang="ru-RU" sz="2800" dirty="0"/>
+          </a:p>
+          <a:p>
+            <a:pPr marL="0" indent="0">
+              <a:buNone/>
+            </a:pPr>
+            <a:r>
+              <a:rPr lang="en-US" sz="2800" dirty="0"/>
+              <a:t>}</a:t>
+            </a:r>
+          </a:p>
+          <a:p>
+            <a:pPr marL="0" indent="0">
+              <a:buNone/>
+            </a:pPr>
+            <a:r>
+              <a:rPr lang="en-US" sz="2800" dirty="0">
+                <a:solidFill>
+                  <a:srgbClr val="0000FF"/>
+                </a:solidFill>
+              </a:rPr>
+              <a:t>string </a:t>
+            </a:r>
+            <a:r>
+              <a:rPr lang="en-US" sz="2800" dirty="0" err="1"/>
+              <a:t>Unescape</a:t>
+            </a:r>
+            <a:r>
+              <a:rPr lang="en-US" sz="2800" dirty="0"/>
+              <a:t>(</a:t>
+            </a:r>
+            <a:r>
+              <a:rPr lang="en-US" sz="2800" dirty="0">
+                <a:solidFill>
+                  <a:srgbClr val="0000FF"/>
+                </a:solidFill>
+              </a:rPr>
+              <a:t>string </a:t>
+            </a:r>
+            <a:r>
+              <a:rPr lang="en-US" sz="2800" dirty="0"/>
+              <a:t>input);</a:t>
+            </a:r>
+            <a:endParaRPr lang="ru-RU" sz="2800" dirty="0"/>
+          </a:p>
+        </p:txBody>
+      </p:sp>
+    </p:spTree>
+    <p:extLst>
+      <p:ext uri="{BB962C8B-B14F-4D97-AF65-F5344CB8AC3E}">
+        <p14:creationId xmlns:p14="http://schemas.microsoft.com/office/powerpoint/2010/main" val="3151686118"/>
+      </p:ext>
+    </p:extLst>
+  </p:cSld>
+  <p:clrMapOvr>
+    <a:masterClrMapping/>
+  </p:clrMapOvr>
+  <p:timing>
+    <p:tnLst>
+      <p:par>
+        <p:cTn id="1" dur="indefinite" restart="never" nodeType="tmRoot"/>
+      </p:par>
+    </p:tnLst>
+  </p:timing>
+</p:sld>
+</file>
+
+<file path=ppt/slides/slide14.xml><?xml version="1.0" encoding="utf-8"?>
+<p:sld xmlns:a="http://schemas.openxmlformats.org/drawingml/2006/main" xmlns:r="http://schemas.openxmlformats.org/officeDocument/2006/relationships" xmlns:p="http://schemas.openxmlformats.org/presentationml/2006/main">
+  <p:cSld>
+    <p:spTree>
+      <p:nvGrpSpPr>
+        <p:cNvPr id="1" name=""/>
+        <p:cNvGrpSpPr/>
+        <p:nvPr/>
+      </p:nvGrpSpPr>
+      <p:grpSpPr>
+        <a:xfrm>
+          <a:off x="0" y="0"/>
+          <a:ext cx="0" cy="0"/>
+          <a:chOff x="0" y="0"/>
+          <a:chExt cx="0" cy="0"/>
+        </a:xfrm>
+      </p:grpSpPr>
+      <p:sp>
+        <p:nvSpPr>
+          <p:cNvPr id="2" name="Заголовок 1"/>
+          <p:cNvSpPr>
+            <a:spLocks noGrp="1"/>
+          </p:cNvSpPr>
+          <p:nvPr>
+            <p:ph type="title"/>
+          </p:nvPr>
+        </p:nvSpPr>
+        <p:spPr/>
+        <p:txBody>
+          <a:bodyPr>
+            <a:normAutofit fontScale="90000"/>
+          </a:bodyPr>
+          <a:lstStyle/>
+          <a:p>
+            <a:r>
+              <a:rPr lang="ru-RU" dirty="0" smtClean="0"/>
+              <a:t>Задача: циклический сдвиг</a:t>
+            </a:r>
+            <a:endParaRPr lang="ru-RU" dirty="0"/>
+          </a:p>
+        </p:txBody>
+      </p:sp>
+      <p:sp>
+        <p:nvSpPr>
+          <p:cNvPr id="3" name="Объект 2"/>
+          <p:cNvSpPr>
+            <a:spLocks noGrp="1"/>
+          </p:cNvSpPr>
+          <p:nvPr>
+            <p:ph idx="1"/>
+          </p:nvPr>
+        </p:nvSpPr>
+        <p:spPr/>
+        <p:txBody>
+          <a:bodyPr>
+            <a:normAutofit/>
+          </a:bodyPr>
+          <a:lstStyle/>
+          <a:p>
+            <a:pPr marL="0" indent="0">
+              <a:buNone/>
+            </a:pPr>
+            <a:r>
+              <a:rPr lang="en-US" dirty="0" smtClean="0"/>
+              <a:t>T[] Rotate&lt;T&gt;(T[] array, </a:t>
+            </a:r>
+            <a:r>
+              <a:rPr lang="en-US" dirty="0" err="1" smtClean="0"/>
+              <a:t>int</a:t>
+            </a:r>
+            <a:r>
+              <a:rPr lang="en-US" dirty="0" smtClean="0"/>
+              <a:t> </a:t>
+            </a:r>
+            <a:r>
+              <a:rPr lang="en-US" dirty="0" err="1" smtClean="0"/>
+              <a:t>shiftSize</a:t>
+            </a:r>
+            <a:r>
+              <a:rPr lang="en-US" dirty="0" smtClean="0"/>
+              <a:t>)</a:t>
+            </a:r>
+          </a:p>
+          <a:p>
+            <a:pPr marL="400050" lvl="1" indent="0">
+              <a:buNone/>
+            </a:pPr>
+            <a:r>
+              <a:rPr lang="en-US" dirty="0" smtClean="0"/>
+              <a:t>Rotate(new</a:t>
+            </a:r>
+            <a:r>
+              <a:rPr lang="en-US" dirty="0"/>
+              <a:t>[]{1,2,3,4,5</a:t>
+            </a:r>
+            <a:r>
+              <a:rPr lang="en-US" dirty="0" smtClean="0"/>
+              <a:t>}, 2) → {3,4,5,1,2}</a:t>
+            </a:r>
+          </a:p>
+          <a:p>
+            <a:pPr marL="0" indent="0">
+              <a:buNone/>
+            </a:pPr>
+            <a:r>
+              <a:rPr lang="ru-RU" dirty="0" smtClean="0"/>
+              <a:t>Как решать?</a:t>
+            </a:r>
+            <a:endParaRPr lang="en-US" dirty="0" smtClean="0"/>
+          </a:p>
+          <a:p>
+            <a:pPr marL="0" indent="0">
+              <a:buNone/>
+            </a:pPr>
+            <a:r>
+              <a:rPr lang="ru-RU" dirty="0" smtClean="0"/>
+              <a:t>Решение:</a:t>
+            </a:r>
+          </a:p>
+          <a:p>
+            <a:pPr marL="0" indent="0">
+              <a:buNone/>
+            </a:pPr>
+            <a:r>
+              <a:rPr lang="en-US" dirty="0" err="1" smtClean="0"/>
+              <a:t>array.Skip</a:t>
+            </a:r>
+            <a:r>
+              <a:rPr lang="en-US" dirty="0" smtClean="0"/>
+              <a:t>(</a:t>
+            </a:r>
+            <a:r>
+              <a:rPr lang="en-US" dirty="0" err="1" smtClean="0"/>
+              <a:t>shiftSize</a:t>
+            </a:r>
+            <a:r>
+              <a:rPr lang="en-US" dirty="0" smtClean="0"/>
+              <a:t>)</a:t>
+            </a:r>
+            <a:br>
+              <a:rPr lang="en-US" dirty="0" smtClean="0"/>
+            </a:br>
+            <a:r>
+              <a:rPr lang="en-US" dirty="0" smtClean="0"/>
+              <a:t>	.</a:t>
+            </a:r>
+            <a:r>
+              <a:rPr lang="en-US" dirty="0" err="1" smtClean="0"/>
+              <a:t>Concat</a:t>
+            </a:r>
+            <a:r>
+              <a:rPr lang="en-US" dirty="0" smtClean="0"/>
+              <a:t>(</a:t>
+            </a:r>
+            <a:r>
+              <a:rPr lang="en-US" dirty="0" err="1" smtClean="0"/>
+              <a:t>array.Take</a:t>
+            </a:r>
+            <a:r>
+              <a:rPr lang="en-US" dirty="0" smtClean="0"/>
+              <a:t>(</a:t>
+            </a:r>
+            <a:r>
+              <a:rPr lang="en-US" dirty="0" err="1" smtClean="0"/>
+              <a:t>shiftSize</a:t>
+            </a:r>
+            <a:r>
+              <a:rPr lang="en-US" dirty="0" smtClean="0"/>
+              <a:t>))</a:t>
+            </a:r>
+            <a:br>
+              <a:rPr lang="en-US" dirty="0" smtClean="0"/>
+            </a:br>
+            <a:r>
+              <a:rPr lang="en-US" dirty="0" smtClean="0"/>
+              <a:t>	.</a:t>
+            </a:r>
+            <a:r>
+              <a:rPr lang="en-US" dirty="0" err="1" smtClean="0"/>
+              <a:t>ToArray</a:t>
+            </a:r>
+            <a:r>
+              <a:rPr lang="en-US" dirty="0" smtClean="0"/>
+              <a:t>();</a:t>
+            </a:r>
+            <a:endParaRPr lang="en-US" dirty="0"/>
+          </a:p>
+        </p:txBody>
+      </p:sp>
+    </p:spTree>
+    <p:extLst>
+      <p:ext uri="{BB962C8B-B14F-4D97-AF65-F5344CB8AC3E}">
+        <p14:creationId xmlns:p14="http://schemas.microsoft.com/office/powerpoint/2010/main" val="385180664"/>
+      </p:ext>
+    </p:extLst>
+  </p:cSld>
+  <p:clrMapOvr>
+    <a:masterClrMapping/>
+  </p:clrMapOvr>
+  <p:timing>
+    <p:tnLst>
+      <p:par>
+        <p:cTn id="1" dur="indefinite" restart="never" nodeType="tmRoot">
+          <p:childTnLst>
+            <p:seq concurrent="1" nextAc="seek">
+              <p:cTn id="2" dur="indefinite" nodeType="mainSeq">
+                <p:childTnLst>
+                  <p:par>
+                    <p:cTn id="3" fill="hold">
+                      <p:stCondLst>
+                        <p:cond delay="indefinite"/>
+                      </p:stCondLst>
+                      <p:childTnLst>
+                        <p:par>
+                          <p:cTn id="4" fill="hold">
+                            <p:stCondLst>
+                              <p:cond delay="0"/>
+                            </p:stCondLst>
+                            <p:childTnLst>
+                              <p:par>
+                                <p:cTn id="5" presetID="1" presetClass="entr" presetSubtype="0" fill="hold" nodeType="clickEffect">
+                                  <p:stCondLst>
+                                    <p:cond delay="0"/>
+                                  </p:stCondLst>
+                                  <p:childTnLst>
+                                    <p:set>
+                                      <p:cBhvr>
+                                        <p:cTn id="6" dur="1" fill="hold">
+                                          <p:stCondLst>
+                                            <p:cond delay="0"/>
+                                          </p:stCondLst>
+                                        </p:cTn>
+                                        <p:tgtEl>
+                                          <p:spTgt spid="3">
+                                            <p:txEl>
+                                              <p:pRg st="3" end="3"/>
+                                            </p:txEl>
+                                          </p:spTgt>
+                                        </p:tgtEl>
+                                        <p:attrNameLst>
+                                          <p:attrName>style.visibility</p:attrName>
+                                        </p:attrNameLst>
+                                      </p:cBhvr>
+                                      <p:to>
+                                        <p:strVal val="visible"/>
+                                      </p:to>
+                                    </p:set>
+                                  </p:childTnLst>
+                                </p:cTn>
+                              </p:par>
+                              <p:par>
+                                <p:cTn id="7" presetID="1" presetClass="entr" presetSubtype="0" fill="hold" nodeType="withEffect">
+                                  <p:stCondLst>
+                                    <p:cond delay="0"/>
+                                  </p:stCondLst>
+                                  <p:childTnLst>
+                                    <p:set>
+                                      <p:cBhvr>
+                                        <p:cTn id="8" dur="1" fill="hold">
+                                          <p:stCondLst>
+                                            <p:cond delay="0"/>
+                                          </p:stCondLst>
+                                        </p:cTn>
+                                        <p:tgtEl>
+                                          <p:spTgt spid="3">
+                                            <p:txEl>
+                                              <p:pRg st="4" end="4"/>
+                                            </p:txEl>
+                                          </p:spTgt>
+                                        </p:tgtEl>
+                                        <p:attrNameLst>
+                                          <p:attrName>style.visibility</p:attrName>
+                                        </p:attrNameLst>
+                                      </p:cBhvr>
+                                      <p:to>
+                                        <p:strVal val="visible"/>
+                                      </p:to>
+                                    </p:set>
+                                  </p:childTnLst>
+                                </p:cTn>
+                              </p:par>
+                            </p:childTnLst>
+                          </p:cTn>
+                        </p:par>
+                      </p:childTnLst>
+                    </p:cTn>
+                  </p:par>
+                </p:childTnLst>
+              </p:cTn>
+              <p:prevCondLst>
+                <p:cond evt="onPrev" delay="0">
+                  <p:tgtEl>
+                    <p:sldTgt/>
+                  </p:tgtEl>
+                </p:cond>
+              </p:prevCondLst>
+              <p:nextCondLst>
+                <p:cond evt="onNext" delay="0">
+                  <p:tgtEl>
+                    <p:sldTgt/>
+                  </p:tgtEl>
+                </p:cond>
+              </p:nextCondLst>
+            </p:seq>
+          </p:childTnLst>
+        </p:cTn>
+      </p:par>
+    </p:tnLst>
+  </p:timing>
+</p:sld>
+</file>
+
+<file path=ppt/slides/slide15.xml><?xml version="1.0" encoding="utf-8"?>
+<p:sld xmlns:a="http://schemas.openxmlformats.org/drawingml/2006/main" xmlns:r="http://schemas.openxmlformats.org/officeDocument/2006/relationships" xmlns:p="http://schemas.openxmlformats.org/presentationml/2006/main">
+  <p:cSld>
+    <p:spTree>
+      <p:nvGrpSpPr>
+        <p:cNvPr id="1" name=""/>
+        <p:cNvGrpSpPr/>
+        <p:nvPr/>
+      </p:nvGrpSpPr>
+      <p:grpSpPr>
+        <a:xfrm>
+          <a:off x="0" y="0"/>
+          <a:ext cx="0" cy="0"/>
+          <a:chOff x="0" y="0"/>
+          <a:chExt cx="0" cy="0"/>
+        </a:xfrm>
+      </p:grpSpPr>
+      <p:sp>
+        <p:nvSpPr>
+          <p:cNvPr id="2" name="Заголовок 1"/>
+          <p:cNvSpPr>
+            <a:spLocks noGrp="1"/>
+          </p:cNvSpPr>
+          <p:nvPr>
+            <p:ph type="title"/>
+          </p:nvPr>
+        </p:nvSpPr>
+        <p:spPr/>
+        <p:txBody>
+          <a:bodyPr>
+            <a:normAutofit fontScale="90000"/>
+          </a:bodyPr>
+          <a:lstStyle/>
+          <a:p>
+            <a:r>
+              <a:rPr lang="ru-RU" dirty="0" smtClean="0"/>
+              <a:t>Задача: циклический сдвиг</a:t>
+            </a:r>
+            <a:endParaRPr lang="ru-RU" dirty="0"/>
+          </a:p>
+        </p:txBody>
+      </p:sp>
+      <p:sp>
+        <p:nvSpPr>
+          <p:cNvPr id="3" name="Объект 2"/>
+          <p:cNvSpPr>
+            <a:spLocks noGrp="1"/>
+          </p:cNvSpPr>
+          <p:nvPr>
+            <p:ph idx="1"/>
+          </p:nvPr>
+        </p:nvSpPr>
+        <p:spPr/>
+        <p:txBody>
+          <a:bodyPr>
+            <a:normAutofit lnSpcReduction="10000"/>
+          </a:bodyPr>
+          <a:lstStyle/>
+          <a:p>
+            <a:pPr marL="0" indent="0">
+              <a:buNone/>
+            </a:pPr>
+            <a:r>
+              <a:rPr lang="ru-RU" dirty="0" smtClean="0"/>
+              <a:t>А если мы хотим сделать это </a:t>
+            </a:r>
+            <a:r>
+              <a:rPr lang="en-US" dirty="0" smtClean="0"/>
+              <a:t>In Place</a:t>
+            </a:r>
+            <a:r>
+              <a:rPr lang="ru-RU" dirty="0" smtClean="0"/>
+              <a:t>, без выделения дополнительной памяти?</a:t>
+            </a:r>
+          </a:p>
+          <a:p>
+            <a:pPr marL="0" indent="0">
+              <a:buNone/>
+            </a:pPr>
+            <a:endParaRPr lang="ru-RU" dirty="0" smtClean="0"/>
+          </a:p>
+          <a:p>
+            <a:pPr marL="0" indent="0">
+              <a:buNone/>
+            </a:pPr>
+            <a:r>
+              <a:rPr lang="en-US" dirty="0" smtClean="0"/>
+              <a:t>void Rotate&lt;T&gt;(T[] array, </a:t>
+            </a:r>
+            <a:r>
+              <a:rPr lang="en-US" dirty="0" err="1" smtClean="0"/>
+              <a:t>int</a:t>
+            </a:r>
+            <a:r>
+              <a:rPr lang="en-US" dirty="0" smtClean="0"/>
+              <a:t> </a:t>
+            </a:r>
+            <a:r>
+              <a:rPr lang="en-US" dirty="0" err="1" smtClean="0"/>
+              <a:t>shiftSize</a:t>
+            </a:r>
+            <a:r>
+              <a:rPr lang="en-US" dirty="0" smtClean="0"/>
+              <a:t>)</a:t>
+            </a:r>
+          </a:p>
+          <a:p>
+            <a:pPr marL="400050" lvl="1" indent="0">
+              <a:buNone/>
+            </a:pPr>
+            <a:r>
+              <a:rPr lang="en-US" dirty="0" err="1" smtClean="0"/>
+              <a:t>var</a:t>
+            </a:r>
+            <a:r>
+              <a:rPr lang="en-US" dirty="0" smtClean="0"/>
+              <a:t> </a:t>
+            </a:r>
+            <a:r>
+              <a:rPr lang="en-US" dirty="0" err="1" smtClean="0"/>
+              <a:t>arr</a:t>
+            </a:r>
+            <a:r>
+              <a:rPr lang="en-US" dirty="0" smtClean="0"/>
+              <a:t> = </a:t>
+            </a:r>
+            <a:r>
+              <a:rPr lang="en-US" dirty="0"/>
+              <a:t>new[]{1,2,3,4,5</a:t>
+            </a:r>
+            <a:r>
+              <a:rPr lang="en-US" dirty="0" smtClean="0"/>
+              <a:t>};</a:t>
+            </a:r>
+          </a:p>
+          <a:p>
+            <a:pPr marL="400050" lvl="1" indent="0">
+              <a:buNone/>
+            </a:pPr>
+            <a:r>
+              <a:rPr lang="en-US" dirty="0" smtClean="0"/>
+              <a:t>Rotate(</a:t>
+            </a:r>
+            <a:r>
+              <a:rPr lang="en-US" dirty="0" err="1" smtClean="0"/>
+              <a:t>arr</a:t>
+            </a:r>
+            <a:r>
+              <a:rPr lang="en-US" dirty="0" smtClean="0"/>
+              <a:t>, 2);</a:t>
+            </a:r>
+            <a:br>
+              <a:rPr lang="en-US" dirty="0" smtClean="0"/>
+            </a:br>
+            <a:r>
+              <a:rPr lang="en-US" dirty="0" smtClean="0"/>
+              <a:t>// </a:t>
+            </a:r>
+            <a:r>
+              <a:rPr lang="en-US" dirty="0" err="1" smtClean="0"/>
+              <a:t>arr</a:t>
+            </a:r>
+            <a:r>
+              <a:rPr lang="en-US" dirty="0" smtClean="0"/>
+              <a:t> == {3,4,5,1,2}</a:t>
+            </a:r>
+          </a:p>
+          <a:p>
+            <a:pPr marL="0" indent="0">
+              <a:buNone/>
+            </a:pPr>
+            <a:endParaRPr lang="en-US" dirty="0" smtClean="0"/>
+          </a:p>
+          <a:p>
+            <a:pPr marL="0" indent="0">
+              <a:buNone/>
+            </a:pPr>
+            <a:r>
+              <a:rPr lang="ru-RU" dirty="0" smtClean="0"/>
+              <a:t>Как решать?</a:t>
+            </a:r>
+            <a:endParaRPr lang="en-US" dirty="0" smtClean="0"/>
+          </a:p>
+        </p:txBody>
+      </p:sp>
+      <mc:AlternateContent xmlns:mc="http://schemas.openxmlformats.org/markup-compatibility/2006">
+        <mc:Choice xmlns:p14="http://schemas.microsoft.com/office/powerpoint/2010/main" Requires="p14">
+          <p:contentPart p14:bwMode="auto" r:id="rId3">
+            <p14:nvContentPartPr>
+              <p14:cNvPr id="4" name="Рукописный ввод 3"/>
+              <p14:cNvContentPartPr/>
+              <p14:nvPr/>
+            </p14:nvContentPartPr>
+            <p14:xfrm>
+              <a:off x="317980" y="3312340"/>
+              <a:ext cx="1040760" cy="117000"/>
+            </p14:xfrm>
+          </p:contentPart>
+        </mc:Choice>
+        <mc:Fallback>
+          <p:pic>
+            <p:nvPicPr>
+              <p:cNvPr id="4" name="Рукописный ввод 3"/>
+              <p:cNvPicPr/>
+              <p:nvPr/>
+            </p:nvPicPr>
+            <p:blipFill>
+              <a:blip r:embed="rId4"/>
+              <a:stretch>
+                <a:fillRect/>
+              </a:stretch>
+            </p:blipFill>
+            <p:spPr>
+              <a:xfrm>
+                <a:off x="269740" y="3216220"/>
+                <a:ext cx="1137240" cy="309240"/>
+              </a:xfrm>
+              <a:prstGeom prst="rect">
+                <a:avLst/>
+              </a:prstGeom>
+            </p:spPr>
+          </p:pic>
+        </mc:Fallback>
+      </mc:AlternateContent>
+    </p:spTree>
+    <p:extLst>
+      <p:ext uri="{BB962C8B-B14F-4D97-AF65-F5344CB8AC3E}">
+        <p14:creationId xmlns:p14="http://schemas.microsoft.com/office/powerpoint/2010/main" val="1283939628"/>
+      </p:ext>
+    </p:extLst>
+  </p:cSld>
+  <p:clrMapOvr>
+    <a:masterClrMapping/>
+  </p:clrMapOvr>
+  <p:timing>
+    <p:tnLst>
+      <p:par>
+        <p:cTn id="1" dur="indefinite" restart="never" nodeType="tmRoot"/>
+      </p:par>
+    </p:tnLst>
+  </p:timing>
+</p:sld>
+</file>
+
+<file path=ppt/slides/slide16.xml><?xml version="1.0" encoding="utf-8"?>
+<p:sld xmlns:a="http://schemas.openxmlformats.org/drawingml/2006/main" xmlns:r="http://schemas.openxmlformats.org/officeDocument/2006/relationships" xmlns:p="http://schemas.openxmlformats.org/presentationml/2006/main">
+  <p:cSld>
+    <p:spTree>
+      <p:nvGrpSpPr>
+        <p:cNvPr id="1" name=""/>
+        <p:cNvGrpSpPr/>
+        <p:nvPr/>
+      </p:nvGrpSpPr>
+      <p:grpSpPr>
+        <a:xfrm>
+          <a:off x="0" y="0"/>
+          <a:ext cx="0" cy="0"/>
+          <a:chOff x="0" y="0"/>
+          <a:chExt cx="0" cy="0"/>
+        </a:xfrm>
+      </p:grpSpPr>
+      <p:sp>
+        <p:nvSpPr>
+          <p:cNvPr id="2" name="Заголовок 1"/>
+          <p:cNvSpPr>
+            <a:spLocks noGrp="1"/>
+          </p:cNvSpPr>
+          <p:nvPr>
+            <p:ph type="title"/>
+          </p:nvPr>
+        </p:nvSpPr>
+        <p:spPr/>
+        <p:txBody>
           <a:bodyPr>
             <a:normAutofit fontScale="90000"/>
           </a:bodyPr>
@@ -7739,7 +10604,7 @@
           <p:nvPr/>
         </p:nvPicPr>
         <p:blipFill>
-          <a:blip r:embed="rId2">
+          <a:blip r:embed="rId3">
             <a:extLst>
               <a:ext uri="{28A0092B-C50C-407E-A947-70E740481C1C}">
                 <a14:useLocalDpi xmlns:a14="http://schemas.microsoft.com/office/drawing/2010/main" val="0"/>
@@ -7793,7 +10658,7 @@
           <p:nvPr/>
         </p:nvPicPr>
         <p:blipFill>
-          <a:blip r:embed="rId3">
+          <a:blip r:embed="rId4">
             <a:extLst>
               <a:ext uri="{28A0092B-C50C-407E-A947-70E740481C1C}">
                 <a14:useLocalDpi xmlns:a14="http://schemas.microsoft.com/office/drawing/2010/main" val="0"/>
@@ -7847,7 +10712,7 @@
           <p:nvPr/>
         </p:nvPicPr>
         <p:blipFill>
-          <a:blip r:embed="rId4">
+          <a:blip r:embed="rId5">
             <a:extLst>
               <a:ext uri="{28A0092B-C50C-407E-A947-70E740481C1C}">
                 <a14:useLocalDpi xmlns:a14="http://schemas.microsoft.com/office/drawing/2010/main" val="0"/>
@@ -7901,7 +10766,7 @@
           <p:nvPr/>
         </p:nvPicPr>
         <p:blipFill>
-          <a:blip r:embed="rId4">
+          <a:blip r:embed="rId5">
             <a:extLst>
               <a:ext uri="{28A0092B-C50C-407E-A947-70E740481C1C}">
                 <a14:useLocalDpi xmlns:a14="http://schemas.microsoft.com/office/drawing/2010/main" val="0"/>
@@ -8169,7 +11034,7 @@
 </p:sld>
 </file>
 
-<file path=ppt/slides/slide14.xml><?xml version="1.0" encoding="utf-8"?>
+<file path=ppt/slides/slide17.xml><?xml version="1.0" encoding="utf-8"?>
 <p:sld xmlns:a="http://schemas.openxmlformats.org/drawingml/2006/main" xmlns:r="http://schemas.openxmlformats.org/officeDocument/2006/relationships" xmlns:p="http://schemas.openxmlformats.org/presentationml/2006/main">
   <p:cSld>
     <p:spTree>
@@ -8481,7 +11346,7 @@
 </p:sld>
 </file>
 
-<file path=ppt/slides/slide15.xml><?xml version="1.0" encoding="utf-8"?>
+<file path=ppt/slides/slide18.xml><?xml version="1.0" encoding="utf-8"?>
 <p:sld xmlns:a="http://schemas.openxmlformats.org/drawingml/2006/main" xmlns:r="http://schemas.openxmlformats.org/officeDocument/2006/relationships" xmlns:p="http://schemas.openxmlformats.org/presentationml/2006/main">
   <p:cSld>
     <p:spTree>
@@ -8567,312 +11432,13 @@
   <p:clrMapOvr>
     <a:masterClrMapping/>
   </p:clrMapOvr>
-</p:sld>
-</file>
-
-<file path=ppt/slides/slide16.xml><?xml version="1.0" encoding="utf-8"?>
-<p:sld xmlns:a="http://schemas.openxmlformats.org/drawingml/2006/main" xmlns:r="http://schemas.openxmlformats.org/officeDocument/2006/relationships" xmlns:p="http://schemas.openxmlformats.org/presentationml/2006/main">
-  <p:cSld>
-    <p:spTree>
-      <p:nvGrpSpPr>
-        <p:cNvPr id="1" name=""/>
-        <p:cNvGrpSpPr/>
-        <p:nvPr/>
-      </p:nvGrpSpPr>
-      <p:grpSpPr>
-        <a:xfrm>
-          <a:off x="0" y="0"/>
-          <a:ext cx="0" cy="0"/>
-          <a:chOff x="0" y="0"/>
-          <a:chExt cx="0" cy="0"/>
-        </a:xfrm>
-      </p:grpSpPr>
-      <p:sp>
-        <p:nvSpPr>
-          <p:cNvPr id="2" name="Заголовок 1"/>
-          <p:cNvSpPr>
-            <a:spLocks noGrp="1"/>
-          </p:cNvSpPr>
-          <p:nvPr>
-            <p:ph type="title"/>
-          </p:nvPr>
-        </p:nvSpPr>
-        <p:spPr/>
-        <p:txBody>
-          <a:bodyPr/>
-          <a:lstStyle/>
-          <a:p>
-            <a:r>
-              <a:rPr lang="ru-RU" dirty="0"/>
-              <a:t>Общие компоненты</a:t>
-            </a:r>
-          </a:p>
-        </p:txBody>
-      </p:sp>
-      <p:pic>
-        <p:nvPicPr>
-          <p:cNvPr id="1026" name="Picture 2" descr="https://static.ngs.ru/news/preview/b0d5d8007cfa69f013a05fac9847253b0619aa5d_700.jpg"/>
-          <p:cNvPicPr>
-            <a:picLocks noChangeAspect="1" noChangeArrowheads="1"/>
-          </p:cNvPicPr>
-          <p:nvPr/>
-        </p:nvPicPr>
-        <p:blipFill>
-          <a:blip r:embed="rId2">
-            <a:extLst>
-              <a:ext uri="{28A0092B-C50C-407E-A947-70E740481C1C}">
-                <a14:useLocalDpi xmlns:a14="http://schemas.microsoft.com/office/drawing/2010/main" val="0"/>
-              </a:ext>
-            </a:extLst>
-          </a:blip>
-          <a:srcRect/>
-          <a:stretch>
-            <a:fillRect/>
-          </a:stretch>
-        </p:blipFill>
-        <p:spPr bwMode="auto">
-          <a:xfrm>
-            <a:off x="1952625" y="1682750"/>
-            <a:ext cx="5238750" cy="3810000"/>
-          </a:xfrm>
-          <a:prstGeom prst="rect">
-            <a:avLst/>
-          </a:prstGeom>
-          <a:noFill/>
-          <a:extLst>
-            <a:ext uri="{909E8E84-426E-40DD-AFC4-6F175D3DCCD1}">
-              <a14:hiddenFill xmlns:a14="http://schemas.microsoft.com/office/drawing/2010/main">
-                <a:solidFill>
-                  <a:srgbClr val="FFFFFF"/>
-                </a:solidFill>
-              </a14:hiddenFill>
-            </a:ext>
-          </a:extLst>
-        </p:spPr>
-      </p:pic>
-    </p:spTree>
-    <p:extLst>
-      <p:ext uri="{BB962C8B-B14F-4D97-AF65-F5344CB8AC3E}">
-        <p14:creationId xmlns:p14="http://schemas.microsoft.com/office/powerpoint/2010/main" val="790227846"/>
-      </p:ext>
-    </p:extLst>
-  </p:cSld>
-  <p:clrMapOvr>
-    <a:masterClrMapping/>
-  </p:clrMapOvr>
-</p:sld>
-</file>
-
-<file path=ppt/slides/slide17.xml><?xml version="1.0" encoding="utf-8"?>
-<p:sld xmlns:a="http://schemas.openxmlformats.org/drawingml/2006/main" xmlns:r="http://schemas.openxmlformats.org/officeDocument/2006/relationships" xmlns:p="http://schemas.openxmlformats.org/presentationml/2006/main">
-  <p:cSld>
-    <p:spTree>
-      <p:nvGrpSpPr>
-        <p:cNvPr id="1" name=""/>
-        <p:cNvGrpSpPr/>
-        <p:nvPr/>
-      </p:nvGrpSpPr>
-      <p:grpSpPr>
-        <a:xfrm>
-          <a:off x="0" y="0"/>
-          <a:ext cx="0" cy="0"/>
-          <a:chOff x="0" y="0"/>
-          <a:chExt cx="0" cy="0"/>
-        </a:xfrm>
-      </p:grpSpPr>
-      <p:sp>
-        <p:nvSpPr>
-          <p:cNvPr id="2" name="Заголовок 1"/>
-          <p:cNvSpPr>
-            <a:spLocks noGrp="1"/>
-          </p:cNvSpPr>
-          <p:nvPr>
-            <p:ph type="title"/>
-          </p:nvPr>
-        </p:nvSpPr>
-        <p:spPr/>
-        <p:txBody>
-          <a:bodyPr>
-            <a:normAutofit/>
-          </a:bodyPr>
-          <a:lstStyle/>
-          <a:p>
-            <a:r>
-              <a:rPr lang="ru-RU" dirty="0"/>
-              <a:t>ДЗ «Плохая </a:t>
-            </a:r>
-            <a:r>
-              <a:rPr lang="ru-RU" dirty="0" smtClean="0"/>
-              <a:t>компоновка</a:t>
-            </a:r>
-            <a:r>
-              <a:rPr lang="ru-RU" dirty="0"/>
-              <a:t>»</a:t>
-            </a:r>
-          </a:p>
-        </p:txBody>
-      </p:sp>
-      <p:sp>
-        <p:nvSpPr>
-          <p:cNvPr id="3" name="Объект 2"/>
-          <p:cNvSpPr>
-            <a:spLocks noGrp="1"/>
-          </p:cNvSpPr>
-          <p:nvPr>
-            <p:ph idx="1"/>
-          </p:nvPr>
-        </p:nvSpPr>
-        <p:spPr/>
-        <p:txBody>
-          <a:bodyPr/>
-          <a:lstStyle/>
-          <a:p>
-            <a:pPr marL="514350" indent="-514350">
-              <a:buFont typeface="+mj-lt"/>
-              <a:buAutoNum type="arabicPeriod"/>
-            </a:pPr>
-            <a:r>
-              <a:rPr lang="ru-RU" dirty="0"/>
-              <a:t>Найти в коде своего проекта</a:t>
-            </a:r>
-            <a:r>
-              <a:rPr lang="en-US" dirty="0"/>
-              <a:t> </a:t>
-            </a:r>
-            <a:r>
-              <a:rPr lang="ru-RU" dirty="0"/>
-              <a:t>пример</a:t>
-            </a:r>
-            <a:r>
-              <a:rPr lang="en-US" dirty="0"/>
-              <a:t> </a:t>
-            </a:r>
-            <a:r>
-              <a:rPr lang="ru-RU" dirty="0"/>
-              <a:t>неудачной декомпозиции с точки зрения «</a:t>
-            </a:r>
-            <a:r>
-              <a:rPr lang="ru-RU" dirty="0" err="1"/>
-              <a:t>переиспользуемости</a:t>
-            </a:r>
-            <a:r>
-              <a:rPr lang="ru-RU" dirty="0"/>
-              <a:t>»</a:t>
-            </a:r>
-          </a:p>
-          <a:p>
-            <a:pPr marL="514350" indent="-514350">
-              <a:buFont typeface="+mj-lt"/>
-              <a:buAutoNum type="arabicPeriod"/>
-            </a:pPr>
-            <a:r>
-              <a:rPr lang="ru-RU" dirty="0"/>
-              <a:t>Провести </a:t>
-            </a:r>
-            <a:r>
-              <a:rPr lang="ru-RU" dirty="0" err="1"/>
-              <a:t>рефакторинг</a:t>
-            </a:r>
-            <a:endParaRPr lang="ru-RU" dirty="0"/>
-          </a:p>
-          <a:p>
-            <a:pPr marL="514350" indent="-514350">
-              <a:buFont typeface="+mj-lt"/>
-              <a:buAutoNum type="arabicPeriod"/>
-            </a:pPr>
-            <a:r>
-              <a:rPr lang="ru-RU" dirty="0"/>
-              <a:t>Рассказать на следующем занятии</a:t>
-            </a:r>
-          </a:p>
-        </p:txBody>
-      </p:sp>
-    </p:spTree>
-    <p:extLst>
-      <p:ext uri="{BB962C8B-B14F-4D97-AF65-F5344CB8AC3E}">
-        <p14:creationId xmlns:p14="http://schemas.microsoft.com/office/powerpoint/2010/main" val="207540281"/>
-      </p:ext>
-    </p:extLst>
-  </p:cSld>
-  <p:clrMapOvr>
-    <a:masterClrMapping/>
-  </p:clrMapOvr>
-</p:sld>
-</file>
-
-<file path=ppt/slides/slide18.xml><?xml version="1.0" encoding="utf-8"?>
-<p:sld xmlns:a="http://schemas.openxmlformats.org/drawingml/2006/main" xmlns:r="http://schemas.openxmlformats.org/officeDocument/2006/relationships" xmlns:p="http://schemas.openxmlformats.org/presentationml/2006/main">
-  <p:cSld>
-    <p:spTree>
-      <p:nvGrpSpPr>
-        <p:cNvPr id="1" name=""/>
-        <p:cNvGrpSpPr/>
-        <p:nvPr/>
-      </p:nvGrpSpPr>
-      <p:grpSpPr>
-        <a:xfrm>
-          <a:off x="0" y="0"/>
-          <a:ext cx="0" cy="0"/>
-          <a:chOff x="0" y="0"/>
-          <a:chExt cx="0" cy="0"/>
-        </a:xfrm>
-      </p:grpSpPr>
-      <p:sp>
-        <p:nvSpPr>
-          <p:cNvPr id="2" name="Заголовок 1"/>
-          <p:cNvSpPr>
-            <a:spLocks noGrp="1"/>
-          </p:cNvSpPr>
-          <p:nvPr>
-            <p:ph type="title"/>
-          </p:nvPr>
-        </p:nvSpPr>
-        <p:spPr/>
-        <p:txBody>
-          <a:bodyPr/>
-          <a:lstStyle/>
-          <a:p>
-            <a:r>
-              <a:rPr lang="ru-RU" dirty="0"/>
-              <a:t>Задача </a:t>
-            </a:r>
-            <a:r>
-              <a:rPr lang="en-US" dirty="0" err="1"/>
-              <a:t>ControlDigit</a:t>
-            </a:r>
-            <a:endParaRPr lang="ru-RU" dirty="0"/>
-          </a:p>
-        </p:txBody>
-      </p:sp>
-      <p:sp>
-        <p:nvSpPr>
-          <p:cNvPr id="3" name="Объект 2"/>
-          <p:cNvSpPr>
-            <a:spLocks noGrp="1"/>
-          </p:cNvSpPr>
-          <p:nvPr>
-            <p:ph idx="1"/>
-          </p:nvPr>
-        </p:nvSpPr>
-        <p:spPr/>
-        <p:txBody>
-          <a:bodyPr/>
-          <a:lstStyle/>
-          <a:p>
-            <a:endParaRPr lang="ru-RU" dirty="0"/>
-          </a:p>
-        </p:txBody>
-      </p:sp>
-    </p:spTree>
-    <p:extLst>
-      <p:ext uri="{BB962C8B-B14F-4D97-AF65-F5344CB8AC3E}">
-        <p14:creationId xmlns:p14="http://schemas.microsoft.com/office/powerpoint/2010/main" val="346864226"/>
-      </p:ext>
-    </p:extLst>
-  </p:cSld>
-  <p:clrMapOvr>
-    <a:masterClrMapping/>
-  </p:clrMapOvr>
+  <p:timing>
+    <p:tnLst>
+      <p:par>
+        <p:cTn id="1" dur="indefinite" restart="never" nodeType="tmRoot"/>
+      </p:par>
+    </p:tnLst>
+  </p:timing>
 </p:sld>
 </file>
 
@@ -8905,52 +11471,74 @@
         </p:nvSpPr>
         <p:spPr/>
         <p:txBody>
-          <a:bodyPr>
-            <a:normAutofit fontScale="90000"/>
-          </a:bodyPr>
+          <a:bodyPr/>
           <a:lstStyle/>
           <a:p>
             <a:r>
               <a:rPr lang="ru-RU" dirty="0"/>
-              <a:t>Разбор задачи </a:t>
-            </a:r>
-            <a:r>
-              <a:rPr lang="en-US" dirty="0" err="1"/>
-              <a:t>ControlDigit</a:t>
-            </a:r>
-            <a:endParaRPr lang="ru-RU" dirty="0"/>
+              <a:t>Общие компоненты</a:t>
+            </a:r>
           </a:p>
         </p:txBody>
       </p:sp>
-      <p:sp>
-        <p:nvSpPr>
-          <p:cNvPr id="3" name="Объект 2"/>
-          <p:cNvSpPr>
-            <a:spLocks noGrp="1"/>
-          </p:cNvSpPr>
-          <p:nvPr>
-            <p:ph idx="1"/>
-          </p:nvPr>
-        </p:nvSpPr>
-        <p:spPr/>
-        <p:txBody>
-          <a:bodyPr/>
-          <a:lstStyle/>
-          <a:p>
-            <a:endParaRPr lang="ru-RU"/>
-          </a:p>
-        </p:txBody>
-      </p:sp>
+      <p:pic>
+        <p:nvPicPr>
+          <p:cNvPr id="1026" name="Picture 2" descr="https://static.ngs.ru/news/preview/b0d5d8007cfa69f013a05fac9847253b0619aa5d_700.jpg"/>
+          <p:cNvPicPr>
+            <a:picLocks noChangeAspect="1" noChangeArrowheads="1"/>
+          </p:cNvPicPr>
+          <p:nvPr/>
+        </p:nvPicPr>
+        <p:blipFill>
+          <a:blip r:embed="rId3">
+            <a:extLst>
+              <a:ext uri="{28A0092B-C50C-407E-A947-70E740481C1C}">
+                <a14:useLocalDpi xmlns:a14="http://schemas.microsoft.com/office/drawing/2010/main" val="0"/>
+              </a:ext>
+            </a:extLst>
+          </a:blip>
+          <a:srcRect/>
+          <a:stretch>
+            <a:fillRect/>
+          </a:stretch>
+        </p:blipFill>
+        <p:spPr bwMode="auto">
+          <a:xfrm>
+            <a:off x="1952625" y="1682750"/>
+            <a:ext cx="5238750" cy="3810000"/>
+          </a:xfrm>
+          <a:prstGeom prst="rect">
+            <a:avLst/>
+          </a:prstGeom>
+          <a:noFill/>
+          <a:extLst>
+            <a:ext uri="{909E8E84-426E-40DD-AFC4-6F175D3DCCD1}">
+              <a14:hiddenFill xmlns:a14="http://schemas.microsoft.com/office/drawing/2010/main">
+                <a:solidFill>
+                  <a:srgbClr val="FFFFFF"/>
+                </a:solidFill>
+              </a14:hiddenFill>
+            </a:ext>
+          </a:extLst>
+        </p:spPr>
+      </p:pic>
     </p:spTree>
     <p:extLst>
       <p:ext uri="{BB962C8B-B14F-4D97-AF65-F5344CB8AC3E}">
-        <p14:creationId xmlns:p14="http://schemas.microsoft.com/office/powerpoint/2010/main" val="1524789523"/>
+        <p14:creationId xmlns:p14="http://schemas.microsoft.com/office/powerpoint/2010/main" val="790227846"/>
       </p:ext>
     </p:extLst>
   </p:cSld>
   <p:clrMapOvr>
     <a:masterClrMapping/>
   </p:clrMapOvr>
+  <p:timing>
+    <p:tnLst>
+      <p:par>
+        <p:cTn id="1" dur="indefinite" restart="never" nodeType="tmRoot"/>
+      </p:par>
+    </p:tnLst>
+  </p:timing>
 </p:sld>
 </file>
 
@@ -9041,6 +11629,84 @@
   <p:clrMapOvr>
     <a:masterClrMapping/>
   </p:clrMapOvr>
+  <p:timing>
+    <p:tnLst>
+      <p:par>
+        <p:cTn id="1" dur="indefinite" restart="never" nodeType="tmRoot">
+          <p:childTnLst>
+            <p:seq concurrent="1" nextAc="seek">
+              <p:cTn id="2" dur="indefinite" nodeType="mainSeq">
+                <p:childTnLst>
+                  <p:par>
+                    <p:cTn id="3" fill="hold">
+                      <p:stCondLst>
+                        <p:cond delay="indefinite"/>
+                      </p:stCondLst>
+                      <p:childTnLst>
+                        <p:par>
+                          <p:cTn id="4" fill="hold">
+                            <p:stCondLst>
+                              <p:cond delay="0"/>
+                            </p:stCondLst>
+                            <p:childTnLst>
+                              <p:par>
+                                <p:cTn id="5" presetID="1" presetClass="entr" presetSubtype="0" fill="hold" grpId="0" nodeType="clickEffect">
+                                  <p:stCondLst>
+                                    <p:cond delay="0"/>
+                                  </p:stCondLst>
+                                  <p:childTnLst>
+                                    <p:set>
+                                      <p:cBhvr>
+                                        <p:cTn id="6" dur="1" fill="hold">
+                                          <p:stCondLst>
+                                            <p:cond delay="0"/>
+                                          </p:stCondLst>
+                                        </p:cTn>
+                                        <p:tgtEl>
+                                          <p:spTgt spid="3"/>
+                                        </p:tgtEl>
+                                        <p:attrNameLst>
+                                          <p:attrName>style.visibility</p:attrName>
+                                        </p:attrNameLst>
+                                      </p:cBhvr>
+                                      <p:to>
+                                        <p:strVal val="visible"/>
+                                      </p:to>
+                                    </p:set>
+                                  </p:childTnLst>
+                                </p:cTn>
+                              </p:par>
+                            </p:childTnLst>
+                          </p:cTn>
+                        </p:par>
+                      </p:childTnLst>
+                    </p:cTn>
+                  </p:par>
+                </p:childTnLst>
+              </p:cTn>
+              <p:prevCondLst>
+                <p:cond evt="onPrev" delay="0">
+                  <p:tgtEl>
+                    <p:sldTgt/>
+                  </p:tgtEl>
+                </p:cond>
+              </p:prevCondLst>
+              <p:nextCondLst>
+                <p:cond evt="onNext" delay="0">
+                  <p:tgtEl>
+                    <p:sldTgt/>
+                  </p:tgtEl>
+                </p:cond>
+              </p:nextCondLst>
+            </p:seq>
+          </p:childTnLst>
+        </p:cTn>
+      </p:par>
+    </p:tnLst>
+    <p:bldLst>
+      <p:bldP spid="3" grpId="0"/>
+    </p:bldLst>
+  </p:timing>
 </p:sld>
 </file>
 
@@ -9077,8 +11743,12 @@
           <a:lstStyle/>
           <a:p>
             <a:r>
-              <a:rPr lang="en-US" dirty="0"/>
-              <a:t>Readability</a:t>
+              <a:rPr lang="ru-RU" dirty="0"/>
+              <a:t>Задача </a:t>
+            </a:r>
+            <a:r>
+              <a:rPr lang="en-US" dirty="0" err="1"/>
+              <a:t>ControlDigit</a:t>
             </a:r>
             <a:endParaRPr lang="ru-RU" dirty="0"/>
           </a:p>
@@ -9086,12 +11756,12 @@
       </p:sp>
       <p:sp>
         <p:nvSpPr>
-          <p:cNvPr id="3" name="Текст 2"/>
+          <p:cNvPr id="3" name="Объект 2"/>
           <p:cNvSpPr>
             <a:spLocks noGrp="1"/>
           </p:cNvSpPr>
           <p:nvPr>
-            <p:ph type="body" idx="1"/>
+            <p:ph idx="1"/>
           </p:nvPr>
         </p:nvSpPr>
         <p:spPr/>
@@ -9099,20 +11769,27 @@
           <a:bodyPr/>
           <a:lstStyle/>
           <a:p>
-            <a:endParaRPr lang="ru-RU"/>
+            <a:endParaRPr lang="ru-RU" dirty="0"/>
           </a:p>
         </p:txBody>
       </p:sp>
     </p:spTree>
     <p:extLst>
       <p:ext uri="{BB962C8B-B14F-4D97-AF65-F5344CB8AC3E}">
-        <p14:creationId xmlns:p14="http://schemas.microsoft.com/office/powerpoint/2010/main" val="3722730520"/>
+        <p14:creationId xmlns:p14="http://schemas.microsoft.com/office/powerpoint/2010/main" val="346864226"/>
       </p:ext>
     </p:extLst>
   </p:cSld>
   <p:clrMapOvr>
     <a:masterClrMapping/>
   </p:clrMapOvr>
+  <p:timing>
+    <p:tnLst>
+      <p:par>
+        <p:cTn id="1" dur="indefinite" restart="never" nodeType="tmRoot"/>
+      </p:par>
+    </p:tnLst>
+  </p:timing>
 </p:sld>
 </file>
 
@@ -9145,6 +11822,228 @@
         </p:nvSpPr>
         <p:spPr/>
         <p:txBody>
+          <a:bodyPr>
+            <a:normAutofit fontScale="90000"/>
+          </a:bodyPr>
+          <a:lstStyle/>
+          <a:p>
+            <a:r>
+              <a:rPr lang="ru-RU" dirty="0"/>
+              <a:t>Разбор задачи </a:t>
+            </a:r>
+            <a:r>
+              <a:rPr lang="en-US" dirty="0" err="1"/>
+              <a:t>ControlDigit</a:t>
+            </a:r>
+            <a:endParaRPr lang="ru-RU" dirty="0"/>
+          </a:p>
+        </p:txBody>
+      </p:sp>
+      <p:sp>
+        <p:nvSpPr>
+          <p:cNvPr id="3" name="Объект 2"/>
+          <p:cNvSpPr>
+            <a:spLocks noGrp="1"/>
+          </p:cNvSpPr>
+          <p:nvPr>
+            <p:ph idx="1"/>
+          </p:nvPr>
+        </p:nvSpPr>
+        <p:spPr>
+          <a:xfrm>
+            <a:off x="457200" y="1600200"/>
+            <a:ext cx="8363272" cy="4525963"/>
+          </a:xfrm>
+        </p:spPr>
+        <p:txBody>
+          <a:bodyPr>
+            <a:normAutofit/>
+          </a:bodyPr>
+          <a:lstStyle/>
+          <a:p>
+            <a:pPr marL="0" indent="0">
+              <a:buNone/>
+            </a:pPr>
+            <a:r>
+              <a:rPr lang="ru-RU" dirty="0" smtClean="0"/>
+              <a:t>Повторно-используемые примитивы:</a:t>
+            </a:r>
+            <a:endParaRPr lang="en-US" dirty="0" smtClean="0"/>
+          </a:p>
+          <a:p>
+            <a:r>
+              <a:rPr lang="ru-RU" dirty="0"/>
+              <a:t>П</a:t>
+            </a:r>
+            <a:r>
+              <a:rPr lang="ru-RU" dirty="0" smtClean="0"/>
+              <a:t>олучить все цифры числа</a:t>
+            </a:r>
+          </a:p>
+          <a:p>
+            <a:pPr lvl="1"/>
+            <a:r>
+              <a:rPr lang="ru-RU" dirty="0" smtClean="0"/>
+              <a:t>Очевидно ли, в каком порядке возвращаются?</a:t>
+            </a:r>
+          </a:p>
+          <a:p>
+            <a:pPr lvl="1"/>
+            <a:r>
+              <a:rPr lang="ru-RU" dirty="0" smtClean="0"/>
+              <a:t>Куда положить метод, чтобы его нашли?</a:t>
+            </a:r>
+          </a:p>
+          <a:p>
+            <a:r>
+              <a:rPr lang="ru-RU" dirty="0"/>
+              <a:t>П</a:t>
+            </a:r>
+            <a:r>
+              <a:rPr lang="ru-RU" dirty="0" smtClean="0"/>
+              <a:t>осчитать взвешенную сумму</a:t>
+            </a:r>
+          </a:p>
+          <a:p>
+            <a:r>
+              <a:rPr lang="ru-RU" dirty="0"/>
+              <a:t>Н</a:t>
+            </a:r>
+            <a:r>
+              <a:rPr lang="ru-RU" dirty="0" smtClean="0"/>
+              <a:t>а сколько пострадала производительность? Критично ли это?</a:t>
+            </a:r>
+          </a:p>
+        </p:txBody>
+      </p:sp>
+    </p:spTree>
+    <p:extLst>
+      <p:ext uri="{BB962C8B-B14F-4D97-AF65-F5344CB8AC3E}">
+        <p14:creationId xmlns:p14="http://schemas.microsoft.com/office/powerpoint/2010/main" val="1524789523"/>
+      </p:ext>
+    </p:extLst>
+  </p:cSld>
+  <p:clrMapOvr>
+    <a:masterClrMapping/>
+  </p:clrMapOvr>
+  <p:timing>
+    <p:tnLst>
+      <p:par>
+        <p:cTn id="1" dur="indefinite" restart="never" nodeType="tmRoot"/>
+      </p:par>
+    </p:tnLst>
+  </p:timing>
+</p:sld>
+</file>
+
+<file path=ppt/slides/slide22.xml><?xml version="1.0" encoding="utf-8"?>
+<p:sld xmlns:a="http://schemas.openxmlformats.org/drawingml/2006/main" xmlns:r="http://schemas.openxmlformats.org/officeDocument/2006/relationships" xmlns:p="http://schemas.openxmlformats.org/presentationml/2006/main">
+  <p:cSld>
+    <p:spTree>
+      <p:nvGrpSpPr>
+        <p:cNvPr id="1" name=""/>
+        <p:cNvGrpSpPr/>
+        <p:nvPr/>
+      </p:nvGrpSpPr>
+      <p:grpSpPr>
+        <a:xfrm>
+          <a:off x="0" y="0"/>
+          <a:ext cx="0" cy="0"/>
+          <a:chOff x="0" y="0"/>
+          <a:chExt cx="0" cy="0"/>
+        </a:xfrm>
+      </p:grpSpPr>
+      <p:sp>
+        <p:nvSpPr>
+          <p:cNvPr id="2" name="Заголовок 1"/>
+          <p:cNvSpPr>
+            <a:spLocks noGrp="1"/>
+          </p:cNvSpPr>
+          <p:nvPr>
+            <p:ph type="title"/>
+          </p:nvPr>
+        </p:nvSpPr>
+        <p:spPr/>
+        <p:txBody>
+          <a:bodyPr/>
+          <a:lstStyle/>
+          <a:p>
+            <a:r>
+              <a:rPr lang="en-US" dirty="0"/>
+              <a:t>Readability</a:t>
+            </a:r>
+            <a:endParaRPr lang="ru-RU" dirty="0"/>
+          </a:p>
+        </p:txBody>
+      </p:sp>
+      <p:sp>
+        <p:nvSpPr>
+          <p:cNvPr id="3" name="Текст 2"/>
+          <p:cNvSpPr>
+            <a:spLocks noGrp="1"/>
+          </p:cNvSpPr>
+          <p:nvPr>
+            <p:ph type="body" idx="1"/>
+          </p:nvPr>
+        </p:nvSpPr>
+        <p:spPr/>
+        <p:txBody>
+          <a:bodyPr/>
+          <a:lstStyle/>
+          <a:p>
+            <a:endParaRPr lang="ru-RU"/>
+          </a:p>
+        </p:txBody>
+      </p:sp>
+    </p:spTree>
+    <p:extLst>
+      <p:ext uri="{BB962C8B-B14F-4D97-AF65-F5344CB8AC3E}">
+        <p14:creationId xmlns:p14="http://schemas.microsoft.com/office/powerpoint/2010/main" val="3722730520"/>
+      </p:ext>
+    </p:extLst>
+  </p:cSld>
+  <p:clrMapOvr>
+    <a:masterClrMapping/>
+  </p:clrMapOvr>
+  <p:timing>
+    <p:tnLst>
+      <p:par>
+        <p:cTn id="1" dur="indefinite" restart="never" nodeType="tmRoot"/>
+      </p:par>
+    </p:tnLst>
+  </p:timing>
+</p:sld>
+</file>
+
+<file path=ppt/slides/slide23.xml><?xml version="1.0" encoding="utf-8"?>
+<p:sld xmlns:a="http://schemas.openxmlformats.org/drawingml/2006/main" xmlns:r="http://schemas.openxmlformats.org/officeDocument/2006/relationships" xmlns:p="http://schemas.openxmlformats.org/presentationml/2006/main">
+  <p:cSld>
+    <p:spTree>
+      <p:nvGrpSpPr>
+        <p:cNvPr id="1" name=""/>
+        <p:cNvGrpSpPr/>
+        <p:nvPr/>
+      </p:nvGrpSpPr>
+      <p:grpSpPr>
+        <a:xfrm>
+          <a:off x="0" y="0"/>
+          <a:ext cx="0" cy="0"/>
+          <a:chOff x="0" y="0"/>
+          <a:chExt cx="0" cy="0"/>
+        </a:xfrm>
+      </p:grpSpPr>
+      <p:sp>
+        <p:nvSpPr>
+          <p:cNvPr id="2" name="Заголовок 1"/>
+          <p:cNvSpPr>
+            <a:spLocks noGrp="1"/>
+          </p:cNvSpPr>
+          <p:nvPr>
+            <p:ph type="title"/>
+          </p:nvPr>
+        </p:nvSpPr>
+        <p:spPr/>
+        <p:txBody>
           <a:bodyPr/>
           <a:lstStyle/>
           <a:p>
@@ -9170,10 +12069,109 @@
   <p:clrMapOvr>
     <a:masterClrMapping/>
   </p:clrMapOvr>
+  <p:timing>
+    <p:tnLst>
+      <p:par>
+        <p:cTn id="1" dur="indefinite" restart="never" nodeType="tmRoot"/>
+      </p:par>
+    </p:tnLst>
+  </p:timing>
 </p:sld>
 </file>
 
-<file path=ppt/slides/slide22.xml><?xml version="1.0" encoding="utf-8"?>
+<file path=ppt/slides/slide24.xml><?xml version="1.0" encoding="utf-8"?>
+<p:sld xmlns:a="http://schemas.openxmlformats.org/drawingml/2006/main" xmlns:r="http://schemas.openxmlformats.org/officeDocument/2006/relationships" xmlns:p="http://schemas.openxmlformats.org/presentationml/2006/main">
+  <p:cSld>
+    <p:spTree>
+      <p:nvGrpSpPr>
+        <p:cNvPr id="1" name=""/>
+        <p:cNvGrpSpPr/>
+        <p:nvPr/>
+      </p:nvGrpSpPr>
+      <p:grpSpPr>
+        <a:xfrm>
+          <a:off x="0" y="0"/>
+          <a:ext cx="0" cy="0"/>
+          <a:chOff x="0" y="0"/>
+          <a:chExt cx="0" cy="0"/>
+        </a:xfrm>
+      </p:grpSpPr>
+      <p:sp>
+        <p:nvSpPr>
+          <p:cNvPr id="2" name="Заголовок 1"/>
+          <p:cNvSpPr>
+            <a:spLocks noGrp="1"/>
+          </p:cNvSpPr>
+          <p:nvPr>
+            <p:ph type="title"/>
+          </p:nvPr>
+        </p:nvSpPr>
+        <p:spPr/>
+        <p:txBody>
+          <a:bodyPr>
+            <a:noAutofit/>
+          </a:bodyPr>
+          <a:lstStyle/>
+          <a:p>
+            <a:r>
+              <a:rPr lang="ru-RU" sz="4000" dirty="0" smtClean="0"/>
+              <a:t>Маркер </a:t>
+            </a:r>
+            <a:br>
+              <a:rPr lang="ru-RU" sz="4000" dirty="0" smtClean="0"/>
+            </a:br>
+            <a:r>
+              <a:rPr lang="ru-RU" sz="4000" dirty="0" smtClean="0"/>
+              <a:t>«Статические изменяемые данные»</a:t>
+            </a:r>
+            <a:endParaRPr lang="ru-RU" sz="4000" dirty="0"/>
+          </a:p>
+        </p:txBody>
+      </p:sp>
+      <p:sp>
+        <p:nvSpPr>
+          <p:cNvPr id="3" name="Объект 2"/>
+          <p:cNvSpPr>
+            <a:spLocks noGrp="1"/>
+          </p:cNvSpPr>
+          <p:nvPr>
+            <p:ph idx="1"/>
+          </p:nvPr>
+        </p:nvSpPr>
+        <p:spPr/>
+        <p:txBody>
+          <a:bodyPr/>
+          <a:lstStyle/>
+          <a:p>
+            <a:r>
+              <a:rPr lang="ru-RU" dirty="0" smtClean="0"/>
+              <a:t>Не развалится ли в многопоточной среде?</a:t>
+            </a:r>
+            <a:endParaRPr lang="ru-RU" dirty="0"/>
+          </a:p>
+        </p:txBody>
+      </p:sp>
+    </p:spTree>
+    <p:extLst>
+      <p:ext uri="{BB962C8B-B14F-4D97-AF65-F5344CB8AC3E}">
+        <p14:creationId xmlns:p14="http://schemas.microsoft.com/office/powerpoint/2010/main" val="1817378157"/>
+      </p:ext>
+    </p:extLst>
+  </p:cSld>
+  <p:clrMapOvr>
+    <a:masterClrMapping/>
+  </p:clrMapOvr>
+  <p:timing>
+    <p:tnLst>
+      <p:par>
+        <p:cTn id="1" dur="indefinite" restart="never" nodeType="tmRoot"/>
+      </p:par>
+    </p:tnLst>
+  </p:timing>
+</p:sld>
+</file>
+
+<file path=ppt/slides/slide25.xml><?xml version="1.0" encoding="utf-8"?>
 <p:sld xmlns:a="http://schemas.openxmlformats.org/drawingml/2006/main" xmlns:r="http://schemas.openxmlformats.org/officeDocument/2006/relationships" xmlns:p="http://schemas.openxmlformats.org/presentationml/2006/main">
   <p:cSld>
     <p:spTree>
@@ -9582,7 +12580,7 @@
 </p:sld>
 </file>
 
-<file path=ppt/slides/slide23.xml><?xml version="1.0" encoding="utf-8"?>
+<file path=ppt/slides/slide26.xml><?xml version="1.0" encoding="utf-8"?>
 <p:sld xmlns:a="http://schemas.openxmlformats.org/drawingml/2006/main" xmlns:r="http://schemas.openxmlformats.org/officeDocument/2006/relationships" xmlns:p="http://schemas.openxmlformats.org/presentationml/2006/main">
   <p:cSld>
     <p:spTree>
@@ -9608,7 +12606,7 @@
           <p:nvPr/>
         </p:nvPicPr>
         <p:blipFill>
-          <a:blip r:embed="rId2">
+          <a:blip r:embed="rId3">
             <a:extLst>
               <a:ext uri="{28A0092B-C50C-407E-A947-70E740481C1C}">
                 <a14:useLocalDpi xmlns:a14="http://schemas.microsoft.com/office/drawing/2010/main" val="0"/>
@@ -9803,10 +12801,17 @@
   <p:clrMapOvr>
     <a:masterClrMapping/>
   </p:clrMapOvr>
+  <p:timing>
+    <p:tnLst>
+      <p:par>
+        <p:cTn id="1" dur="indefinite" restart="never" nodeType="tmRoot"/>
+      </p:par>
+    </p:tnLst>
+  </p:timing>
 </p:sld>
 </file>
 
-<file path=ppt/slides/slide24.xml><?xml version="1.0" encoding="utf-8"?>
+<file path=ppt/slides/slide27.xml><?xml version="1.0" encoding="utf-8"?>
 <p:sld xmlns:a="http://schemas.openxmlformats.org/drawingml/2006/main" xmlns:r="http://schemas.openxmlformats.org/officeDocument/2006/relationships" xmlns:p="http://schemas.openxmlformats.org/presentationml/2006/main">
   <p:cSld>
     <p:spTree>
@@ -9832,7 +12837,7 @@
           <p:nvPr/>
         </p:nvPicPr>
         <p:blipFill>
-          <a:blip r:embed="rId2" cstate="print">
+          <a:blip r:embed="rId3" cstate="print">
             <a:extLst>
               <a:ext uri="{28A0092B-C50C-407E-A947-70E740481C1C}">
                 <a14:useLocalDpi xmlns:a14="http://schemas.microsoft.com/office/drawing/2010/main" val="0"/>
@@ -10638,10 +13643,17 @@
   <p:clrMapOvr>
     <a:masterClrMapping/>
   </p:clrMapOvr>
+  <p:timing>
+    <p:tnLst>
+      <p:par>
+        <p:cTn id="1" dur="indefinite" restart="never" nodeType="tmRoot"/>
+      </p:par>
+    </p:tnLst>
+  </p:timing>
 </p:sld>
 </file>
 
-<file path=ppt/slides/slide25.xml><?xml version="1.0" encoding="utf-8"?>
+<file path=ppt/slides/slide28.xml><?xml version="1.0" encoding="utf-8"?>
 <p:sld xmlns:a="http://schemas.openxmlformats.org/drawingml/2006/main" xmlns:r="http://schemas.openxmlformats.org/officeDocument/2006/relationships" xmlns:p="http://schemas.openxmlformats.org/presentationml/2006/main">
   <p:cSld>
     <p:spTree>
@@ -10708,10 +13720,17 @@
   <p:clrMapOvr>
     <a:masterClrMapping/>
   </p:clrMapOvr>
+  <p:timing>
+    <p:tnLst>
+      <p:par>
+        <p:cTn id="1" dur="indefinite" restart="never" nodeType="tmRoot"/>
+      </p:par>
+    </p:tnLst>
+  </p:timing>
 </p:sld>
 </file>
 
-<file path=ppt/slides/slide26.xml><?xml version="1.0" encoding="utf-8"?>
+<file path=ppt/slides/slide29.xml><?xml version="1.0" encoding="utf-8"?>
 <p:sld xmlns:a="http://schemas.openxmlformats.org/drawingml/2006/main" xmlns:r="http://schemas.openxmlformats.org/officeDocument/2006/relationships" xmlns:p="http://schemas.openxmlformats.org/presentationml/2006/main">
   <p:cSld>
     <p:spTree>
@@ -10781,10 +13800,139 @@
   <p:clrMapOvr>
     <a:masterClrMapping/>
   </p:clrMapOvr>
+  <p:timing>
+    <p:tnLst>
+      <p:par>
+        <p:cTn id="1" dur="indefinite" restart="never" nodeType="tmRoot"/>
+      </p:par>
+    </p:tnLst>
+  </p:timing>
 </p:sld>
 </file>
 
-<file path=ppt/slides/slide27.xml><?xml version="1.0" encoding="utf-8"?>
+<file path=ppt/slides/slide3.xml><?xml version="1.0" encoding="utf-8"?>
+<p:sld xmlns:a="http://schemas.openxmlformats.org/drawingml/2006/main" xmlns:r="http://schemas.openxmlformats.org/officeDocument/2006/relationships" xmlns:p="http://schemas.openxmlformats.org/presentationml/2006/main">
+  <p:cSld>
+    <p:spTree>
+      <p:nvGrpSpPr>
+        <p:cNvPr id="1" name=""/>
+        <p:cNvGrpSpPr/>
+        <p:nvPr/>
+      </p:nvGrpSpPr>
+      <p:grpSpPr>
+        <a:xfrm>
+          <a:off x="0" y="0"/>
+          <a:ext cx="0" cy="0"/>
+          <a:chOff x="0" y="0"/>
+          <a:chExt cx="0" cy="0"/>
+        </a:xfrm>
+      </p:grpSpPr>
+      <p:sp>
+        <p:nvSpPr>
+          <p:cNvPr id="2" name="Заголовок 1"/>
+          <p:cNvSpPr>
+            <a:spLocks noGrp="1"/>
+          </p:cNvSpPr>
+          <p:nvPr>
+            <p:ph type="title"/>
+          </p:nvPr>
+        </p:nvSpPr>
+        <p:spPr/>
+        <p:txBody>
+          <a:bodyPr>
+            <a:noAutofit/>
+          </a:bodyPr>
+          <a:lstStyle/>
+          <a:p>
+            <a:r>
+              <a:rPr lang="ru-RU" dirty="0"/>
+              <a:t>Зачем нужен чистый код?</a:t>
+            </a:r>
+          </a:p>
+        </p:txBody>
+      </p:sp>
+      <p:sp>
+        <p:nvSpPr>
+          <p:cNvPr id="3" name="Объект 2"/>
+          <p:cNvSpPr>
+            <a:spLocks noGrp="1"/>
+          </p:cNvSpPr>
+          <p:nvPr>
+            <p:ph idx="1"/>
+          </p:nvPr>
+        </p:nvSpPr>
+        <p:spPr/>
+        <p:txBody>
+          <a:bodyPr>
+            <a:normAutofit fontScale="85000" lnSpcReduction="10000"/>
+          </a:bodyPr>
+          <a:lstStyle/>
+          <a:p>
+            <a:r>
+              <a:rPr lang="ru-RU" b="1" dirty="0"/>
+              <a:t>Простота и понятность.</a:t>
+            </a:r>
+            <a:r>
+              <a:rPr lang="ru-RU" dirty="0"/>
+              <a:t> Что в будущем инженер смог быстро разобраться и доработать компонент под изменившиеся требования.</a:t>
+            </a:r>
+          </a:p>
+          <a:p>
+            <a:r>
+              <a:rPr lang="x-none" b="1" dirty="0"/>
+              <a:t>Корректность.</a:t>
+            </a:r>
+            <a:r>
+              <a:rPr lang="x-none" dirty="0"/>
+              <a:t> Чтобы в будущем инженер своими правками случайно не сломал работоспособность системы.</a:t>
+            </a:r>
+          </a:p>
+          <a:p>
+            <a:r>
+              <a:rPr lang="x-none" b="1" dirty="0"/>
+              <a:t>Расширяемость.</a:t>
+            </a:r>
+            <a:r>
+              <a:rPr lang="x-none" dirty="0"/>
+              <a:t> Чтобы в будущем инженеру проще было вносить доработки под новые требования.</a:t>
+            </a:r>
+          </a:p>
+          <a:p>
+            <a:r>
+              <a:rPr lang="x-none" b="1" dirty="0"/>
+              <a:t>Универсальность.</a:t>
+            </a:r>
+            <a:r>
+              <a:rPr lang="x-none" dirty="0"/>
+              <a:t> Чтобы в будущем инженеру было проще использовать этот код в контексте другой задачи или проекта.</a:t>
+            </a:r>
+          </a:p>
+          <a:p>
+            <a:endParaRPr lang="ru-RU" dirty="0"/>
+          </a:p>
+        </p:txBody>
+      </p:sp>
+    </p:spTree>
+    <p:extLst>
+      <p:ext uri="{BB962C8B-B14F-4D97-AF65-F5344CB8AC3E}">
+        <p14:creationId xmlns:p14="http://schemas.microsoft.com/office/powerpoint/2010/main" val="3784933844"/>
+      </p:ext>
+    </p:extLst>
+  </p:cSld>
+  <p:clrMapOvr>
+    <a:masterClrMapping/>
+  </p:clrMapOvr>
+  <p:timing>
+    <p:tnLst>
+      <p:par>
+        <p:cTn id="1" dur="indefinite" restart="never" nodeType="tmRoot"/>
+      </p:par>
+    </p:tnLst>
+  </p:timing>
+</p:sld>
+</file>
+
+<file path=ppt/slides/slide30.xml><?xml version="1.0" encoding="utf-8"?>
 <p:sld xmlns:a="http://schemas.openxmlformats.org/drawingml/2006/main" xmlns:r="http://schemas.openxmlformats.org/officeDocument/2006/relationships" xmlns:p="http://schemas.openxmlformats.org/presentationml/2006/main">
   <p:cSld>
     <p:spTree>
@@ -10810,7 +13958,7 @@
         <p:spPr>
           <a:xfrm>
             <a:off x="323528" y="260648"/>
-            <a:ext cx="8820472" cy="4893647"/>
+            <a:ext cx="8820472" cy="5262979"/>
           </a:xfrm>
           <a:prstGeom prst="rect">
             <a:avLst/>
@@ -10903,6 +14051,70 @@
           </a:p>
           <a:p>
             <a:r>
+              <a:rPr lang="en-US" sz="2400" dirty="0" smtClean="0">
+                <a:solidFill>
+                  <a:srgbClr val="000000"/>
+                </a:solidFill>
+                <a:highlight>
+                  <a:srgbClr val="FFFFFF"/>
+                </a:highlight>
+                <a:latin typeface="Fira Code" panose="00000509000000000000" pitchFamily="49" charset="0"/>
+                <a:ea typeface="Fira Code" panose="00000509000000000000" pitchFamily="49" charset="0"/>
+              </a:rPr>
+              <a:t>{</a:t>
+            </a:r>
+            <a:endParaRPr lang="ru-RU" sz="2400" dirty="0" smtClean="0">
+              <a:solidFill>
+                <a:srgbClr val="000000"/>
+              </a:solidFill>
+              <a:highlight>
+                <a:srgbClr val="FFFFFF"/>
+              </a:highlight>
+              <a:latin typeface="Fira Code" panose="00000509000000000000" pitchFamily="49" charset="0"/>
+              <a:ea typeface="Fira Code" panose="00000509000000000000" pitchFamily="49" charset="0"/>
+            </a:endParaRPr>
+          </a:p>
+          <a:p>
+            <a:r>
+              <a:rPr lang="ru-RU" sz="2400" dirty="0" smtClean="0">
+                <a:solidFill>
+                  <a:srgbClr val="000000"/>
+                </a:solidFill>
+                <a:highlight>
+                  <a:srgbClr val="FFFFFF"/>
+                </a:highlight>
+                <a:latin typeface="Fira Code" panose="00000509000000000000" pitchFamily="49" charset="0"/>
+                <a:ea typeface="Fira Code" panose="00000509000000000000" pitchFamily="49" charset="0"/>
+              </a:rPr>
+              <a:t>    </a:t>
+            </a:r>
+            <a:r>
+              <a:rPr lang="en-US" sz="2400" dirty="0" err="1" smtClean="0">
+                <a:solidFill>
+                  <a:srgbClr val="0000FF"/>
+                </a:solidFill>
+                <a:highlight>
+                  <a:srgbClr val="FFFFFF"/>
+                </a:highlight>
+                <a:latin typeface="Fira Code" panose="00000509000000000000" pitchFamily="49" charset="0"/>
+                <a:ea typeface="Fira Code" panose="00000509000000000000" pitchFamily="49" charset="0"/>
+              </a:rPr>
+              <a:t>var</a:t>
+            </a:r>
+            <a:r>
+              <a:rPr lang="en-US" sz="2400" dirty="0" smtClean="0">
+                <a:solidFill>
+                  <a:srgbClr val="0000FF"/>
+                </a:solidFill>
+                <a:highlight>
+                  <a:srgbClr val="FFFFFF"/>
+                </a:highlight>
+                <a:latin typeface="Fira Code" panose="00000509000000000000" pitchFamily="49" charset="0"/>
+                <a:ea typeface="Fira Code" panose="00000509000000000000" pitchFamily="49" charset="0"/>
+              </a:rPr>
+              <a:t> </a:t>
+            </a:r>
+            <a:r>
               <a:rPr lang="en-US" sz="2400" dirty="0">
                 <a:solidFill>
                   <a:srgbClr val="000000"/>
@@ -10913,8 +14125,44 @@
                 <a:latin typeface="Fira Code" panose="00000509000000000000" pitchFamily="49" charset="0"/>
                 <a:ea typeface="Fira Code" panose="00000509000000000000" pitchFamily="49" charset="0"/>
               </a:rPr>
-              <a:t>{</a:t>
-            </a:r>
+              <a:t>bottom = 0;</a:t>
+            </a:r>
+            <a:r>
+              <a:rPr lang="en-US" sz="2400" dirty="0" smtClean="0">
+                <a:solidFill>
+                  <a:srgbClr val="0000FF"/>
+                </a:solidFill>
+                <a:highlight>
+                  <a:srgbClr val="FFFFFF"/>
+                </a:highlight>
+                <a:latin typeface="Fira Code" panose="00000509000000000000" pitchFamily="49" charset="0"/>
+                <a:ea typeface="Fira Code" panose="00000509000000000000" pitchFamily="49" charset="0"/>
+              </a:rPr>
+              <a:t> </a:t>
+            </a:r>
+            <a:r>
+              <a:rPr lang="ru-RU" sz="2400" dirty="0">
+                <a:solidFill>
+                  <a:srgbClr val="000000"/>
+                </a:solidFill>
+                <a:highlight>
+                  <a:srgbClr val="FFFFFF"/>
+                </a:highlight>
+                <a:latin typeface="Fira Code" panose="00000509000000000000" pitchFamily="49" charset="0"/>
+                <a:ea typeface="Fira Code" panose="00000509000000000000" pitchFamily="49" charset="0"/>
+              </a:rPr>
+              <a:t>	</a:t>
+            </a:r>
+            <a:endParaRPr lang="en-US" sz="2400" dirty="0">
+              <a:solidFill>
+                <a:srgbClr val="000000"/>
+              </a:solidFill>
+              <a:highlight>
+                <a:srgbClr val="FFFFFF"/>
+              </a:highlight>
+              <a:latin typeface="Fira Code" panose="00000509000000000000" pitchFamily="49" charset="0"/>
+              <a:ea typeface="Fira Code" panose="00000509000000000000" pitchFamily="49" charset="0"/>
+            </a:endParaRPr>
           </a:p>
           <a:p>
             <a:r>
@@ -10980,7 +14228,33 @@
                 <a:latin typeface="Fira Code" panose="00000509000000000000" pitchFamily="49" charset="0"/>
                 <a:ea typeface="Fira Code" panose="00000509000000000000" pitchFamily="49" charset="0"/>
               </a:rPr>
-              <a:t> y = 0; y &lt; height;) </a:t>
+              <a:t> y = </a:t>
+            </a:r>
+            <a:r>
+              <a:rPr lang="en-US" sz="2400" dirty="0" smtClean="0">
+                <a:solidFill>
+                  <a:srgbClr val="000000"/>
+                </a:solidFill>
+                <a:highlight>
+                  <a:srgbClr val="FFFFFF"/>
+                </a:highlight>
+                <a:latin typeface="Fira Code" panose="00000509000000000000" pitchFamily="49" charset="0"/>
+                <a:ea typeface="Fira Code" panose="00000509000000000000" pitchFamily="49" charset="0"/>
+              </a:rPr>
+              <a:t>bottom; </a:t>
+            </a:r>
+            <a:r>
+              <a:rPr lang="en-US" sz="2400" dirty="0">
+                <a:solidFill>
+                  <a:srgbClr val="000000"/>
+                </a:solidFill>
+                <a:highlight>
+                  <a:srgbClr val="FFFFFF"/>
+                </a:highlight>
+                <a:latin typeface="Fira Code" panose="00000509000000000000" pitchFamily="49" charset="0"/>
+                <a:ea typeface="Fira Code" panose="00000509000000000000" pitchFamily="49" charset="0"/>
+              </a:rPr>
+              <a:t>y &lt; height;) </a:t>
             </a:r>
           </a:p>
           <a:p>
@@ -11317,7 +14591,7 @@
           <p:nvPr/>
         </p:nvPicPr>
         <p:blipFill>
-          <a:blip r:embed="rId2" cstate="print">
+          <a:blip r:embed="rId3" cstate="print">
             <a:extLst>
               <a:ext uri="{28A0092B-C50C-407E-A947-70E740481C1C}">
                 <a14:useLocalDpi xmlns:a14="http://schemas.microsoft.com/office/drawing/2010/main" val="0"/>
@@ -11348,10 +14622,801 @@
   <p:clrMapOvr>
     <a:masterClrMapping/>
   </p:clrMapOvr>
+  <p:timing>
+    <p:tnLst>
+      <p:par>
+        <p:cTn id="1" dur="indefinite" restart="never" nodeType="tmRoot"/>
+      </p:par>
+    </p:tnLst>
+  </p:timing>
 </p:sld>
 </file>
 
-<file path=ppt/slides/slide28.xml><?xml version="1.0" encoding="utf-8"?>
+<file path=ppt/slides/slide31.xml><?xml version="1.0" encoding="utf-8"?>
+<p:sld xmlns:a="http://schemas.openxmlformats.org/drawingml/2006/main" xmlns:r="http://schemas.openxmlformats.org/officeDocument/2006/relationships" xmlns:p="http://schemas.openxmlformats.org/presentationml/2006/main">
+  <p:cSld>
+    <p:spTree>
+      <p:nvGrpSpPr>
+        <p:cNvPr id="1" name=""/>
+        <p:cNvGrpSpPr/>
+        <p:nvPr/>
+      </p:nvGrpSpPr>
+      <p:grpSpPr>
+        <a:xfrm>
+          <a:off x="0" y="0"/>
+          <a:ext cx="0" cy="0"/>
+          <a:chOff x="0" y="0"/>
+          <a:chExt cx="0" cy="0"/>
+        </a:xfrm>
+      </p:grpSpPr>
+      <p:sp>
+        <p:nvSpPr>
+          <p:cNvPr id="2" name="Заголовок 1"/>
+          <p:cNvSpPr>
+            <a:spLocks noGrp="1"/>
+          </p:cNvSpPr>
+          <p:nvPr>
+            <p:ph type="title"/>
+          </p:nvPr>
+        </p:nvSpPr>
+        <p:spPr/>
+        <p:txBody>
+          <a:bodyPr/>
+          <a:lstStyle/>
+          <a:p>
+            <a:r>
+              <a:rPr lang="en-US" dirty="0" smtClean="0"/>
+              <a:t>Immutable style</a:t>
+            </a:r>
+            <a:endParaRPr lang="ru-RU" dirty="0"/>
+          </a:p>
+        </p:txBody>
+      </p:sp>
+      <p:sp>
+        <p:nvSpPr>
+          <p:cNvPr id="3" name="Объект 2"/>
+          <p:cNvSpPr>
+            <a:spLocks noGrp="1"/>
+          </p:cNvSpPr>
+          <p:nvPr>
+            <p:ph idx="1"/>
+          </p:nvPr>
+        </p:nvSpPr>
+        <p:spPr>
+          <a:xfrm>
+            <a:off x="457200" y="1639341"/>
+            <a:ext cx="8229600" cy="4525963"/>
+          </a:xfrm>
+        </p:spPr>
+        <p:txBody>
+          <a:bodyPr>
+            <a:normAutofit fontScale="77500" lnSpcReduction="20000"/>
+          </a:bodyPr>
+          <a:lstStyle/>
+          <a:p>
+            <a:pPr marL="0" indent="0">
+              <a:buNone/>
+            </a:pPr>
+            <a:r>
+              <a:rPr lang="en-US" dirty="0">
+                <a:solidFill>
+                  <a:srgbClr val="0000FF"/>
+                </a:solidFill>
+                <a:highlight>
+                  <a:srgbClr val="FFFFFF"/>
+                </a:highlight>
+                <a:latin typeface="Consolas" panose="020B0609020204030204" pitchFamily="49" charset="0"/>
+              </a:rPr>
+              <a:t>public</a:t>
+            </a:r>
+            <a:r>
+              <a:rPr lang="en-US" dirty="0">
+                <a:solidFill>
+                  <a:srgbClr val="000000"/>
+                </a:solidFill>
+                <a:highlight>
+                  <a:srgbClr val="FFFFFF"/>
+                </a:highlight>
+                <a:latin typeface="Consolas" panose="020B0609020204030204" pitchFamily="49" charset="0"/>
+              </a:rPr>
+              <a:t> </a:t>
+            </a:r>
+            <a:r>
+              <a:rPr lang="en-US" dirty="0">
+                <a:solidFill>
+                  <a:srgbClr val="000000"/>
+                </a:solidFill>
+                <a:highlight>
+                  <a:srgbClr val="FFFFFF"/>
+                </a:highlight>
+                <a:latin typeface="Consolas" panose="020B0609020204030204" pitchFamily="49" charset="0"/>
+              </a:rPr>
+              <a:t>Field</a:t>
+            </a:r>
+            <a:r>
+              <a:rPr lang="en-US" dirty="0">
+                <a:solidFill>
+                  <a:srgbClr val="000000"/>
+                </a:solidFill>
+                <a:highlight>
+                  <a:srgbClr val="FFFFFF"/>
+                </a:highlight>
+                <a:latin typeface="Consolas" panose="020B0609020204030204" pitchFamily="49" charset="0"/>
+              </a:rPr>
+              <a:t> </a:t>
+            </a:r>
+            <a:r>
+              <a:rPr lang="en-US" dirty="0" err="1">
+                <a:solidFill>
+                  <a:srgbClr val="000000"/>
+                </a:solidFill>
+                <a:highlight>
+                  <a:srgbClr val="FFFFFF"/>
+                </a:highlight>
+                <a:latin typeface="Consolas" panose="020B0609020204030204" pitchFamily="49" charset="0"/>
+              </a:rPr>
+              <a:t>ClearFullLines</a:t>
+            </a:r>
+            <a:r>
+              <a:rPr lang="en-US" dirty="0" smtClean="0">
+                <a:solidFill>
+                  <a:srgbClr val="000000"/>
+                </a:solidFill>
+                <a:highlight>
+                  <a:srgbClr val="FFFFFF"/>
+                </a:highlight>
+                <a:latin typeface="Consolas" panose="020B0609020204030204" pitchFamily="49" charset="0"/>
+              </a:rPr>
+              <a:t>() </a:t>
+            </a:r>
+            <a:r>
+              <a:rPr lang="ru-RU" dirty="0" smtClean="0">
+                <a:solidFill>
+                  <a:srgbClr val="000000"/>
+                </a:solidFill>
+                <a:highlight>
+                  <a:srgbClr val="FFFFFF"/>
+                </a:highlight>
+                <a:latin typeface="Consolas" panose="020B0609020204030204" pitchFamily="49" charset="0"/>
+              </a:rPr>
+              <a:t>{</a:t>
+            </a:r>
+            <a:endParaRPr lang="ru-RU" dirty="0">
+              <a:solidFill>
+                <a:srgbClr val="000000"/>
+              </a:solidFill>
+              <a:highlight>
+                <a:srgbClr val="FFFFFF"/>
+              </a:highlight>
+              <a:latin typeface="Consolas" panose="020B0609020204030204" pitchFamily="49" charset="0"/>
+            </a:endParaRPr>
+          </a:p>
+          <a:p>
+            <a:pPr marL="0" indent="0">
+              <a:buNone/>
+            </a:pPr>
+            <a:r>
+              <a:rPr lang="en-US" dirty="0">
+                <a:solidFill>
+                  <a:srgbClr val="000000"/>
+                </a:solidFill>
+                <a:highlight>
+                  <a:srgbClr val="FFFFFF"/>
+                </a:highlight>
+                <a:latin typeface="Consolas" panose="020B0609020204030204" pitchFamily="49" charset="0"/>
+              </a:rPr>
+              <a:t>    </a:t>
+            </a:r>
+            <a:r>
+              <a:rPr lang="en-US" dirty="0" err="1">
+                <a:solidFill>
+                  <a:srgbClr val="0000FF"/>
+                </a:solidFill>
+                <a:highlight>
+                  <a:srgbClr val="FFFFFF"/>
+                </a:highlight>
+                <a:latin typeface="Consolas" panose="020B0609020204030204" pitchFamily="49" charset="0"/>
+              </a:rPr>
+              <a:t>var</a:t>
+            </a:r>
+            <a:r>
+              <a:rPr lang="en-US" dirty="0">
+                <a:solidFill>
+                  <a:srgbClr val="000000"/>
+                </a:solidFill>
+                <a:highlight>
+                  <a:srgbClr val="FFFFFF"/>
+                </a:highlight>
+                <a:latin typeface="Consolas" panose="020B0609020204030204" pitchFamily="49" charset="0"/>
+              </a:rPr>
+              <a:t> </a:t>
+            </a:r>
+            <a:r>
+              <a:rPr lang="en-US" dirty="0" err="1">
+                <a:solidFill>
+                  <a:srgbClr val="000000"/>
+                </a:solidFill>
+                <a:highlight>
+                  <a:srgbClr val="FFFFFF"/>
+                </a:highlight>
+                <a:latin typeface="Consolas" panose="020B0609020204030204" pitchFamily="49" charset="0"/>
+              </a:rPr>
+              <a:t>notFullLines</a:t>
+            </a:r>
+            <a:r>
+              <a:rPr lang="en-US" dirty="0">
+                <a:solidFill>
+                  <a:srgbClr val="000000"/>
+                </a:solidFill>
+                <a:highlight>
+                  <a:srgbClr val="FFFFFF"/>
+                </a:highlight>
+                <a:latin typeface="Consolas" panose="020B0609020204030204" pitchFamily="49" charset="0"/>
+              </a:rPr>
+              <a:t> = </a:t>
+            </a:r>
+            <a:r>
+              <a:rPr lang="en-US" dirty="0" err="1">
+                <a:solidFill>
+                  <a:srgbClr val="000000"/>
+                </a:solidFill>
+                <a:highlight>
+                  <a:srgbClr val="FFFFFF"/>
+                </a:highlight>
+                <a:latin typeface="Consolas" panose="020B0609020204030204" pitchFamily="49" charset="0"/>
+              </a:rPr>
+              <a:t>GetAllNotFullLines</a:t>
+            </a:r>
+            <a:r>
+              <a:rPr lang="en-US" dirty="0">
+                <a:solidFill>
+                  <a:srgbClr val="000000"/>
+                </a:solidFill>
+                <a:highlight>
+                  <a:srgbClr val="FFFFFF"/>
+                </a:highlight>
+                <a:latin typeface="Consolas" panose="020B0609020204030204" pitchFamily="49" charset="0"/>
+              </a:rPr>
+              <a:t>();</a:t>
+            </a:r>
+          </a:p>
+          <a:p>
+            <a:pPr marL="0" indent="0">
+              <a:buNone/>
+            </a:pPr>
+            <a:r>
+              <a:rPr lang="en-US" dirty="0">
+                <a:solidFill>
+                  <a:srgbClr val="000000"/>
+                </a:solidFill>
+                <a:highlight>
+                  <a:srgbClr val="FFFFFF"/>
+                </a:highlight>
+                <a:latin typeface="Consolas" panose="020B0609020204030204" pitchFamily="49" charset="0"/>
+              </a:rPr>
+              <a:t>    </a:t>
+            </a:r>
+            <a:r>
+              <a:rPr lang="en-US" dirty="0" err="1">
+                <a:solidFill>
+                  <a:srgbClr val="0000FF"/>
+                </a:solidFill>
+                <a:highlight>
+                  <a:srgbClr val="FFFFFF"/>
+                </a:highlight>
+                <a:latin typeface="Consolas" panose="020B0609020204030204" pitchFamily="49" charset="0"/>
+              </a:rPr>
+              <a:t>var</a:t>
+            </a:r>
+            <a:r>
+              <a:rPr lang="en-US" dirty="0">
+                <a:solidFill>
+                  <a:srgbClr val="000000"/>
+                </a:solidFill>
+                <a:highlight>
+                  <a:srgbClr val="FFFFFF"/>
+                </a:highlight>
+                <a:latin typeface="Consolas" panose="020B0609020204030204" pitchFamily="49" charset="0"/>
+              </a:rPr>
+              <a:t> </a:t>
+            </a:r>
+            <a:r>
+              <a:rPr lang="en-US" dirty="0" err="1">
+                <a:solidFill>
+                  <a:srgbClr val="000000"/>
+                </a:solidFill>
+                <a:highlight>
+                  <a:srgbClr val="FFFFFF"/>
+                </a:highlight>
+                <a:latin typeface="Consolas" panose="020B0609020204030204" pitchFamily="49" charset="0"/>
+              </a:rPr>
+              <a:t>clearedLinesCount</a:t>
+            </a:r>
+            <a:r>
+              <a:rPr lang="en-US" dirty="0">
+                <a:solidFill>
+                  <a:srgbClr val="000000"/>
+                </a:solidFill>
+                <a:highlight>
+                  <a:srgbClr val="FFFFFF"/>
+                </a:highlight>
+                <a:latin typeface="Consolas" panose="020B0609020204030204" pitchFamily="49" charset="0"/>
+              </a:rPr>
+              <a:t> = </a:t>
+            </a:r>
+            <a:r>
+              <a:rPr lang="en-US" dirty="0" smtClean="0">
+                <a:solidFill>
+                  <a:srgbClr val="000000"/>
+                </a:solidFill>
+                <a:highlight>
+                  <a:srgbClr val="FFFFFF"/>
+                </a:highlight>
+                <a:latin typeface="Consolas" panose="020B0609020204030204" pitchFamily="49" charset="0"/>
+              </a:rPr>
+              <a:t/>
+            </a:r>
+            <a:br>
+              <a:rPr lang="en-US" dirty="0" smtClean="0">
+                <a:solidFill>
+                  <a:srgbClr val="000000"/>
+                </a:solidFill>
+                <a:highlight>
+                  <a:srgbClr val="FFFFFF"/>
+                </a:highlight>
+                <a:latin typeface="Consolas" panose="020B0609020204030204" pitchFamily="49" charset="0"/>
+              </a:rPr>
+            </a:br>
+            <a:r>
+              <a:rPr lang="en-US" dirty="0" smtClean="0">
+                <a:solidFill>
+                  <a:srgbClr val="000000"/>
+                </a:solidFill>
+                <a:highlight>
+                  <a:srgbClr val="FFFFFF"/>
+                </a:highlight>
+                <a:latin typeface="Consolas" panose="020B0609020204030204" pitchFamily="49" charset="0"/>
+              </a:rPr>
+              <a:t>	  Height </a:t>
+            </a:r>
+            <a:r>
+              <a:rPr lang="en-US" dirty="0">
+                <a:solidFill>
+                  <a:srgbClr val="000000"/>
+                </a:solidFill>
+                <a:highlight>
+                  <a:srgbClr val="FFFFFF"/>
+                </a:highlight>
+                <a:latin typeface="Consolas" panose="020B0609020204030204" pitchFamily="49" charset="0"/>
+              </a:rPr>
+              <a:t>- </a:t>
+            </a:r>
+            <a:r>
+              <a:rPr lang="en-US" dirty="0" err="1">
+                <a:solidFill>
+                  <a:srgbClr val="000000"/>
+                </a:solidFill>
+                <a:highlight>
+                  <a:srgbClr val="FFFFFF"/>
+                </a:highlight>
+                <a:latin typeface="Consolas" panose="020B0609020204030204" pitchFamily="49" charset="0"/>
+              </a:rPr>
+              <a:t>notFullLines.Count</a:t>
+            </a:r>
+            <a:r>
+              <a:rPr lang="en-US" dirty="0">
+                <a:solidFill>
+                  <a:srgbClr val="000000"/>
+                </a:solidFill>
+                <a:highlight>
+                  <a:srgbClr val="FFFFFF"/>
+                </a:highlight>
+                <a:latin typeface="Consolas" panose="020B0609020204030204" pitchFamily="49" charset="0"/>
+              </a:rPr>
+              <a:t>;</a:t>
+            </a:r>
+          </a:p>
+          <a:p>
+            <a:pPr marL="0" indent="0">
+              <a:buNone/>
+            </a:pPr>
+            <a:r>
+              <a:rPr lang="en-US" dirty="0">
+                <a:solidFill>
+                  <a:srgbClr val="000000"/>
+                </a:solidFill>
+                <a:highlight>
+                  <a:srgbClr val="FFFFFF"/>
+                </a:highlight>
+                <a:latin typeface="Consolas" panose="020B0609020204030204" pitchFamily="49" charset="0"/>
+              </a:rPr>
+              <a:t>    </a:t>
+            </a:r>
+            <a:r>
+              <a:rPr lang="en-US" dirty="0" err="1">
+                <a:solidFill>
+                  <a:srgbClr val="0000FF"/>
+                </a:solidFill>
+                <a:highlight>
+                  <a:srgbClr val="FFFFFF"/>
+                </a:highlight>
+                <a:latin typeface="Consolas" panose="020B0609020204030204" pitchFamily="49" charset="0"/>
+              </a:rPr>
+              <a:t>var</a:t>
+            </a:r>
+            <a:r>
+              <a:rPr lang="en-US" dirty="0">
+                <a:solidFill>
+                  <a:srgbClr val="000000"/>
+                </a:solidFill>
+                <a:highlight>
+                  <a:srgbClr val="FFFFFF"/>
+                </a:highlight>
+                <a:latin typeface="Consolas" panose="020B0609020204030204" pitchFamily="49" charset="0"/>
+              </a:rPr>
+              <a:t> </a:t>
+            </a:r>
+            <a:r>
+              <a:rPr lang="en-US" dirty="0" err="1">
+                <a:solidFill>
+                  <a:srgbClr val="000000"/>
+                </a:solidFill>
+                <a:highlight>
+                  <a:srgbClr val="FFFFFF"/>
+                </a:highlight>
+                <a:latin typeface="Consolas" panose="020B0609020204030204" pitchFamily="49" charset="0"/>
+              </a:rPr>
+              <a:t>newLinesArray</a:t>
+            </a:r>
+            <a:r>
+              <a:rPr lang="en-US" dirty="0">
+                <a:solidFill>
+                  <a:srgbClr val="000000"/>
+                </a:solidFill>
+                <a:highlight>
+                  <a:srgbClr val="FFFFFF"/>
+                </a:highlight>
+                <a:latin typeface="Consolas" panose="020B0609020204030204" pitchFamily="49" charset="0"/>
+              </a:rPr>
+              <a:t> = </a:t>
+            </a:r>
+            <a:r>
+              <a:rPr lang="en-US" dirty="0" err="1" smtClean="0">
+                <a:solidFill>
+                  <a:srgbClr val="000000"/>
+                </a:solidFill>
+                <a:highlight>
+                  <a:srgbClr val="FFFFFF"/>
+                </a:highlight>
+                <a:latin typeface="Consolas" panose="020B0609020204030204" pitchFamily="49" charset="0"/>
+              </a:rPr>
+              <a:t>CreateNewLinesArray</a:t>
+            </a:r>
+            <a:r>
+              <a:rPr lang="en-US" dirty="0" smtClean="0">
+                <a:solidFill>
+                  <a:srgbClr val="000000"/>
+                </a:solidFill>
+                <a:highlight>
+                  <a:srgbClr val="FFFFFF"/>
+                </a:highlight>
+                <a:latin typeface="Consolas" panose="020B0609020204030204" pitchFamily="49" charset="0"/>
+              </a:rPr>
+              <a:t>(</a:t>
+            </a:r>
+          </a:p>
+          <a:p>
+            <a:pPr marL="0" indent="0">
+              <a:buNone/>
+            </a:pPr>
+            <a:r>
+              <a:rPr lang="en-US" dirty="0" smtClean="0">
+                <a:solidFill>
+                  <a:srgbClr val="000000"/>
+                </a:solidFill>
+                <a:highlight>
+                  <a:srgbClr val="FFFFFF"/>
+                </a:highlight>
+                <a:latin typeface="Consolas" panose="020B0609020204030204" pitchFamily="49" charset="0"/>
+              </a:rPr>
+              <a:t>        </a:t>
+            </a:r>
+            <a:r>
+              <a:rPr lang="en-US" dirty="0" err="1" smtClean="0">
+                <a:solidFill>
+                  <a:srgbClr val="000000"/>
+                </a:solidFill>
+                <a:highlight>
+                  <a:srgbClr val="FFFFFF"/>
+                </a:highlight>
+                <a:latin typeface="Consolas" panose="020B0609020204030204" pitchFamily="49" charset="0"/>
+              </a:rPr>
+              <a:t>clearedLinesCount</a:t>
+            </a:r>
+            <a:r>
+              <a:rPr lang="en-US" dirty="0" smtClean="0">
+                <a:solidFill>
+                  <a:srgbClr val="000000"/>
+                </a:solidFill>
+                <a:highlight>
+                  <a:srgbClr val="FFFFFF"/>
+                </a:highlight>
+                <a:latin typeface="Consolas" panose="020B0609020204030204" pitchFamily="49" charset="0"/>
+              </a:rPr>
+              <a:t>,	 </a:t>
+            </a:r>
+            <a:r>
+              <a:rPr lang="en-US" dirty="0" err="1" smtClean="0">
+                <a:solidFill>
+                  <a:srgbClr val="000000"/>
+                </a:solidFill>
+                <a:highlight>
+                  <a:srgbClr val="FFFFFF"/>
+                </a:highlight>
+                <a:latin typeface="Consolas" panose="020B0609020204030204" pitchFamily="49" charset="0"/>
+              </a:rPr>
+              <a:t>notFullLines</a:t>
+            </a:r>
+            <a:r>
+              <a:rPr lang="en-US" dirty="0">
+                <a:solidFill>
+                  <a:srgbClr val="000000"/>
+                </a:solidFill>
+                <a:highlight>
+                  <a:srgbClr val="FFFFFF"/>
+                </a:highlight>
+                <a:latin typeface="Consolas" panose="020B0609020204030204" pitchFamily="49" charset="0"/>
+              </a:rPr>
+              <a:t>);</a:t>
+            </a:r>
+          </a:p>
+          <a:p>
+            <a:pPr marL="0" indent="0">
+              <a:buNone/>
+            </a:pPr>
+            <a:r>
+              <a:rPr lang="en-US" dirty="0">
+                <a:solidFill>
+                  <a:srgbClr val="000000"/>
+                </a:solidFill>
+                <a:highlight>
+                  <a:srgbClr val="FFFFFF"/>
+                </a:highlight>
+                <a:latin typeface="Consolas" panose="020B0609020204030204" pitchFamily="49" charset="0"/>
+              </a:rPr>
+              <a:t>    </a:t>
+            </a:r>
+            <a:r>
+              <a:rPr lang="en-US" dirty="0">
+                <a:solidFill>
+                  <a:srgbClr val="0000FF"/>
+                </a:solidFill>
+                <a:highlight>
+                  <a:srgbClr val="FFFFFF"/>
+                </a:highlight>
+                <a:latin typeface="Consolas" panose="020B0609020204030204" pitchFamily="49" charset="0"/>
+              </a:rPr>
+              <a:t>return</a:t>
+            </a:r>
+            <a:r>
+              <a:rPr lang="en-US" dirty="0">
+                <a:solidFill>
+                  <a:srgbClr val="000000"/>
+                </a:solidFill>
+                <a:highlight>
+                  <a:srgbClr val="FFFFFF"/>
+                </a:highlight>
+                <a:latin typeface="Consolas" panose="020B0609020204030204" pitchFamily="49" charset="0"/>
+              </a:rPr>
+              <a:t> </a:t>
+            </a:r>
+            <a:r>
+              <a:rPr lang="en-US" dirty="0">
+                <a:solidFill>
+                  <a:srgbClr val="0000FF"/>
+                </a:solidFill>
+                <a:highlight>
+                  <a:srgbClr val="FFFFFF"/>
+                </a:highlight>
+                <a:latin typeface="Consolas" panose="020B0609020204030204" pitchFamily="49" charset="0"/>
+              </a:rPr>
+              <a:t>new</a:t>
+            </a:r>
+            <a:r>
+              <a:rPr lang="en-US" dirty="0">
+                <a:solidFill>
+                  <a:srgbClr val="000000"/>
+                </a:solidFill>
+                <a:highlight>
+                  <a:srgbClr val="FFFFFF"/>
+                </a:highlight>
+                <a:latin typeface="Consolas" panose="020B0609020204030204" pitchFamily="49" charset="0"/>
+              </a:rPr>
+              <a:t> </a:t>
+            </a:r>
+            <a:r>
+              <a:rPr lang="en-US" dirty="0" smtClean="0">
+                <a:solidFill>
+                  <a:srgbClr val="000000"/>
+                </a:solidFill>
+                <a:highlight>
+                  <a:srgbClr val="FFFFFF"/>
+                </a:highlight>
+                <a:latin typeface="Consolas" panose="020B0609020204030204" pitchFamily="49" charset="0"/>
+              </a:rPr>
+              <a:t>Field(Width</a:t>
+            </a:r>
+            <a:r>
+              <a:rPr lang="en-US" dirty="0">
+                <a:solidFill>
+                  <a:srgbClr val="000000"/>
+                </a:solidFill>
+                <a:highlight>
+                  <a:srgbClr val="FFFFFF"/>
+                </a:highlight>
+                <a:latin typeface="Consolas" panose="020B0609020204030204" pitchFamily="49" charset="0"/>
+              </a:rPr>
+              <a:t>, Height, </a:t>
+            </a:r>
+            <a:endParaRPr lang="en-US" dirty="0" smtClean="0">
+              <a:solidFill>
+                <a:srgbClr val="000000"/>
+              </a:solidFill>
+              <a:highlight>
+                <a:srgbClr val="FFFFFF"/>
+              </a:highlight>
+              <a:latin typeface="Consolas" panose="020B0609020204030204" pitchFamily="49" charset="0"/>
+            </a:endParaRPr>
+          </a:p>
+          <a:p>
+            <a:pPr marL="0" indent="0">
+              <a:buNone/>
+            </a:pPr>
+            <a:r>
+              <a:rPr lang="en-US" dirty="0" smtClean="0">
+                <a:solidFill>
+                  <a:srgbClr val="000000"/>
+                </a:solidFill>
+                <a:highlight>
+                  <a:srgbClr val="FFFFFF"/>
+                </a:highlight>
+                <a:latin typeface="Consolas" panose="020B0609020204030204" pitchFamily="49" charset="0"/>
+              </a:rPr>
+              <a:t>	  </a:t>
+            </a:r>
+            <a:r>
+              <a:rPr lang="en-US" dirty="0" err="1" smtClean="0">
+                <a:solidFill>
+                  <a:srgbClr val="000000"/>
+                </a:solidFill>
+                <a:highlight>
+                  <a:srgbClr val="FFFFFF"/>
+                </a:highlight>
+                <a:latin typeface="Consolas" panose="020B0609020204030204" pitchFamily="49" charset="0"/>
+              </a:rPr>
+              <a:t>newLinesArray</a:t>
+            </a:r>
+            <a:r>
+              <a:rPr lang="en-US" dirty="0">
+                <a:solidFill>
+                  <a:srgbClr val="000000"/>
+                </a:solidFill>
+                <a:highlight>
+                  <a:srgbClr val="FFFFFF"/>
+                </a:highlight>
+                <a:latin typeface="Consolas" panose="020B0609020204030204" pitchFamily="49" charset="0"/>
+              </a:rPr>
+              <a:t>, </a:t>
+            </a:r>
+            <a:endParaRPr lang="en-US" dirty="0" smtClean="0">
+              <a:solidFill>
+                <a:srgbClr val="000000"/>
+              </a:solidFill>
+              <a:highlight>
+                <a:srgbClr val="FFFFFF"/>
+              </a:highlight>
+              <a:latin typeface="Consolas" panose="020B0609020204030204" pitchFamily="49" charset="0"/>
+            </a:endParaRPr>
+          </a:p>
+          <a:p>
+            <a:pPr marL="0" indent="0">
+              <a:buNone/>
+            </a:pPr>
+            <a:r>
+              <a:rPr lang="en-US" dirty="0">
+                <a:solidFill>
+                  <a:srgbClr val="000000"/>
+                </a:solidFill>
+                <a:highlight>
+                  <a:srgbClr val="FFFFFF"/>
+                </a:highlight>
+                <a:latin typeface="Consolas" panose="020B0609020204030204" pitchFamily="49" charset="0"/>
+              </a:rPr>
+              <a:t>	</a:t>
+            </a:r>
+            <a:r>
+              <a:rPr lang="en-US" dirty="0" smtClean="0">
+                <a:solidFill>
+                  <a:srgbClr val="000000"/>
+                </a:solidFill>
+                <a:highlight>
+                  <a:srgbClr val="FFFFFF"/>
+                </a:highlight>
+                <a:latin typeface="Consolas" panose="020B0609020204030204" pitchFamily="49" charset="0"/>
+              </a:rPr>
+              <a:t>  Score + </a:t>
+            </a:r>
+            <a:r>
+              <a:rPr lang="en-US" dirty="0" err="1" smtClean="0">
+                <a:solidFill>
+                  <a:srgbClr val="000000"/>
+                </a:solidFill>
+                <a:highlight>
+                  <a:srgbClr val="FFFFFF"/>
+                </a:highlight>
+                <a:latin typeface="Consolas" panose="020B0609020204030204" pitchFamily="49" charset="0"/>
+              </a:rPr>
+              <a:t>clearedLinesCount</a:t>
+            </a:r>
+            <a:r>
+              <a:rPr lang="en-US" dirty="0">
+                <a:solidFill>
+                  <a:srgbClr val="000000"/>
+                </a:solidFill>
+                <a:highlight>
+                  <a:srgbClr val="FFFFFF"/>
+                </a:highlight>
+                <a:latin typeface="Consolas" panose="020B0609020204030204" pitchFamily="49" charset="0"/>
+              </a:rPr>
+              <a:t>);</a:t>
+            </a:r>
+          </a:p>
+          <a:p>
+            <a:pPr marL="0" indent="0">
+              <a:buNone/>
+            </a:pPr>
+            <a:r>
+              <a:rPr lang="ru-RU" dirty="0">
+                <a:solidFill>
+                  <a:srgbClr val="000000"/>
+                </a:solidFill>
+                <a:highlight>
+                  <a:srgbClr val="FFFFFF"/>
+                </a:highlight>
+                <a:latin typeface="Consolas" panose="020B0609020204030204" pitchFamily="49" charset="0"/>
+              </a:rPr>
+              <a:t>}</a:t>
+            </a:r>
+          </a:p>
+          <a:p>
+            <a:pPr marL="0" indent="0">
+              <a:buNone/>
+            </a:pPr>
+            <a:endParaRPr lang="ru-RU" dirty="0"/>
+          </a:p>
+        </p:txBody>
+      </p:sp>
+    </p:spTree>
+    <p:extLst>
+      <p:ext uri="{BB962C8B-B14F-4D97-AF65-F5344CB8AC3E}">
+        <p14:creationId xmlns:p14="http://schemas.microsoft.com/office/powerpoint/2010/main" val="2008053845"/>
+      </p:ext>
+    </p:extLst>
+  </p:cSld>
+  <p:clrMapOvr>
+    <a:masterClrMapping/>
+  </p:clrMapOvr>
+  <p:timing>
+    <p:tnLst>
+      <p:par>
+        <p:cTn id="1" dur="indefinite" restart="never" nodeType="tmRoot"/>
+      </p:par>
+    </p:tnLst>
+  </p:timing>
+</p:sld>
+</file>
+
+<file path=ppt/slides/slide32.xml><?xml version="1.0" encoding="utf-8"?>
 <p:sld xmlns:a="http://schemas.openxmlformats.org/drawingml/2006/main" xmlns:r="http://schemas.openxmlformats.org/officeDocument/2006/relationships" xmlns:p="http://schemas.openxmlformats.org/presentationml/2006/main">
   <p:cSld>
     <p:spTree>
@@ -13588,7 +17653,7 @@
           <p:nvPr/>
         </p:nvPicPr>
         <p:blipFill>
-          <a:blip r:embed="rId2" cstate="print">
+          <a:blip r:embed="rId3" cstate="print">
             <a:extLst>
               <a:ext uri="{28A0092B-C50C-407E-A947-70E740481C1C}">
                 <a14:useLocalDpi xmlns:a14="http://schemas.microsoft.com/office/drawing/2010/main" val="0"/>
@@ -13619,10 +17684,17 @@
   <p:clrMapOvr>
     <a:masterClrMapping/>
   </p:clrMapOvr>
+  <p:timing>
+    <p:tnLst>
+      <p:par>
+        <p:cTn id="1" dur="indefinite" restart="never" nodeType="tmRoot"/>
+      </p:par>
+    </p:tnLst>
+  </p:timing>
 </p:sld>
 </file>
 
-<file path=ppt/slides/slide29.xml><?xml version="1.0" encoding="utf-8"?>
+<file path=ppt/slides/slide33.xml><?xml version="1.0" encoding="utf-8"?>
 <p:sld xmlns:a="http://schemas.openxmlformats.org/drawingml/2006/main" xmlns:r="http://schemas.openxmlformats.org/officeDocument/2006/relationships" xmlns:p="http://schemas.openxmlformats.org/presentationml/2006/main">
   <p:cSld>
     <p:spTree>
@@ -13690,125 +17762,17 @@
   <p:clrMapOvr>
     <a:masterClrMapping/>
   </p:clrMapOvr>
+  <p:timing>
+    <p:tnLst>
+      <p:par>
+        <p:cTn id="1" dur="indefinite" restart="never" nodeType="tmRoot"/>
+      </p:par>
+    </p:tnLst>
+  </p:timing>
 </p:sld>
 </file>
 
-<file path=ppt/slides/slide3.xml><?xml version="1.0" encoding="utf-8"?>
-<p:sld xmlns:a="http://schemas.openxmlformats.org/drawingml/2006/main" xmlns:r="http://schemas.openxmlformats.org/officeDocument/2006/relationships" xmlns:p="http://schemas.openxmlformats.org/presentationml/2006/main">
-  <p:cSld>
-    <p:spTree>
-      <p:nvGrpSpPr>
-        <p:cNvPr id="1" name=""/>
-        <p:cNvGrpSpPr/>
-        <p:nvPr/>
-      </p:nvGrpSpPr>
-      <p:grpSpPr>
-        <a:xfrm>
-          <a:off x="0" y="0"/>
-          <a:ext cx="0" cy="0"/>
-          <a:chOff x="0" y="0"/>
-          <a:chExt cx="0" cy="0"/>
-        </a:xfrm>
-      </p:grpSpPr>
-      <p:sp>
-        <p:nvSpPr>
-          <p:cNvPr id="2" name="Заголовок 1"/>
-          <p:cNvSpPr>
-            <a:spLocks noGrp="1"/>
-          </p:cNvSpPr>
-          <p:nvPr>
-            <p:ph type="title"/>
-          </p:nvPr>
-        </p:nvSpPr>
-        <p:spPr/>
-        <p:txBody>
-          <a:bodyPr>
-            <a:noAutofit/>
-          </a:bodyPr>
-          <a:lstStyle/>
-          <a:p>
-            <a:r>
-              <a:rPr lang="ru-RU" dirty="0"/>
-              <a:t>Зачем нужен чистый код?</a:t>
-            </a:r>
-          </a:p>
-        </p:txBody>
-      </p:sp>
-      <p:sp>
-        <p:nvSpPr>
-          <p:cNvPr id="3" name="Объект 2"/>
-          <p:cNvSpPr>
-            <a:spLocks noGrp="1"/>
-          </p:cNvSpPr>
-          <p:nvPr>
-            <p:ph idx="1"/>
-          </p:nvPr>
-        </p:nvSpPr>
-        <p:spPr/>
-        <p:txBody>
-          <a:bodyPr>
-            <a:normAutofit fontScale="85000" lnSpcReduction="10000"/>
-          </a:bodyPr>
-          <a:lstStyle/>
-          <a:p>
-            <a:r>
-              <a:rPr lang="ru-RU" b="1" dirty="0"/>
-              <a:t>Простота и понятность.</a:t>
-            </a:r>
-            <a:r>
-              <a:rPr lang="ru-RU" dirty="0"/>
-              <a:t> Что в будущем инженер смог быстро разобраться и доработать компонент под изменившиеся требования.</a:t>
-            </a:r>
-          </a:p>
-          <a:p>
-            <a:r>
-              <a:rPr lang="x-none" b="1" dirty="0"/>
-              <a:t>Корректность.</a:t>
-            </a:r>
-            <a:r>
-              <a:rPr lang="x-none" dirty="0"/>
-              <a:t> Чтобы в будущем инженер своими правками случайно не сломал работоспособность системы.</a:t>
-            </a:r>
-          </a:p>
-          <a:p>
-            <a:r>
-              <a:rPr lang="x-none" b="1" dirty="0"/>
-              <a:t>Расширяемость.</a:t>
-            </a:r>
-            <a:r>
-              <a:rPr lang="x-none" dirty="0"/>
-              <a:t> Чтобы в будущем инженеру проще было вносить доработки под новые требования.</a:t>
-            </a:r>
-          </a:p>
-          <a:p>
-            <a:r>
-              <a:rPr lang="x-none" b="1" dirty="0"/>
-              <a:t>Универсальность.</a:t>
-            </a:r>
-            <a:r>
-              <a:rPr lang="x-none" dirty="0"/>
-              <a:t> Чтобы в будущем инженеру было проще использовать этот код в контексте другой задачи или проекта.</a:t>
-            </a:r>
-          </a:p>
-          <a:p>
-            <a:endParaRPr lang="ru-RU" dirty="0"/>
-          </a:p>
-        </p:txBody>
-      </p:sp>
-    </p:spTree>
-    <p:extLst>
-      <p:ext uri="{BB962C8B-B14F-4D97-AF65-F5344CB8AC3E}">
-        <p14:creationId xmlns:p14="http://schemas.microsoft.com/office/powerpoint/2010/main" val="3784933844"/>
-      </p:ext>
-    </p:extLst>
-  </p:cSld>
-  <p:clrMapOvr>
-    <a:masterClrMapping/>
-  </p:clrMapOvr>
-</p:sld>
-</file>
-
-<file path=ppt/slides/slide30.xml><?xml version="1.0" encoding="utf-8"?>
+<file path=ppt/slides/slide34.xml><?xml version="1.0" encoding="utf-8"?>
 <p:sld xmlns:a="http://schemas.openxmlformats.org/drawingml/2006/main" xmlns:r="http://schemas.openxmlformats.org/officeDocument/2006/relationships" xmlns:p="http://schemas.openxmlformats.org/presentationml/2006/main">
   <p:cSld>
     <p:spTree>
@@ -13834,7 +17798,7 @@
           <p:nvPr/>
         </p:nvPicPr>
         <p:blipFill>
-          <a:blip r:embed="rId2" cstate="print">
+          <a:blip r:embed="rId3" cstate="print">
             <a:extLst>
               <a:ext uri="{28A0092B-C50C-407E-A947-70E740481C1C}">
                 <a14:useLocalDpi xmlns:a14="http://schemas.microsoft.com/office/drawing/2010/main" val="0"/>
@@ -15393,10 +19357,17 @@
   <p:clrMapOvr>
     <a:masterClrMapping/>
   </p:clrMapOvr>
+  <p:timing>
+    <p:tnLst>
+      <p:par>
+        <p:cTn id="1" dur="indefinite" restart="never" nodeType="tmRoot"/>
+      </p:par>
+    </p:tnLst>
+  </p:timing>
 </p:sld>
 </file>
 
-<file path=ppt/slides/slide31.xml><?xml version="1.0" encoding="utf-8"?>
+<file path=ppt/slides/slide35.xml><?xml version="1.0" encoding="utf-8"?>
 <p:sld xmlns:a="http://schemas.openxmlformats.org/drawingml/2006/main" xmlns:r="http://schemas.openxmlformats.org/officeDocument/2006/relationships" xmlns:p="http://schemas.openxmlformats.org/presentationml/2006/main">
   <p:cSld>
     <p:spTree>
@@ -15488,10 +19459,17 @@
   <p:clrMapOvr>
     <a:masterClrMapping/>
   </p:clrMapOvr>
+  <p:timing>
+    <p:tnLst>
+      <p:par>
+        <p:cTn id="1" dur="indefinite" restart="never" nodeType="tmRoot"/>
+      </p:par>
+    </p:tnLst>
+  </p:timing>
 </p:sld>
 </file>
 
-<file path=ppt/slides/slide32.xml><?xml version="1.0" encoding="utf-8"?>
+<file path=ppt/slides/slide36.xml><?xml version="1.0" encoding="utf-8"?>
 <p:sld xmlns:a="http://schemas.openxmlformats.org/drawingml/2006/main" xmlns:r="http://schemas.openxmlformats.org/officeDocument/2006/relationships" xmlns:p="http://schemas.openxmlformats.org/presentationml/2006/main">
   <p:cSld>
     <p:spTree>
@@ -15570,10 +19548,17 @@
   <p:clrMapOvr>
     <a:masterClrMapping/>
   </p:clrMapOvr>
+  <p:timing>
+    <p:tnLst>
+      <p:par>
+        <p:cTn id="1" dur="indefinite" restart="never" nodeType="tmRoot"/>
+      </p:par>
+    </p:tnLst>
+  </p:timing>
 </p:sld>
 </file>
 
-<file path=ppt/slides/slide33.xml><?xml version="1.0" encoding="utf-8"?>
+<file path=ppt/slides/slide37.xml><?xml version="1.0" encoding="utf-8"?>
 <p:sld xmlns:a="http://schemas.openxmlformats.org/drawingml/2006/main" xmlns:r="http://schemas.openxmlformats.org/officeDocument/2006/relationships" xmlns:p="http://schemas.openxmlformats.org/presentationml/2006/main">
   <p:cSld>
     <p:spTree>
@@ -15617,6 +19602,106 @@
           </a:p>
         </p:txBody>
       </p:sp>
+      <p:sp>
+        <p:nvSpPr>
+          <p:cNvPr id="3" name="Объект 2"/>
+          <p:cNvSpPr>
+            <a:spLocks noGrp="1"/>
+          </p:cNvSpPr>
+          <p:nvPr>
+            <p:ph idx="1"/>
+          </p:nvPr>
+        </p:nvSpPr>
+        <p:spPr/>
+        <p:txBody>
+          <a:bodyPr/>
+          <a:lstStyle/>
+          <a:p>
+            <a:r>
+              <a:rPr lang="ru-RU" dirty="0" smtClean="0"/>
+              <a:t>Сделать более явным поток данных:</a:t>
+            </a:r>
+          </a:p>
+          <a:p>
+            <a:pPr lvl="1"/>
+            <a:r>
+              <a:rPr lang="ru-RU" dirty="0" smtClean="0"/>
+              <a:t>Убрать все поля, передавать аргументы в метод</a:t>
+            </a:r>
+          </a:p>
+          <a:p>
+            <a:pPr lvl="1"/>
+            <a:r>
+              <a:rPr lang="ru-RU" dirty="0" smtClean="0"/>
+              <a:t>Удалить </a:t>
+            </a:r>
+            <a:r>
+              <a:rPr lang="en-US" dirty="0" err="1" smtClean="0"/>
+              <a:t>LoadFrom</a:t>
+            </a:r>
+            <a:r>
+              <a:rPr lang="ru-RU" dirty="0"/>
+              <a:t> </a:t>
+            </a:r>
+            <a:r>
+              <a:rPr lang="ru-RU" dirty="0" smtClean="0"/>
+              <a:t>(и доработать тесты)</a:t>
+            </a:r>
+          </a:p>
+          <a:p>
+            <a:r>
+              <a:rPr lang="ru-RU" dirty="0" smtClean="0"/>
+              <a:t>Найти и использовать </a:t>
+            </a:r>
+            <a:r>
+              <a:rPr lang="en-US" dirty="0" err="1" smtClean="0"/>
+              <a:t>PerformMove</a:t>
+            </a:r>
+            <a:endParaRPr lang="ru-RU" dirty="0" smtClean="0"/>
+          </a:p>
+          <a:p>
+            <a:r>
+              <a:rPr lang="ru-RU" dirty="0" smtClean="0"/>
+              <a:t>Выделить </a:t>
+            </a:r>
+            <a:r>
+              <a:rPr lang="en-US" dirty="0" err="1" smtClean="0"/>
+              <a:t>HasSafeMoves</a:t>
+            </a:r>
+            <a:endParaRPr lang="ru-RU" dirty="0" smtClean="0"/>
+          </a:p>
+          <a:p>
+            <a:r>
+              <a:rPr lang="ru-RU" dirty="0" smtClean="0"/>
+              <a:t>Обобщить пару </a:t>
+            </a:r>
+            <a:r>
+              <a:rPr lang="en-US" dirty="0" err="1" smtClean="0"/>
+              <a:t>foreach</a:t>
+            </a:r>
+            <a:r>
+              <a:rPr lang="ru-RU" dirty="0"/>
+              <a:t> </a:t>
+            </a:r>
+            <a:r>
+              <a:rPr lang="ru-RU" dirty="0" smtClean="0"/>
+              <a:t>в </a:t>
+            </a:r>
+            <a:r>
+              <a:rPr lang="en-US" dirty="0" err="1" smtClean="0"/>
+              <a:t>HasMoves</a:t>
+            </a:r>
+            <a:endParaRPr lang="en-US" dirty="0" smtClean="0"/>
+          </a:p>
+          <a:p>
+            <a:r>
+              <a:rPr lang="ru-RU" dirty="0" smtClean="0"/>
+              <a:t>Обобщить для любого цвета, не только белого</a:t>
+            </a:r>
+            <a:endParaRPr lang="ru-RU" dirty="0"/>
+          </a:p>
+        </p:txBody>
+      </p:sp>
     </p:spTree>
     <p:extLst>
       <p:ext uri="{BB962C8B-B14F-4D97-AF65-F5344CB8AC3E}">
@@ -15627,10 +19712,17 @@
   <p:clrMapOvr>
     <a:masterClrMapping/>
   </p:clrMapOvr>
+  <p:timing>
+    <p:tnLst>
+      <p:par>
+        <p:cTn id="1" dur="indefinite" restart="never" nodeType="tmRoot"/>
+      </p:par>
+    </p:tnLst>
+  </p:timing>
 </p:sld>
 </file>
 
-<file path=ppt/slides/slide34.xml><?xml version="1.0" encoding="utf-8"?>
+<file path=ppt/slides/slide38.xml><?xml version="1.0" encoding="utf-8"?>
 <p:sld xmlns:a="http://schemas.openxmlformats.org/drawingml/2006/main" xmlns:r="http://schemas.openxmlformats.org/officeDocument/2006/relationships" xmlns:p="http://schemas.openxmlformats.org/presentationml/2006/main">
   <p:cSld>
     <p:spTree>
@@ -15713,10 +19805,17 @@
   <p:clrMapOvr>
     <a:masterClrMapping/>
   </p:clrMapOvr>
+  <p:timing>
+    <p:tnLst>
+      <p:par>
+        <p:cTn id="1" dur="indefinite" restart="never" nodeType="tmRoot"/>
+      </p:par>
+    </p:tnLst>
+  </p:timing>
 </p:sld>
 </file>
 
-<file path=ppt/slides/slide35.xml><?xml version="1.0" encoding="utf-8"?>
+<file path=ppt/slides/slide39.xml><?xml version="1.0" encoding="utf-8"?>
 <p:sld xmlns:a="http://schemas.openxmlformats.org/drawingml/2006/main" xmlns:r="http://schemas.openxmlformats.org/officeDocument/2006/relationships" xmlns:p="http://schemas.openxmlformats.org/presentationml/2006/main">
   <p:cSld>
     <p:spTree>
@@ -15800,10 +19899,128 @@
   <p:clrMapOvr>
     <a:masterClrMapping/>
   </p:clrMapOvr>
+  <p:timing>
+    <p:tnLst>
+      <p:par>
+        <p:cTn id="1" dur="indefinite" restart="never" nodeType="tmRoot"/>
+      </p:par>
+    </p:tnLst>
+  </p:timing>
 </p:sld>
 </file>
 
-<file path=ppt/slides/slide36.xml><?xml version="1.0" encoding="utf-8"?>
+<file path=ppt/slides/slide4.xml><?xml version="1.0" encoding="utf-8"?>
+<p:sld xmlns:a="http://schemas.openxmlformats.org/drawingml/2006/main" xmlns:r="http://schemas.openxmlformats.org/officeDocument/2006/relationships" xmlns:p="http://schemas.openxmlformats.org/presentationml/2006/main">
+  <p:cSld>
+    <p:spTree>
+      <p:nvGrpSpPr>
+        <p:cNvPr id="1" name=""/>
+        <p:cNvGrpSpPr/>
+        <p:nvPr/>
+      </p:nvGrpSpPr>
+      <p:grpSpPr>
+        <a:xfrm>
+          <a:off x="0" y="0"/>
+          <a:ext cx="0" cy="0"/>
+          <a:chOff x="0" y="0"/>
+          <a:chExt cx="0" cy="0"/>
+        </a:xfrm>
+      </p:grpSpPr>
+      <p:sp>
+        <p:nvSpPr>
+          <p:cNvPr id="2" name="Заголовок 1"/>
+          <p:cNvSpPr>
+            <a:spLocks noGrp="1"/>
+          </p:cNvSpPr>
+          <p:nvPr>
+            <p:ph type="title"/>
+          </p:nvPr>
+        </p:nvSpPr>
+        <p:spPr/>
+        <p:txBody>
+          <a:bodyPr/>
+          <a:lstStyle/>
+          <a:p>
+            <a:r>
+              <a:rPr lang="ru-RU" dirty="0"/>
+              <a:t>Гигиенический минимум</a:t>
+            </a:r>
+          </a:p>
+        </p:txBody>
+      </p:sp>
+      <p:sp>
+        <p:nvSpPr>
+          <p:cNvPr id="3" name="Объект 2"/>
+          <p:cNvSpPr>
+            <a:spLocks noGrp="1"/>
+          </p:cNvSpPr>
+          <p:nvPr>
+            <p:ph idx="1"/>
+          </p:nvPr>
+        </p:nvSpPr>
+        <p:spPr/>
+        <p:txBody>
+          <a:bodyPr/>
+          <a:lstStyle/>
+          <a:p>
+            <a:r>
+              <a:rPr lang="ru-RU" dirty="0"/>
+              <a:t>Аккуратное форматирование</a:t>
+            </a:r>
+          </a:p>
+          <a:p>
+            <a:r>
+              <a:rPr lang="ru-RU" dirty="0"/>
+              <a:t>Соответствие принятому (в команде или </a:t>
+            </a:r>
+            <a:br>
+              <a:rPr lang="ru-RU" dirty="0"/>
+            </a:br>
+            <a:r>
+              <a:rPr lang="ru-RU" dirty="0"/>
+              <a:t>в </a:t>
+            </a:r>
+            <a:r>
+              <a:rPr lang="ru-RU" dirty="0" err="1"/>
+              <a:t>комьюнити</a:t>
+            </a:r>
+            <a:r>
+              <a:rPr lang="ru-RU" dirty="0"/>
+              <a:t>) стилю оформления кода</a:t>
+            </a:r>
+          </a:p>
+          <a:p>
+            <a:r>
+              <a:rPr lang="ru-RU" dirty="0"/>
+              <a:t>Понятные имена методов и переменных</a:t>
+            </a:r>
+          </a:p>
+          <a:p>
+            <a:endParaRPr lang="ru-RU" dirty="0"/>
+          </a:p>
+        </p:txBody>
+      </p:sp>
+    </p:spTree>
+    <p:extLst>
+      <p:ext uri="{BB962C8B-B14F-4D97-AF65-F5344CB8AC3E}">
+        <p14:creationId xmlns:p14="http://schemas.microsoft.com/office/powerpoint/2010/main" val="218469268"/>
+      </p:ext>
+    </p:extLst>
+  </p:cSld>
+  <p:clrMapOvr>
+    <a:masterClrMapping/>
+  </p:clrMapOvr>
+  <p:timing>
+    <p:tnLst>
+      <p:par>
+        <p:cTn id="1" dur="indefinite" restart="never" nodeType="tmRoot"/>
+      </p:par>
+    </p:tnLst>
+  </p:timing>
+</p:sld>
+</file>
+
+<file path=ppt/slides/slide40.xml><?xml version="1.0" encoding="utf-8"?>
 <p:sld xmlns:a="http://schemas.openxmlformats.org/drawingml/2006/main" xmlns:r="http://schemas.openxmlformats.org/officeDocument/2006/relationships" xmlns:p="http://schemas.openxmlformats.org/presentationml/2006/main">
   <p:cSld>
     <p:spTree>
@@ -15921,10 +20138,17 @@
   <p:clrMapOvr>
     <a:masterClrMapping/>
   </p:clrMapOvr>
+  <p:timing>
+    <p:tnLst>
+      <p:par>
+        <p:cTn id="1" dur="indefinite" restart="never" nodeType="tmRoot"/>
+      </p:par>
+    </p:tnLst>
+  </p:timing>
 </p:sld>
 </file>
 
-<file path=ppt/slides/slide37.xml><?xml version="1.0" encoding="utf-8"?>
+<file path=ppt/slides/slide41.xml><?xml version="1.0" encoding="utf-8"?>
 <p:sld xmlns:a="http://schemas.openxmlformats.org/drawingml/2006/main" xmlns:r="http://schemas.openxmlformats.org/officeDocument/2006/relationships" xmlns:p="http://schemas.openxmlformats.org/presentationml/2006/main">
   <p:cSld>
     <p:spTree>
@@ -15994,10 +20218,17 @@
   <p:clrMapOvr>
     <a:masterClrMapping/>
   </p:clrMapOvr>
+  <p:timing>
+    <p:tnLst>
+      <p:par>
+        <p:cTn id="1" dur="indefinite" restart="never" nodeType="tmRoot"/>
+      </p:par>
+    </p:tnLst>
+  </p:timing>
 </p:sld>
 </file>
 
-<file path=ppt/slides/slide4.xml><?xml version="1.0" encoding="utf-8"?>
+<file path=ppt/slides/slide42.xml><?xml version="1.0" encoding="utf-8"?>
 <p:sld xmlns:a="http://schemas.openxmlformats.org/drawingml/2006/main" xmlns:r="http://schemas.openxmlformats.org/officeDocument/2006/relationships" xmlns:p="http://schemas.openxmlformats.org/presentationml/2006/main">
   <p:cSld>
     <p:spTree>
@@ -16026,12 +20257,22 @@
         </p:nvSpPr>
         <p:spPr/>
         <p:txBody>
-          <a:bodyPr/>
+          <a:bodyPr>
+            <a:normAutofit/>
+          </a:bodyPr>
           <a:lstStyle/>
           <a:p>
             <a:r>
               <a:rPr lang="ru-RU" dirty="0"/>
-              <a:t>Гигиенический минимум</a:t>
+              <a:t>ДЗ «Плохая </a:t>
+            </a:r>
+            <a:r>
+              <a:rPr lang="ru-RU" dirty="0" smtClean="0"/>
+              <a:t>компоновка</a:t>
+            </a:r>
+            <a:r>
+              <a:rPr lang="ru-RU" dirty="0"/>
+              <a:t>»</a:t>
             </a:r>
           </a:p>
         </p:txBody>
@@ -16051,53 +20292,83 @@
           <a:bodyPr/>
           <a:lstStyle/>
           <a:p>
+            <a:pPr marL="514350" indent="-514350">
+              <a:buFont typeface="+mj-lt"/>
+              <a:buAutoNum type="arabicPeriod"/>
+            </a:pPr>
             <a:r>
               <a:rPr lang="ru-RU" dirty="0"/>
-              <a:t>Аккуратное форматирование</a:t>
-            </a:r>
-          </a:p>
-          <a:p>
+              <a:t>Найти в коде своего проекта</a:t>
+            </a:r>
+            <a:r>
+              <a:rPr lang="en-US" dirty="0"/>
+              <a:t> </a:t>
+            </a:r>
             <a:r>
               <a:rPr lang="ru-RU" dirty="0"/>
-              <a:t>Соответствие принятому (в команде или </a:t>
-            </a:r>
-            <a:br>
+              <a:t>пример</a:t>
+            </a:r>
+            <a:r>
+              <a:rPr lang="en-US" dirty="0"/>
+              <a:t> </a:t>
+            </a:r>
+            <a:r>
               <a:rPr lang="ru-RU" dirty="0"/>
-            </a:br>
+              <a:t>неудачной декомпозиции с точки зрения «</a:t>
+            </a:r>
+            <a:r>
+              <a:rPr lang="ru-RU" dirty="0" err="1"/>
+              <a:t>переиспользуемости</a:t>
+            </a:r>
             <a:r>
               <a:rPr lang="ru-RU" dirty="0"/>
-              <a:t>в </a:t>
+              <a:t>»</a:t>
+            </a:r>
+          </a:p>
+          <a:p>
+            <a:pPr marL="514350" indent="-514350">
+              <a:buFont typeface="+mj-lt"/>
+              <a:buAutoNum type="arabicPeriod"/>
+            </a:pPr>
+            <a:r>
+              <a:rPr lang="ru-RU" dirty="0"/>
+              <a:t>Провести </a:t>
             </a:r>
             <a:r>
               <a:rPr lang="ru-RU" dirty="0" err="1"/>
-              <a:t>комьюнити</a:t>
-            </a:r>
+              <a:t>рефакторинг</a:t>
+            </a:r>
+            <a:endParaRPr lang="ru-RU" dirty="0"/>
+          </a:p>
+          <a:p>
+            <a:pPr marL="514350" indent="-514350">
+              <a:buFont typeface="+mj-lt"/>
+              <a:buAutoNum type="arabicPeriod"/>
+            </a:pPr>
             <a:r>
               <a:rPr lang="ru-RU" dirty="0"/>
-              <a:t>) стилю оформления кода</a:t>
-            </a:r>
-          </a:p>
-          <a:p>
-            <a:r>
-              <a:rPr lang="ru-RU" dirty="0"/>
-              <a:t>Понятные имена методов и переменных</a:t>
-            </a:r>
-          </a:p>
-          <a:p>
-            <a:endParaRPr lang="ru-RU" dirty="0"/>
+              <a:t>Рассказать на следующем занятии</a:t>
+            </a:r>
           </a:p>
         </p:txBody>
       </p:sp>
     </p:spTree>
     <p:extLst>
       <p:ext uri="{BB962C8B-B14F-4D97-AF65-F5344CB8AC3E}">
-        <p14:creationId xmlns:p14="http://schemas.microsoft.com/office/powerpoint/2010/main" val="218469268"/>
+        <p14:creationId xmlns:p14="http://schemas.microsoft.com/office/powerpoint/2010/main" val="207540281"/>
       </p:ext>
     </p:extLst>
   </p:cSld>
   <p:clrMapOvr>
     <a:masterClrMapping/>
   </p:clrMapOvr>
+  <p:timing>
+    <p:tnLst>
+      <p:par>
+        <p:cTn id="1" dur="indefinite" restart="never" nodeType="tmRoot"/>
+      </p:par>
+    </p:tnLst>
+  </p:timing>
 </p:sld>
 </file>
 
@@ -16224,7 +20495,7 @@
             </a:pPr>
             <a:r>
               <a:rPr lang="en-US" dirty="0">
-                <a:hlinkClick r:id="rId2"/>
+                <a:hlinkClick r:id="rId3"/>
               </a:rPr>
               <a:t>Object oriented software construction</a:t>
             </a:r>
@@ -16246,6 +20517,13 @@
   <p:clrMapOvr>
     <a:masterClrMapping/>
   </p:clrMapOvr>
+  <p:timing>
+    <p:tnLst>
+      <p:par>
+        <p:cTn id="1" dur="indefinite" restart="never" nodeType="tmRoot"/>
+      </p:par>
+    </p:tnLst>
+  </p:timing>
 </p:sld>
 </file>
 
@@ -16318,6 +20596,13 @@
   <p:clrMapOvr>
     <a:masterClrMapping/>
   </p:clrMapOvr>
+  <p:timing>
+    <p:tnLst>
+      <p:par>
+        <p:cTn id="1" dur="indefinite" restart="never" nodeType="tmRoot"/>
+      </p:par>
+    </p:tnLst>
+  </p:timing>
 </p:sld>
 </file>
 
@@ -16350,12 +20635,18 @@
         </p:nvSpPr>
         <p:spPr/>
         <p:txBody>
-          <a:bodyPr/>
+          <a:bodyPr>
+            <a:normAutofit fontScale="90000"/>
+          </a:bodyPr>
           <a:lstStyle/>
           <a:p>
             <a:r>
+              <a:rPr lang="ru-RU" dirty="0" smtClean="0"/>
+              <a:t>Задача: Разбить </a:t>
+            </a:r>
+            <a:r>
               <a:rPr lang="ru-RU" dirty="0"/>
-              <a:t>Разбить на поля </a:t>
+              <a:t>на поля </a:t>
             </a:r>
             <a:r>
               <a:rPr lang="en-US" dirty="0"/>
@@ -16531,6 +20822,13 @@
   <p:clrMapOvr>
     <a:masterClrMapping/>
   </p:clrMapOvr>
+  <p:timing>
+    <p:tnLst>
+      <p:par>
+        <p:cTn id="1" dur="indefinite" restart="never" nodeType="tmRoot"/>
+      </p:par>
+    </p:tnLst>
+  </p:timing>
 </p:sld>
 </file>
 
@@ -16560,7 +20858,7 @@
           <p:nvPr/>
         </p:nvPicPr>
         <p:blipFill>
-          <a:blip r:embed="rId2">
+          <a:blip r:embed="rId3">
             <a:extLst>
               <a:ext uri="{28A0092B-C50C-407E-A947-70E740481C1C}">
                 <a14:useLocalDpi xmlns:a14="http://schemas.microsoft.com/office/drawing/2010/main" val="0"/>
@@ -16643,6 +20941,13 @@
   <p:clrMapOvr>
     <a:masterClrMapping/>
   </p:clrMapOvr>
+  <p:timing>
+    <p:tnLst>
+      <p:par>
+        <p:cTn id="1" dur="indefinite" restart="never" nodeType="tmRoot"/>
+      </p:par>
+    </p:tnLst>
+  </p:timing>
 </p:sld>
 </file>
 
